--- a/Taggy.pptx
+++ b/Taggy.pptx
@@ -6,12 +6,19 @@
   </p:sldMasterIdLst>
   <p:sldIdLst>
     <p:sldId id="256" r:id="rId2"/>
-    <p:sldId id="257" r:id="rId3"/>
-    <p:sldId id="258" r:id="rId4"/>
-    <p:sldId id="259" r:id="rId5"/>
-    <p:sldId id="261" r:id="rId6"/>
-    <p:sldId id="262" r:id="rId7"/>
-    <p:sldId id="263" r:id="rId8"/>
+    <p:sldId id="264" r:id="rId3"/>
+    <p:sldId id="266" r:id="rId4"/>
+    <p:sldId id="262" r:id="rId5"/>
+    <p:sldId id="267" r:id="rId6"/>
+    <p:sldId id="268" r:id="rId7"/>
+    <p:sldId id="269" r:id="rId8"/>
+    <p:sldId id="270" r:id="rId9"/>
+    <p:sldId id="271" r:id="rId10"/>
+    <p:sldId id="272" r:id="rId11"/>
+    <p:sldId id="273" r:id="rId12"/>
+    <p:sldId id="274" r:id="rId13"/>
+    <p:sldId id="275" r:id="rId14"/>
+    <p:sldId id="263" r:id="rId15"/>
   </p:sldIdLst>
   <p:sldSz cx="12192000" cy="6858000"/>
   <p:notesSz cx="6858000" cy="9144000"/>
@@ -269,7 +276,7 @@
           <a:p>
             <a:fld id="{DA17DDDA-FFA6-4FC2-84B4-12FE42554B3E}" type="datetimeFigureOut">
               <a:rPr lang="en-US" smtClean="0"/>
-              <a:t>1/19/2018</a:t>
+              <a:t>1/26/2018</a:t>
             </a:fld>
             <a:endParaRPr lang="en-US"/>
           </a:p>
@@ -467,7 +474,7 @@
           <a:p>
             <a:fld id="{DA17DDDA-FFA6-4FC2-84B4-12FE42554B3E}" type="datetimeFigureOut">
               <a:rPr lang="en-US" smtClean="0"/>
-              <a:t>1/19/2018</a:t>
+              <a:t>1/26/2018</a:t>
             </a:fld>
             <a:endParaRPr lang="en-US"/>
           </a:p>
@@ -675,7 +682,7 @@
           <a:p>
             <a:fld id="{DA17DDDA-FFA6-4FC2-84B4-12FE42554B3E}" type="datetimeFigureOut">
               <a:rPr lang="en-US" smtClean="0"/>
-              <a:t>1/19/2018</a:t>
+              <a:t>1/26/2018</a:t>
             </a:fld>
             <a:endParaRPr lang="en-US"/>
           </a:p>
@@ -873,7 +880,7 @@
           <a:p>
             <a:fld id="{DA17DDDA-FFA6-4FC2-84B4-12FE42554B3E}" type="datetimeFigureOut">
               <a:rPr lang="en-US" smtClean="0"/>
-              <a:t>1/19/2018</a:t>
+              <a:t>1/26/2018</a:t>
             </a:fld>
             <a:endParaRPr lang="en-US"/>
           </a:p>
@@ -1148,7 +1155,7 @@
           <a:p>
             <a:fld id="{DA17DDDA-FFA6-4FC2-84B4-12FE42554B3E}" type="datetimeFigureOut">
               <a:rPr lang="en-US" smtClean="0"/>
-              <a:t>1/19/2018</a:t>
+              <a:t>1/26/2018</a:t>
             </a:fld>
             <a:endParaRPr lang="en-US"/>
           </a:p>
@@ -1413,7 +1420,7 @@
           <a:p>
             <a:fld id="{DA17DDDA-FFA6-4FC2-84B4-12FE42554B3E}" type="datetimeFigureOut">
               <a:rPr lang="en-US" smtClean="0"/>
-              <a:t>1/19/2018</a:t>
+              <a:t>1/26/2018</a:t>
             </a:fld>
             <a:endParaRPr lang="en-US"/>
           </a:p>
@@ -1825,7 +1832,7 @@
           <a:p>
             <a:fld id="{DA17DDDA-FFA6-4FC2-84B4-12FE42554B3E}" type="datetimeFigureOut">
               <a:rPr lang="en-US" smtClean="0"/>
-              <a:t>1/19/2018</a:t>
+              <a:t>1/26/2018</a:t>
             </a:fld>
             <a:endParaRPr lang="en-US"/>
           </a:p>
@@ -1966,7 +1973,7 @@
           <a:p>
             <a:fld id="{DA17DDDA-FFA6-4FC2-84B4-12FE42554B3E}" type="datetimeFigureOut">
               <a:rPr lang="en-US" smtClean="0"/>
-              <a:t>1/19/2018</a:t>
+              <a:t>1/26/2018</a:t>
             </a:fld>
             <a:endParaRPr lang="en-US"/>
           </a:p>
@@ -2079,7 +2086,7 @@
           <a:p>
             <a:fld id="{DA17DDDA-FFA6-4FC2-84B4-12FE42554B3E}" type="datetimeFigureOut">
               <a:rPr lang="en-US" smtClean="0"/>
-              <a:t>1/19/2018</a:t>
+              <a:t>1/26/2018</a:t>
             </a:fld>
             <a:endParaRPr lang="en-US"/>
           </a:p>
@@ -2390,7 +2397,7 @@
           <a:p>
             <a:fld id="{DA17DDDA-FFA6-4FC2-84B4-12FE42554B3E}" type="datetimeFigureOut">
               <a:rPr lang="en-US" smtClean="0"/>
-              <a:t>1/19/2018</a:t>
+              <a:t>1/26/2018</a:t>
             </a:fld>
             <a:endParaRPr lang="en-US"/>
           </a:p>
@@ -2678,7 +2685,7 @@
           <a:p>
             <a:fld id="{DA17DDDA-FFA6-4FC2-84B4-12FE42554B3E}" type="datetimeFigureOut">
               <a:rPr lang="en-US" smtClean="0"/>
-              <a:t>1/19/2018</a:t>
+              <a:t>1/26/2018</a:t>
             </a:fld>
             <a:endParaRPr lang="en-US"/>
           </a:p>
@@ -2922,7 +2929,7 @@
           <a:p>
             <a:fld id="{DA17DDDA-FFA6-4FC2-84B4-12FE42554B3E}" type="datetimeFigureOut">
               <a:rPr lang="en-US" smtClean="0"/>
-              <a:t>1/19/2018</a:t>
+              <a:t>1/26/2018</a:t>
             </a:fld>
             <a:endParaRPr lang="en-US"/>
           </a:p>
@@ -3424,7 +3431,7 @@
 </p:sld>
 </file>
 
-<file path=ppt/slides/slide2.xml><?xml version="1.0" encoding="utf-8"?>
+<file path=ppt/slides/slide10.xml><?xml version="1.0" encoding="utf-8"?>
 <p:sld xmlns:a="http://schemas.openxmlformats.org/drawingml/2006/main" xmlns:r="http://schemas.openxmlformats.org/officeDocument/2006/relationships" xmlns:p="http://schemas.openxmlformats.org/presentationml/2006/main">
   <p:cSld>
     <p:spTree>
@@ -3660,7 +3667,2802 @@
     </p:spTree>
     <p:extLst>
       <p:ext uri="{BB962C8B-B14F-4D97-AF65-F5344CB8AC3E}">
-        <p14:creationId xmlns:p14="http://schemas.microsoft.com/office/powerpoint/2010/main" val="1335392892"/>
+        <p14:creationId xmlns:p14="http://schemas.microsoft.com/office/powerpoint/2010/main" val="650530297"/>
+      </p:ext>
+    </p:extLst>
+  </p:cSld>
+  <p:clrMapOvr>
+    <a:masterClrMapping/>
+  </p:clrMapOvr>
+</p:sld>
+</file>
+
+<file path=ppt/slides/slide11.xml><?xml version="1.0" encoding="utf-8"?>
+<p:sld xmlns:a="http://schemas.openxmlformats.org/drawingml/2006/main" xmlns:r="http://schemas.openxmlformats.org/officeDocument/2006/relationships" xmlns:p="http://schemas.openxmlformats.org/presentationml/2006/main">
+  <p:cSld>
+    <p:spTree>
+      <p:nvGrpSpPr>
+        <p:cNvPr id="1" name=""/>
+        <p:cNvGrpSpPr/>
+        <p:nvPr/>
+      </p:nvGrpSpPr>
+      <p:grpSpPr>
+        <a:xfrm>
+          <a:off x="0" y="0"/>
+          <a:ext cx="0" cy="0"/>
+          <a:chOff x="0" y="0"/>
+          <a:chExt cx="0" cy="0"/>
+        </a:xfrm>
+      </p:grpSpPr>
+      <p:pic>
+        <p:nvPicPr>
+          <p:cNvPr id="6" name="Picture 5">
+            <a:extLst>
+              <a:ext uri="{FF2B5EF4-FFF2-40B4-BE49-F238E27FC236}">
+                <a16:creationId xmlns:a16="http://schemas.microsoft.com/office/drawing/2014/main" id="{68AC2FEB-5713-45AF-AB96-71E24D546BEC}"/>
+              </a:ext>
+            </a:extLst>
+          </p:cNvPr>
+          <p:cNvPicPr>
+            <a:picLocks noChangeAspect="1"/>
+          </p:cNvPicPr>
+          <p:nvPr/>
+        </p:nvPicPr>
+        <p:blipFill>
+          <a:blip r:embed="rId2">
+            <a:extLst>
+              <a:ext uri="{28A0092B-C50C-407E-A947-70E740481C1C}">
+                <a14:useLocalDpi xmlns:a14="http://schemas.microsoft.com/office/drawing/2010/main" val="0"/>
+              </a:ext>
+            </a:extLst>
+          </a:blip>
+          <a:stretch>
+            <a:fillRect/>
+          </a:stretch>
+        </p:blipFill>
+        <p:spPr>
+          <a:xfrm>
+            <a:off x="0" y="4863"/>
+            <a:ext cx="6858000" cy="6858000"/>
+          </a:xfrm>
+          <a:prstGeom prst="rect">
+            <a:avLst/>
+          </a:prstGeom>
+        </p:spPr>
+      </p:pic>
+      <p:pic>
+        <p:nvPicPr>
+          <p:cNvPr id="7" name="Picture 6">
+            <a:extLst>
+              <a:ext uri="{FF2B5EF4-FFF2-40B4-BE49-F238E27FC236}">
+                <a16:creationId xmlns:a16="http://schemas.microsoft.com/office/drawing/2014/main" id="{28FB7A9D-051E-4F28-9FD4-BEA322BA772E}"/>
+              </a:ext>
+            </a:extLst>
+          </p:cNvPr>
+          <p:cNvPicPr>
+            <a:picLocks noChangeAspect="1"/>
+          </p:cNvPicPr>
+          <p:nvPr/>
+        </p:nvPicPr>
+        <p:blipFill>
+          <a:blip r:embed="rId2">
+            <a:extLst>
+              <a:ext uri="{28A0092B-C50C-407E-A947-70E740481C1C}">
+                <a14:useLocalDpi xmlns:a14="http://schemas.microsoft.com/office/drawing/2010/main" val="0"/>
+              </a:ext>
+            </a:extLst>
+          </a:blip>
+          <a:stretch>
+            <a:fillRect/>
+          </a:stretch>
+        </p:blipFill>
+        <p:spPr>
+          <a:xfrm>
+            <a:off x="5340064" y="2"/>
+            <a:ext cx="6858000" cy="6858000"/>
+          </a:xfrm>
+          <a:prstGeom prst="rect">
+            <a:avLst/>
+          </a:prstGeom>
+        </p:spPr>
+      </p:pic>
+      <p:pic>
+        <p:nvPicPr>
+          <p:cNvPr id="3" name="Picture 2">
+            <a:extLst>
+              <a:ext uri="{FF2B5EF4-FFF2-40B4-BE49-F238E27FC236}">
+                <a16:creationId xmlns:a16="http://schemas.microsoft.com/office/drawing/2014/main" id="{D1B03B54-C072-4A2D-A4BC-BE3C3011CEA0}"/>
+              </a:ext>
+            </a:extLst>
+          </p:cNvPr>
+          <p:cNvPicPr>
+            <a:picLocks noChangeAspect="1"/>
+          </p:cNvPicPr>
+          <p:nvPr/>
+        </p:nvPicPr>
+        <p:blipFill>
+          <a:blip r:embed="rId3">
+            <a:extLst>
+              <a:ext uri="{28A0092B-C50C-407E-A947-70E740481C1C}">
+                <a14:useLocalDpi xmlns:a14="http://schemas.microsoft.com/office/drawing/2010/main" val="0"/>
+              </a:ext>
+            </a:extLst>
+          </a:blip>
+          <a:stretch>
+            <a:fillRect/>
+          </a:stretch>
+        </p:blipFill>
+        <p:spPr>
+          <a:xfrm>
+            <a:off x="2119227" y="1119281"/>
+            <a:ext cx="2622455" cy="4635804"/>
+          </a:xfrm>
+          <a:prstGeom prst="rect">
+            <a:avLst/>
+          </a:prstGeom>
+        </p:spPr>
+      </p:pic>
+      <p:pic>
+        <p:nvPicPr>
+          <p:cNvPr id="30" name="Picture 29">
+            <a:extLst>
+              <a:ext uri="{FF2B5EF4-FFF2-40B4-BE49-F238E27FC236}">
+                <a16:creationId xmlns:a16="http://schemas.microsoft.com/office/drawing/2014/main" id="{578AEB62-4B2C-4A01-B28C-997CDB2734FA}"/>
+              </a:ext>
+            </a:extLst>
+          </p:cNvPr>
+          <p:cNvPicPr>
+            <a:picLocks noChangeAspect="1"/>
+          </p:cNvPicPr>
+          <p:nvPr/>
+        </p:nvPicPr>
+        <p:blipFill>
+          <a:blip r:embed="rId4">
+            <a:extLst>
+              <a:ext uri="{28A0092B-C50C-407E-A947-70E740481C1C}">
+                <a14:useLocalDpi xmlns:a14="http://schemas.microsoft.com/office/drawing/2010/main" val="0"/>
+              </a:ext>
+            </a:extLst>
+          </a:blip>
+          <a:stretch>
+            <a:fillRect/>
+          </a:stretch>
+        </p:blipFill>
+        <p:spPr>
+          <a:xfrm>
+            <a:off x="7462615" y="1109853"/>
+            <a:ext cx="2624065" cy="4649505"/>
+          </a:xfrm>
+          <a:prstGeom prst="rect">
+            <a:avLst/>
+          </a:prstGeom>
+        </p:spPr>
+      </p:pic>
+      <p:pic>
+        <p:nvPicPr>
+          <p:cNvPr id="5" name="Picture 4">
+            <a:extLst>
+              <a:ext uri="{FF2B5EF4-FFF2-40B4-BE49-F238E27FC236}">
+                <a16:creationId xmlns:a16="http://schemas.microsoft.com/office/drawing/2014/main" id="{23334A5C-A46C-4171-86B6-0ED4F3635E67}"/>
+              </a:ext>
+            </a:extLst>
+          </p:cNvPr>
+          <p:cNvPicPr>
+            <a:picLocks noChangeAspect="1"/>
+          </p:cNvPicPr>
+          <p:nvPr/>
+        </p:nvPicPr>
+        <p:blipFill>
+          <a:blip r:embed="rId5">
+            <a:extLst>
+              <a:ext uri="{28A0092B-C50C-407E-A947-70E740481C1C}">
+                <a14:useLocalDpi xmlns:a14="http://schemas.microsoft.com/office/drawing/2010/main" val="0"/>
+              </a:ext>
+            </a:extLst>
+          </a:blip>
+          <a:stretch>
+            <a:fillRect/>
+          </a:stretch>
+        </p:blipFill>
+        <p:spPr>
+          <a:xfrm>
+            <a:off x="2639528" y="2003901"/>
+            <a:ext cx="1239304" cy="186690"/>
+          </a:xfrm>
+          <a:prstGeom prst="rect">
+            <a:avLst/>
+          </a:prstGeom>
+        </p:spPr>
+      </p:pic>
+      <p:pic>
+        <p:nvPicPr>
+          <p:cNvPr id="58" name="Picture 57">
+            <a:extLst>
+              <a:ext uri="{FF2B5EF4-FFF2-40B4-BE49-F238E27FC236}">
+                <a16:creationId xmlns:a16="http://schemas.microsoft.com/office/drawing/2014/main" id="{576FBEEB-D97D-4717-8D55-90BBD6E2FA0B}"/>
+              </a:ext>
+            </a:extLst>
+          </p:cNvPr>
+          <p:cNvPicPr>
+            <a:picLocks noChangeAspect="1"/>
+          </p:cNvPicPr>
+          <p:nvPr/>
+        </p:nvPicPr>
+        <p:blipFill>
+          <a:blip r:embed="rId5">
+            <a:extLst>
+              <a:ext uri="{28A0092B-C50C-407E-A947-70E740481C1C}">
+                <a14:useLocalDpi xmlns:a14="http://schemas.microsoft.com/office/drawing/2010/main" val="0"/>
+              </a:ext>
+            </a:extLst>
+          </a:blip>
+          <a:stretch>
+            <a:fillRect/>
+          </a:stretch>
+        </p:blipFill>
+        <p:spPr>
+          <a:xfrm>
+            <a:off x="7964625" y="1258903"/>
+            <a:ext cx="1451841" cy="254940"/>
+          </a:xfrm>
+          <a:prstGeom prst="rect">
+            <a:avLst/>
+          </a:prstGeom>
+        </p:spPr>
+      </p:pic>
+      <p:pic>
+        <p:nvPicPr>
+          <p:cNvPr id="13" name="Picture 12">
+            <a:extLst>
+              <a:ext uri="{FF2B5EF4-FFF2-40B4-BE49-F238E27FC236}">
+                <a16:creationId xmlns:a16="http://schemas.microsoft.com/office/drawing/2014/main" id="{976CD9E3-8D5D-451E-BC89-DA9B588E66DD}"/>
+              </a:ext>
+            </a:extLst>
+          </p:cNvPr>
+          <p:cNvPicPr>
+            <a:picLocks noChangeAspect="1"/>
+          </p:cNvPicPr>
+          <p:nvPr/>
+        </p:nvPicPr>
+        <p:blipFill>
+          <a:blip r:embed="rId6">
+            <a:extLst>
+              <a:ext uri="{28A0092B-C50C-407E-A947-70E740481C1C}">
+                <a14:useLocalDpi xmlns:a14="http://schemas.microsoft.com/office/drawing/2010/main" val="0"/>
+              </a:ext>
+            </a:extLst>
+          </a:blip>
+          <a:stretch>
+            <a:fillRect/>
+          </a:stretch>
+        </p:blipFill>
+        <p:spPr>
+          <a:xfrm>
+            <a:off x="2806307" y="3417970"/>
+            <a:ext cx="1242060" cy="289560"/>
+          </a:xfrm>
+          <a:prstGeom prst="rect">
+            <a:avLst/>
+          </a:prstGeom>
+        </p:spPr>
+      </p:pic>
+      <p:pic>
+        <p:nvPicPr>
+          <p:cNvPr id="4" name="Picture 3">
+            <a:extLst>
+              <a:ext uri="{FF2B5EF4-FFF2-40B4-BE49-F238E27FC236}">
+                <a16:creationId xmlns:a16="http://schemas.microsoft.com/office/drawing/2014/main" id="{F5AD9C3F-9869-4FD3-BFD1-CD7E59820342}"/>
+              </a:ext>
+            </a:extLst>
+          </p:cNvPr>
+          <p:cNvPicPr>
+            <a:picLocks noChangeAspect="1"/>
+          </p:cNvPicPr>
+          <p:nvPr/>
+        </p:nvPicPr>
+        <p:blipFill>
+          <a:blip r:embed="rId7">
+            <a:extLst>
+              <a:ext uri="{28A0092B-C50C-407E-A947-70E740481C1C}">
+                <a14:useLocalDpi xmlns:a14="http://schemas.microsoft.com/office/drawing/2010/main" val="0"/>
+              </a:ext>
+            </a:extLst>
+          </a:blip>
+          <a:stretch>
+            <a:fillRect/>
+          </a:stretch>
+        </p:blipFill>
+        <p:spPr>
+          <a:xfrm>
+            <a:off x="2519235" y="2480193"/>
+            <a:ext cx="1482352" cy="409108"/>
+          </a:xfrm>
+          <a:prstGeom prst="rect">
+            <a:avLst/>
+          </a:prstGeom>
+        </p:spPr>
+      </p:pic>
+      <p:pic>
+        <p:nvPicPr>
+          <p:cNvPr id="11" name="Picture 10">
+            <a:extLst>
+              <a:ext uri="{FF2B5EF4-FFF2-40B4-BE49-F238E27FC236}">
+                <a16:creationId xmlns:a16="http://schemas.microsoft.com/office/drawing/2014/main" id="{670FD45B-B834-4AB2-AD6B-A4A8AAF017BC}"/>
+              </a:ext>
+            </a:extLst>
+          </p:cNvPr>
+          <p:cNvPicPr>
+            <a:picLocks noChangeAspect="1"/>
+          </p:cNvPicPr>
+          <p:nvPr/>
+        </p:nvPicPr>
+        <p:blipFill>
+          <a:blip r:embed="rId8">
+            <a:extLst>
+              <a:ext uri="{28A0092B-C50C-407E-A947-70E740481C1C}">
+                <a14:useLocalDpi xmlns:a14="http://schemas.microsoft.com/office/drawing/2010/main" val="0"/>
+              </a:ext>
+            </a:extLst>
+          </a:blip>
+          <a:stretch>
+            <a:fillRect/>
+          </a:stretch>
+        </p:blipFill>
+        <p:spPr>
+          <a:xfrm>
+            <a:off x="2217472" y="1233297"/>
+            <a:ext cx="301763" cy="301763"/>
+          </a:xfrm>
+          <a:prstGeom prst="rect">
+            <a:avLst/>
+          </a:prstGeom>
+        </p:spPr>
+      </p:pic>
+      <p:pic>
+        <p:nvPicPr>
+          <p:cNvPr id="21" name="Picture 20">
+            <a:extLst>
+              <a:ext uri="{FF2B5EF4-FFF2-40B4-BE49-F238E27FC236}">
+                <a16:creationId xmlns:a16="http://schemas.microsoft.com/office/drawing/2014/main" id="{4B4B7BD9-D4B6-42EC-8E39-FC97374B3278}"/>
+              </a:ext>
+            </a:extLst>
+          </p:cNvPr>
+          <p:cNvPicPr>
+            <a:picLocks noChangeAspect="1"/>
+          </p:cNvPicPr>
+          <p:nvPr/>
+        </p:nvPicPr>
+        <p:blipFill>
+          <a:blip r:embed="rId8">
+            <a:extLst>
+              <a:ext uri="{28A0092B-C50C-407E-A947-70E740481C1C}">
+                <a14:useLocalDpi xmlns:a14="http://schemas.microsoft.com/office/drawing/2010/main" val="0"/>
+              </a:ext>
+            </a:extLst>
+          </a:blip>
+          <a:stretch>
+            <a:fillRect/>
+          </a:stretch>
+        </p:blipFill>
+        <p:spPr>
+          <a:xfrm>
+            <a:off x="7559814" y="1231788"/>
+            <a:ext cx="301763" cy="301763"/>
+          </a:xfrm>
+          <a:prstGeom prst="rect">
+            <a:avLst/>
+          </a:prstGeom>
+        </p:spPr>
+      </p:pic>
+      <p:pic>
+        <p:nvPicPr>
+          <p:cNvPr id="23" name="Picture 22">
+            <a:extLst>
+              <a:ext uri="{FF2B5EF4-FFF2-40B4-BE49-F238E27FC236}">
+                <a16:creationId xmlns:a16="http://schemas.microsoft.com/office/drawing/2014/main" id="{BD369BD9-A735-49B5-A651-7A6D43C260E9}"/>
+              </a:ext>
+            </a:extLst>
+          </p:cNvPr>
+          <p:cNvPicPr>
+            <a:picLocks noChangeAspect="1"/>
+          </p:cNvPicPr>
+          <p:nvPr/>
+        </p:nvPicPr>
+        <p:blipFill>
+          <a:blip r:embed="rId7">
+            <a:extLst>
+              <a:ext uri="{28A0092B-C50C-407E-A947-70E740481C1C}">
+                <a14:useLocalDpi xmlns:a14="http://schemas.microsoft.com/office/drawing/2010/main" val="0"/>
+              </a:ext>
+            </a:extLst>
+          </a:blip>
+          <a:stretch>
+            <a:fillRect/>
+          </a:stretch>
+        </p:blipFill>
+        <p:spPr>
+          <a:xfrm flipV="1">
+            <a:off x="8173068" y="1910914"/>
+            <a:ext cx="705488" cy="214402"/>
+          </a:xfrm>
+          <a:prstGeom prst="rect">
+            <a:avLst/>
+          </a:prstGeom>
+        </p:spPr>
+      </p:pic>
+      <p:pic>
+        <p:nvPicPr>
+          <p:cNvPr id="14" name="Picture 13">
+            <a:extLst>
+              <a:ext uri="{FF2B5EF4-FFF2-40B4-BE49-F238E27FC236}">
+                <a16:creationId xmlns:a16="http://schemas.microsoft.com/office/drawing/2014/main" id="{FC27F9CD-116D-4A47-9A80-8591BEA99702}"/>
+              </a:ext>
+            </a:extLst>
+          </p:cNvPr>
+          <p:cNvPicPr>
+            <a:picLocks noChangeAspect="1"/>
+          </p:cNvPicPr>
+          <p:nvPr/>
+        </p:nvPicPr>
+        <p:blipFill>
+          <a:blip r:embed="rId9">
+            <a:extLst>
+              <a:ext uri="{28A0092B-C50C-407E-A947-70E740481C1C}">
+                <a14:useLocalDpi xmlns:a14="http://schemas.microsoft.com/office/drawing/2010/main" val="0"/>
+              </a:ext>
+            </a:extLst>
+          </a:blip>
+          <a:stretch>
+            <a:fillRect/>
+          </a:stretch>
+        </p:blipFill>
+        <p:spPr>
+          <a:xfrm flipV="1">
+            <a:off x="2217472" y="5326785"/>
+            <a:ext cx="309480" cy="289559"/>
+          </a:xfrm>
+          <a:prstGeom prst="rect">
+            <a:avLst/>
+          </a:prstGeom>
+        </p:spPr>
+      </p:pic>
+      <p:pic>
+        <p:nvPicPr>
+          <p:cNvPr id="28" name="Picture 27">
+            <a:extLst>
+              <a:ext uri="{FF2B5EF4-FFF2-40B4-BE49-F238E27FC236}">
+                <a16:creationId xmlns:a16="http://schemas.microsoft.com/office/drawing/2014/main" id="{60E8D60E-077B-46DA-9059-2C77F236EAF7}"/>
+              </a:ext>
+            </a:extLst>
+          </p:cNvPr>
+          <p:cNvPicPr>
+            <a:picLocks noChangeAspect="1"/>
+          </p:cNvPicPr>
+          <p:nvPr/>
+        </p:nvPicPr>
+        <p:blipFill>
+          <a:blip r:embed="rId7">
+            <a:extLst>
+              <a:ext uri="{28A0092B-C50C-407E-A947-70E740481C1C}">
+                <a14:useLocalDpi xmlns:a14="http://schemas.microsoft.com/office/drawing/2010/main" val="0"/>
+              </a:ext>
+            </a:extLst>
+          </a:blip>
+          <a:stretch>
+            <a:fillRect/>
+          </a:stretch>
+        </p:blipFill>
+        <p:spPr>
+          <a:xfrm flipV="1">
+            <a:off x="8165210" y="2657204"/>
+            <a:ext cx="705488" cy="214402"/>
+          </a:xfrm>
+          <a:prstGeom prst="rect">
+            <a:avLst/>
+          </a:prstGeom>
+        </p:spPr>
+      </p:pic>
+      <p:pic>
+        <p:nvPicPr>
+          <p:cNvPr id="31" name="Picture 30">
+            <a:extLst>
+              <a:ext uri="{FF2B5EF4-FFF2-40B4-BE49-F238E27FC236}">
+                <a16:creationId xmlns:a16="http://schemas.microsoft.com/office/drawing/2014/main" id="{632B0DE8-C715-4FC9-9C77-87CA67E4DEDD}"/>
+              </a:ext>
+            </a:extLst>
+          </p:cNvPr>
+          <p:cNvPicPr>
+            <a:picLocks noChangeAspect="1"/>
+          </p:cNvPicPr>
+          <p:nvPr/>
+        </p:nvPicPr>
+        <p:blipFill>
+          <a:blip r:embed="rId7">
+            <a:extLst>
+              <a:ext uri="{28A0092B-C50C-407E-A947-70E740481C1C}">
+                <a14:useLocalDpi xmlns:a14="http://schemas.microsoft.com/office/drawing/2010/main" val="0"/>
+              </a:ext>
+            </a:extLst>
+          </a:blip>
+          <a:stretch>
+            <a:fillRect/>
+          </a:stretch>
+        </p:blipFill>
+        <p:spPr>
+          <a:xfrm flipV="1">
+            <a:off x="8176206" y="3403493"/>
+            <a:ext cx="705488" cy="214402"/>
+          </a:xfrm>
+          <a:prstGeom prst="rect">
+            <a:avLst/>
+          </a:prstGeom>
+        </p:spPr>
+      </p:pic>
+      <p:pic>
+        <p:nvPicPr>
+          <p:cNvPr id="32" name="Picture 31">
+            <a:extLst>
+              <a:ext uri="{FF2B5EF4-FFF2-40B4-BE49-F238E27FC236}">
+                <a16:creationId xmlns:a16="http://schemas.microsoft.com/office/drawing/2014/main" id="{CD015312-6835-4269-8117-2FD86E7F163A}"/>
+              </a:ext>
+            </a:extLst>
+          </p:cNvPr>
+          <p:cNvPicPr>
+            <a:picLocks noChangeAspect="1"/>
+          </p:cNvPicPr>
+          <p:nvPr/>
+        </p:nvPicPr>
+        <p:blipFill>
+          <a:blip r:embed="rId7">
+            <a:extLst>
+              <a:ext uri="{28A0092B-C50C-407E-A947-70E740481C1C}">
+                <a14:useLocalDpi xmlns:a14="http://schemas.microsoft.com/office/drawing/2010/main" val="0"/>
+              </a:ext>
+            </a:extLst>
+          </a:blip>
+          <a:stretch>
+            <a:fillRect/>
+          </a:stretch>
+        </p:blipFill>
+        <p:spPr>
+          <a:xfrm flipV="1">
+            <a:off x="8195059" y="4138784"/>
+            <a:ext cx="705488" cy="214402"/>
+          </a:xfrm>
+          <a:prstGeom prst="rect">
+            <a:avLst/>
+          </a:prstGeom>
+        </p:spPr>
+      </p:pic>
+      <p:pic>
+        <p:nvPicPr>
+          <p:cNvPr id="33" name="Picture 32">
+            <a:extLst>
+              <a:ext uri="{FF2B5EF4-FFF2-40B4-BE49-F238E27FC236}">
+                <a16:creationId xmlns:a16="http://schemas.microsoft.com/office/drawing/2014/main" id="{1FAB0461-0A0D-4E34-93CD-76ACD792CAA2}"/>
+              </a:ext>
+            </a:extLst>
+          </p:cNvPr>
+          <p:cNvPicPr>
+            <a:picLocks noChangeAspect="1"/>
+          </p:cNvPicPr>
+          <p:nvPr/>
+        </p:nvPicPr>
+        <p:blipFill>
+          <a:blip r:embed="rId7">
+            <a:extLst>
+              <a:ext uri="{28A0092B-C50C-407E-A947-70E740481C1C}">
+                <a14:useLocalDpi xmlns:a14="http://schemas.microsoft.com/office/drawing/2010/main" val="0"/>
+              </a:ext>
+            </a:extLst>
+          </a:blip>
+          <a:stretch>
+            <a:fillRect/>
+          </a:stretch>
+        </p:blipFill>
+        <p:spPr>
+          <a:xfrm flipV="1">
+            <a:off x="8204486" y="4845795"/>
+            <a:ext cx="705488" cy="214402"/>
+          </a:xfrm>
+          <a:prstGeom prst="rect">
+            <a:avLst/>
+          </a:prstGeom>
+        </p:spPr>
+      </p:pic>
+      <p:pic>
+        <p:nvPicPr>
+          <p:cNvPr id="34" name="Picture 33">
+            <a:extLst>
+              <a:ext uri="{FF2B5EF4-FFF2-40B4-BE49-F238E27FC236}">
+                <a16:creationId xmlns:a16="http://schemas.microsoft.com/office/drawing/2014/main" id="{E711106A-3F82-45D1-9012-A794BA3DA73E}"/>
+              </a:ext>
+            </a:extLst>
+          </p:cNvPr>
+          <p:cNvPicPr>
+            <a:picLocks noChangeAspect="1"/>
+          </p:cNvPicPr>
+          <p:nvPr/>
+        </p:nvPicPr>
+        <p:blipFill rotWithShape="1">
+          <a:blip r:embed="rId7">
+            <a:extLst>
+              <a:ext uri="{28A0092B-C50C-407E-A947-70E740481C1C}">
+                <a14:useLocalDpi xmlns:a14="http://schemas.microsoft.com/office/drawing/2010/main" val="0"/>
+              </a:ext>
+            </a:extLst>
+          </a:blip>
+          <a:srcRect t="35273"/>
+          <a:stretch/>
+        </p:blipFill>
+        <p:spPr>
+          <a:xfrm flipV="1">
+            <a:off x="8204486" y="5571663"/>
+            <a:ext cx="705488" cy="138776"/>
+          </a:xfrm>
+          <a:prstGeom prst="rect">
+            <a:avLst/>
+          </a:prstGeom>
+        </p:spPr>
+      </p:pic>
+      <p:pic>
+        <p:nvPicPr>
+          <p:cNvPr id="36" name="Picture 35">
+            <a:extLst>
+              <a:ext uri="{FF2B5EF4-FFF2-40B4-BE49-F238E27FC236}">
+                <a16:creationId xmlns:a16="http://schemas.microsoft.com/office/drawing/2014/main" id="{0E102773-7EB2-4875-923D-ED3BE8D7683E}"/>
+              </a:ext>
+            </a:extLst>
+          </p:cNvPr>
+          <p:cNvPicPr>
+            <a:picLocks noChangeAspect="1"/>
+          </p:cNvPicPr>
+          <p:nvPr/>
+        </p:nvPicPr>
+        <p:blipFill>
+          <a:blip r:embed="rId10">
+            <a:extLst>
+              <a:ext uri="{28A0092B-C50C-407E-A947-70E740481C1C}">
+                <a14:useLocalDpi xmlns:a14="http://schemas.microsoft.com/office/drawing/2010/main" val="0"/>
+              </a:ext>
+            </a:extLst>
+          </a:blip>
+          <a:stretch>
+            <a:fillRect/>
+          </a:stretch>
+        </p:blipFill>
+        <p:spPr>
+          <a:xfrm>
+            <a:off x="9650733" y="1258903"/>
+            <a:ext cx="230536" cy="230536"/>
+          </a:xfrm>
+          <a:prstGeom prst="rect">
+            <a:avLst/>
+          </a:prstGeom>
+        </p:spPr>
+      </p:pic>
+      <p:pic>
+        <p:nvPicPr>
+          <p:cNvPr id="42" name="Picture 41">
+            <a:extLst>
+              <a:ext uri="{FF2B5EF4-FFF2-40B4-BE49-F238E27FC236}">
+                <a16:creationId xmlns:a16="http://schemas.microsoft.com/office/drawing/2014/main" id="{CF7146E8-15C6-43F5-BE71-D95E0F798D13}"/>
+              </a:ext>
+            </a:extLst>
+          </p:cNvPr>
+          <p:cNvPicPr>
+            <a:picLocks noChangeAspect="1"/>
+          </p:cNvPicPr>
+          <p:nvPr/>
+        </p:nvPicPr>
+        <p:blipFill>
+          <a:blip r:embed="rId11">
+            <a:extLst>
+              <a:ext uri="{28A0092B-C50C-407E-A947-70E740481C1C}">
+                <a14:useLocalDpi xmlns:a14="http://schemas.microsoft.com/office/drawing/2010/main" val="0"/>
+              </a:ext>
+            </a:extLst>
+          </a:blip>
+          <a:stretch>
+            <a:fillRect/>
+          </a:stretch>
+        </p:blipFill>
+        <p:spPr>
+          <a:xfrm>
+            <a:off x="9133738" y="1256192"/>
+            <a:ext cx="230536" cy="230536"/>
+          </a:xfrm>
+          <a:prstGeom prst="rect">
+            <a:avLst/>
+          </a:prstGeom>
+        </p:spPr>
+      </p:pic>
+      <p:sp>
+        <p:nvSpPr>
+          <p:cNvPr id="43" name="TextBox 42">
+            <a:extLst>
+              <a:ext uri="{FF2B5EF4-FFF2-40B4-BE49-F238E27FC236}">
+                <a16:creationId xmlns:a16="http://schemas.microsoft.com/office/drawing/2014/main" id="{6F700060-54AB-4851-8D26-060A2E7E160A}"/>
+              </a:ext>
+            </a:extLst>
+          </p:cNvPr>
+          <p:cNvSpPr txBox="1"/>
+          <p:nvPr/>
+        </p:nvSpPr>
+        <p:spPr>
+          <a:xfrm>
+            <a:off x="8095182" y="1633760"/>
+            <a:ext cx="1215958" cy="338554"/>
+          </a:xfrm>
+          <a:prstGeom prst="rect">
+            <a:avLst/>
+          </a:prstGeom>
+          <a:noFill/>
+        </p:spPr>
+        <p:txBody>
+          <a:bodyPr wrap="square" rtlCol="0">
+            <a:spAutoFit/>
+          </a:bodyPr>
+          <a:lstStyle/>
+          <a:p>
+            <a:r>
+              <a:rPr lang="en-US" sz="800" dirty="0"/>
+              <a:t>Race against the machine</a:t>
+            </a:r>
+          </a:p>
+        </p:txBody>
+      </p:sp>
+      <p:sp>
+        <p:nvSpPr>
+          <p:cNvPr id="44" name="TextBox 43">
+            <a:extLst>
+              <a:ext uri="{FF2B5EF4-FFF2-40B4-BE49-F238E27FC236}">
+                <a16:creationId xmlns:a16="http://schemas.microsoft.com/office/drawing/2014/main" id="{30ABD10F-B661-4A70-8F69-A41D0596A049}"/>
+              </a:ext>
+            </a:extLst>
+          </p:cNvPr>
+          <p:cNvSpPr txBox="1"/>
+          <p:nvPr/>
+        </p:nvSpPr>
+        <p:spPr>
+          <a:xfrm>
+            <a:off x="8096752" y="2398905"/>
+            <a:ext cx="1215958" cy="338554"/>
+          </a:xfrm>
+          <a:prstGeom prst="rect">
+            <a:avLst/>
+          </a:prstGeom>
+          <a:noFill/>
+        </p:spPr>
+        <p:txBody>
+          <a:bodyPr wrap="square" rtlCol="0">
+            <a:spAutoFit/>
+          </a:bodyPr>
+          <a:lstStyle/>
+          <a:p>
+            <a:r>
+              <a:rPr lang="en-US" sz="800" dirty="0"/>
+              <a:t>Race against the machine</a:t>
+            </a:r>
+          </a:p>
+        </p:txBody>
+      </p:sp>
+      <p:sp>
+        <p:nvSpPr>
+          <p:cNvPr id="45" name="TextBox 44">
+            <a:extLst>
+              <a:ext uri="{FF2B5EF4-FFF2-40B4-BE49-F238E27FC236}">
+                <a16:creationId xmlns:a16="http://schemas.microsoft.com/office/drawing/2014/main" id="{0730859A-B8B1-475C-8E78-4E8893EFE93C}"/>
+              </a:ext>
+            </a:extLst>
+          </p:cNvPr>
+          <p:cNvSpPr txBox="1"/>
+          <p:nvPr/>
+        </p:nvSpPr>
+        <p:spPr>
+          <a:xfrm>
+            <a:off x="8096752" y="3134192"/>
+            <a:ext cx="1215958" cy="338554"/>
+          </a:xfrm>
+          <a:prstGeom prst="rect">
+            <a:avLst/>
+          </a:prstGeom>
+          <a:noFill/>
+        </p:spPr>
+        <p:txBody>
+          <a:bodyPr wrap="square" rtlCol="0">
+            <a:spAutoFit/>
+          </a:bodyPr>
+          <a:lstStyle/>
+          <a:p>
+            <a:r>
+              <a:rPr lang="en-US" sz="800" dirty="0"/>
+              <a:t>Race against the machine</a:t>
+            </a:r>
+          </a:p>
+        </p:txBody>
+      </p:sp>
+      <p:sp>
+        <p:nvSpPr>
+          <p:cNvPr id="46" name="TextBox 45">
+            <a:extLst>
+              <a:ext uri="{FF2B5EF4-FFF2-40B4-BE49-F238E27FC236}">
+                <a16:creationId xmlns:a16="http://schemas.microsoft.com/office/drawing/2014/main" id="{EE8D62B8-CDF8-46DF-B49D-5EDAA4EB059B}"/>
+              </a:ext>
+            </a:extLst>
+          </p:cNvPr>
+          <p:cNvSpPr txBox="1"/>
+          <p:nvPr/>
+        </p:nvSpPr>
+        <p:spPr>
+          <a:xfrm>
+            <a:off x="8106180" y="3878909"/>
+            <a:ext cx="1215958" cy="338554"/>
+          </a:xfrm>
+          <a:prstGeom prst="rect">
+            <a:avLst/>
+          </a:prstGeom>
+          <a:noFill/>
+        </p:spPr>
+        <p:txBody>
+          <a:bodyPr wrap="square" rtlCol="0">
+            <a:spAutoFit/>
+          </a:bodyPr>
+          <a:lstStyle/>
+          <a:p>
+            <a:r>
+              <a:rPr lang="en-US" sz="800" dirty="0"/>
+              <a:t>Race against the machine</a:t>
+            </a:r>
+          </a:p>
+        </p:txBody>
+      </p:sp>
+      <p:sp>
+        <p:nvSpPr>
+          <p:cNvPr id="47" name="TextBox 46">
+            <a:extLst>
+              <a:ext uri="{FF2B5EF4-FFF2-40B4-BE49-F238E27FC236}">
+                <a16:creationId xmlns:a16="http://schemas.microsoft.com/office/drawing/2014/main" id="{087C87E0-5C10-4D43-92F4-EA71325D824A}"/>
+              </a:ext>
+            </a:extLst>
+          </p:cNvPr>
+          <p:cNvSpPr txBox="1"/>
+          <p:nvPr/>
+        </p:nvSpPr>
+        <p:spPr>
+          <a:xfrm>
+            <a:off x="8125031" y="4576494"/>
+            <a:ext cx="1215958" cy="338554"/>
+          </a:xfrm>
+          <a:prstGeom prst="rect">
+            <a:avLst/>
+          </a:prstGeom>
+          <a:noFill/>
+        </p:spPr>
+        <p:txBody>
+          <a:bodyPr wrap="square" rtlCol="0">
+            <a:spAutoFit/>
+          </a:bodyPr>
+          <a:lstStyle/>
+          <a:p>
+            <a:r>
+              <a:rPr lang="en-US" sz="800" dirty="0"/>
+              <a:t>Race against the machine</a:t>
+            </a:r>
+          </a:p>
+        </p:txBody>
+      </p:sp>
+      <p:sp>
+        <p:nvSpPr>
+          <p:cNvPr id="48" name="TextBox 47">
+            <a:extLst>
+              <a:ext uri="{FF2B5EF4-FFF2-40B4-BE49-F238E27FC236}">
+                <a16:creationId xmlns:a16="http://schemas.microsoft.com/office/drawing/2014/main" id="{F4D7B6C2-B581-4310-AECD-01DC1997C98A}"/>
+              </a:ext>
+            </a:extLst>
+          </p:cNvPr>
+          <p:cNvSpPr txBox="1"/>
+          <p:nvPr/>
+        </p:nvSpPr>
+        <p:spPr>
+          <a:xfrm>
+            <a:off x="8134458" y="5302361"/>
+            <a:ext cx="1215958" cy="338554"/>
+          </a:xfrm>
+          <a:prstGeom prst="rect">
+            <a:avLst/>
+          </a:prstGeom>
+          <a:noFill/>
+        </p:spPr>
+        <p:txBody>
+          <a:bodyPr wrap="square" rtlCol="0">
+            <a:spAutoFit/>
+          </a:bodyPr>
+          <a:lstStyle/>
+          <a:p>
+            <a:r>
+              <a:rPr lang="en-US" sz="800" dirty="0"/>
+              <a:t>Race against the machine</a:t>
+            </a:r>
+          </a:p>
+        </p:txBody>
+      </p:sp>
+      <p:pic>
+        <p:nvPicPr>
+          <p:cNvPr id="50" name="Picture 49">
+            <a:extLst>
+              <a:ext uri="{FF2B5EF4-FFF2-40B4-BE49-F238E27FC236}">
+                <a16:creationId xmlns:a16="http://schemas.microsoft.com/office/drawing/2014/main" id="{FBE0AE77-34CC-4E39-886E-B73CC71EA3C0}"/>
+              </a:ext>
+            </a:extLst>
+          </p:cNvPr>
+          <p:cNvPicPr>
+            <a:picLocks noChangeAspect="1"/>
+          </p:cNvPicPr>
+          <p:nvPr/>
+        </p:nvPicPr>
+        <p:blipFill>
+          <a:blip r:embed="rId12">
+            <a:extLst>
+              <a:ext uri="{28A0092B-C50C-407E-A947-70E740481C1C}">
+                <a14:useLocalDpi xmlns:a14="http://schemas.microsoft.com/office/drawing/2010/main" val="0"/>
+              </a:ext>
+            </a:extLst>
+          </a:blip>
+          <a:stretch>
+            <a:fillRect/>
+          </a:stretch>
+        </p:blipFill>
+        <p:spPr>
+          <a:xfrm>
+            <a:off x="9851281" y="1830451"/>
+            <a:ext cx="146718" cy="146718"/>
+          </a:xfrm>
+          <a:prstGeom prst="rect">
+            <a:avLst/>
+          </a:prstGeom>
+        </p:spPr>
+      </p:pic>
+      <p:pic>
+        <p:nvPicPr>
+          <p:cNvPr id="52" name="Picture 51">
+            <a:extLst>
+              <a:ext uri="{FF2B5EF4-FFF2-40B4-BE49-F238E27FC236}">
+                <a16:creationId xmlns:a16="http://schemas.microsoft.com/office/drawing/2014/main" id="{3AB30670-A191-4302-9D9B-73A44339E53A}"/>
+              </a:ext>
+            </a:extLst>
+          </p:cNvPr>
+          <p:cNvPicPr>
+            <a:picLocks noChangeAspect="1"/>
+          </p:cNvPicPr>
+          <p:nvPr/>
+        </p:nvPicPr>
+        <p:blipFill>
+          <a:blip r:embed="rId12">
+            <a:extLst>
+              <a:ext uri="{28A0092B-C50C-407E-A947-70E740481C1C}">
+                <a14:useLocalDpi xmlns:a14="http://schemas.microsoft.com/office/drawing/2010/main" val="0"/>
+              </a:ext>
+            </a:extLst>
+          </a:blip>
+          <a:stretch>
+            <a:fillRect/>
+          </a:stretch>
+        </p:blipFill>
+        <p:spPr>
+          <a:xfrm>
+            <a:off x="9852852" y="2595594"/>
+            <a:ext cx="146718" cy="146718"/>
+          </a:xfrm>
+          <a:prstGeom prst="rect">
+            <a:avLst/>
+          </a:prstGeom>
+        </p:spPr>
+      </p:pic>
+      <p:pic>
+        <p:nvPicPr>
+          <p:cNvPr id="53" name="Picture 52">
+            <a:extLst>
+              <a:ext uri="{FF2B5EF4-FFF2-40B4-BE49-F238E27FC236}">
+                <a16:creationId xmlns:a16="http://schemas.microsoft.com/office/drawing/2014/main" id="{B3049BC1-7445-4963-9E2B-4F768BCAC7A1}"/>
+              </a:ext>
+            </a:extLst>
+          </p:cNvPr>
+          <p:cNvPicPr>
+            <a:picLocks noChangeAspect="1"/>
+          </p:cNvPicPr>
+          <p:nvPr/>
+        </p:nvPicPr>
+        <p:blipFill>
+          <a:blip r:embed="rId12">
+            <a:extLst>
+              <a:ext uri="{28A0092B-C50C-407E-A947-70E740481C1C}">
+                <a14:useLocalDpi xmlns:a14="http://schemas.microsoft.com/office/drawing/2010/main" val="0"/>
+              </a:ext>
+            </a:extLst>
+          </a:blip>
+          <a:stretch>
+            <a:fillRect/>
+          </a:stretch>
+        </p:blipFill>
+        <p:spPr>
+          <a:xfrm>
+            <a:off x="9852851" y="3340309"/>
+            <a:ext cx="146718" cy="146718"/>
+          </a:xfrm>
+          <a:prstGeom prst="rect">
+            <a:avLst/>
+          </a:prstGeom>
+        </p:spPr>
+      </p:pic>
+      <p:pic>
+        <p:nvPicPr>
+          <p:cNvPr id="55" name="Picture 54">
+            <a:extLst>
+              <a:ext uri="{FF2B5EF4-FFF2-40B4-BE49-F238E27FC236}">
+                <a16:creationId xmlns:a16="http://schemas.microsoft.com/office/drawing/2014/main" id="{5F37D0F0-E9D5-4765-B7D1-8ED551E42F11}"/>
+              </a:ext>
+            </a:extLst>
+          </p:cNvPr>
+          <p:cNvPicPr>
+            <a:picLocks noChangeAspect="1"/>
+          </p:cNvPicPr>
+          <p:nvPr/>
+        </p:nvPicPr>
+        <p:blipFill>
+          <a:blip r:embed="rId12">
+            <a:extLst>
+              <a:ext uri="{28A0092B-C50C-407E-A947-70E740481C1C}">
+                <a14:useLocalDpi xmlns:a14="http://schemas.microsoft.com/office/drawing/2010/main" val="0"/>
+              </a:ext>
+            </a:extLst>
+          </a:blip>
+          <a:stretch>
+            <a:fillRect/>
+          </a:stretch>
+        </p:blipFill>
+        <p:spPr>
+          <a:xfrm>
+            <a:off x="9851281" y="4066171"/>
+            <a:ext cx="146718" cy="146718"/>
+          </a:xfrm>
+          <a:prstGeom prst="rect">
+            <a:avLst/>
+          </a:prstGeom>
+        </p:spPr>
+      </p:pic>
+      <p:pic>
+        <p:nvPicPr>
+          <p:cNvPr id="56" name="Picture 55">
+            <a:extLst>
+              <a:ext uri="{FF2B5EF4-FFF2-40B4-BE49-F238E27FC236}">
+                <a16:creationId xmlns:a16="http://schemas.microsoft.com/office/drawing/2014/main" id="{24003134-914F-4CE8-AA00-8AD728991051}"/>
+              </a:ext>
+            </a:extLst>
+          </p:cNvPr>
+          <p:cNvPicPr>
+            <a:picLocks noChangeAspect="1"/>
+          </p:cNvPicPr>
+          <p:nvPr/>
+        </p:nvPicPr>
+        <p:blipFill>
+          <a:blip r:embed="rId12">
+            <a:extLst>
+              <a:ext uri="{28A0092B-C50C-407E-A947-70E740481C1C}">
+                <a14:useLocalDpi xmlns:a14="http://schemas.microsoft.com/office/drawing/2010/main" val="0"/>
+              </a:ext>
+            </a:extLst>
+          </a:blip>
+          <a:stretch>
+            <a:fillRect/>
+          </a:stretch>
+        </p:blipFill>
+        <p:spPr>
+          <a:xfrm>
+            <a:off x="9852851" y="4792034"/>
+            <a:ext cx="146718" cy="146718"/>
+          </a:xfrm>
+          <a:prstGeom prst="rect">
+            <a:avLst/>
+          </a:prstGeom>
+        </p:spPr>
+      </p:pic>
+      <p:pic>
+        <p:nvPicPr>
+          <p:cNvPr id="57" name="Picture 56">
+            <a:extLst>
+              <a:ext uri="{FF2B5EF4-FFF2-40B4-BE49-F238E27FC236}">
+                <a16:creationId xmlns:a16="http://schemas.microsoft.com/office/drawing/2014/main" id="{0B4097FB-9140-44F0-A000-095C8E5837A8}"/>
+              </a:ext>
+            </a:extLst>
+          </p:cNvPr>
+          <p:cNvPicPr>
+            <a:picLocks noChangeAspect="1"/>
+          </p:cNvPicPr>
+          <p:nvPr/>
+        </p:nvPicPr>
+        <p:blipFill>
+          <a:blip r:embed="rId12">
+            <a:extLst>
+              <a:ext uri="{28A0092B-C50C-407E-A947-70E740481C1C}">
+                <a14:useLocalDpi xmlns:a14="http://schemas.microsoft.com/office/drawing/2010/main" val="0"/>
+              </a:ext>
+            </a:extLst>
+          </a:blip>
+          <a:stretch>
+            <a:fillRect/>
+          </a:stretch>
+        </p:blipFill>
+        <p:spPr>
+          <a:xfrm>
+            <a:off x="9864329" y="5498304"/>
+            <a:ext cx="146718" cy="146718"/>
+          </a:xfrm>
+          <a:prstGeom prst="rect">
+            <a:avLst/>
+          </a:prstGeom>
+        </p:spPr>
+      </p:pic>
+      <p:pic>
+        <p:nvPicPr>
+          <p:cNvPr id="60" name="Picture 59">
+            <a:extLst>
+              <a:ext uri="{FF2B5EF4-FFF2-40B4-BE49-F238E27FC236}">
+                <a16:creationId xmlns:a16="http://schemas.microsoft.com/office/drawing/2014/main" id="{6BC289AD-6A22-4FB6-ADD6-21A7B01049BB}"/>
+              </a:ext>
+            </a:extLst>
+          </p:cNvPr>
+          <p:cNvPicPr>
+            <a:picLocks noChangeAspect="1"/>
+          </p:cNvPicPr>
+          <p:nvPr/>
+        </p:nvPicPr>
+        <p:blipFill rotWithShape="1">
+          <a:blip r:embed="rId13">
+            <a:extLst>
+              <a:ext uri="{28A0092B-C50C-407E-A947-70E740481C1C}">
+                <a14:useLocalDpi xmlns:a14="http://schemas.microsoft.com/office/drawing/2010/main" val="0"/>
+              </a:ext>
+            </a:extLst>
+          </a:blip>
+          <a:srcRect r="12843" b="32603"/>
+          <a:stretch/>
+        </p:blipFill>
+        <p:spPr>
+          <a:xfrm>
+            <a:off x="8009800" y="1305195"/>
+            <a:ext cx="949715" cy="169476"/>
+          </a:xfrm>
+          <a:prstGeom prst="rect">
+            <a:avLst/>
+          </a:prstGeom>
+        </p:spPr>
+      </p:pic>
+    </p:spTree>
+    <p:extLst>
+      <p:ext uri="{BB962C8B-B14F-4D97-AF65-F5344CB8AC3E}">
+        <p14:creationId xmlns:p14="http://schemas.microsoft.com/office/powerpoint/2010/main" val="4253276059"/>
+      </p:ext>
+    </p:extLst>
+  </p:cSld>
+  <p:clrMapOvr>
+    <a:masterClrMapping/>
+  </p:clrMapOvr>
+</p:sld>
+</file>
+
+<file path=ppt/slides/slide12.xml><?xml version="1.0" encoding="utf-8"?>
+<p:sld xmlns:a="http://schemas.openxmlformats.org/drawingml/2006/main" xmlns:r="http://schemas.openxmlformats.org/officeDocument/2006/relationships" xmlns:p="http://schemas.openxmlformats.org/presentationml/2006/main">
+  <p:cSld>
+    <p:spTree>
+      <p:nvGrpSpPr>
+        <p:cNvPr id="1" name=""/>
+        <p:cNvGrpSpPr/>
+        <p:nvPr/>
+      </p:nvGrpSpPr>
+      <p:grpSpPr>
+        <a:xfrm>
+          <a:off x="0" y="0"/>
+          <a:ext cx="0" cy="0"/>
+          <a:chOff x="0" y="0"/>
+          <a:chExt cx="0" cy="0"/>
+        </a:xfrm>
+      </p:grpSpPr>
+      <p:pic>
+        <p:nvPicPr>
+          <p:cNvPr id="6" name="Picture 5">
+            <a:extLst>
+              <a:ext uri="{FF2B5EF4-FFF2-40B4-BE49-F238E27FC236}">
+                <a16:creationId xmlns:a16="http://schemas.microsoft.com/office/drawing/2014/main" id="{68AC2FEB-5713-45AF-AB96-71E24D546BEC}"/>
+              </a:ext>
+            </a:extLst>
+          </p:cNvPr>
+          <p:cNvPicPr>
+            <a:picLocks noChangeAspect="1"/>
+          </p:cNvPicPr>
+          <p:nvPr/>
+        </p:nvPicPr>
+        <p:blipFill>
+          <a:blip r:embed="rId2">
+            <a:extLst>
+              <a:ext uri="{28A0092B-C50C-407E-A947-70E740481C1C}">
+                <a14:useLocalDpi xmlns:a14="http://schemas.microsoft.com/office/drawing/2010/main" val="0"/>
+              </a:ext>
+            </a:extLst>
+          </a:blip>
+          <a:stretch>
+            <a:fillRect/>
+          </a:stretch>
+        </p:blipFill>
+        <p:spPr>
+          <a:xfrm>
+            <a:off x="0" y="4863"/>
+            <a:ext cx="6858000" cy="6858000"/>
+          </a:xfrm>
+          <a:prstGeom prst="rect">
+            <a:avLst/>
+          </a:prstGeom>
+        </p:spPr>
+      </p:pic>
+      <p:pic>
+        <p:nvPicPr>
+          <p:cNvPr id="7" name="Picture 6">
+            <a:extLst>
+              <a:ext uri="{FF2B5EF4-FFF2-40B4-BE49-F238E27FC236}">
+                <a16:creationId xmlns:a16="http://schemas.microsoft.com/office/drawing/2014/main" id="{28FB7A9D-051E-4F28-9FD4-BEA322BA772E}"/>
+              </a:ext>
+            </a:extLst>
+          </p:cNvPr>
+          <p:cNvPicPr>
+            <a:picLocks noChangeAspect="1"/>
+          </p:cNvPicPr>
+          <p:nvPr/>
+        </p:nvPicPr>
+        <p:blipFill>
+          <a:blip r:embed="rId2">
+            <a:extLst>
+              <a:ext uri="{28A0092B-C50C-407E-A947-70E740481C1C}">
+                <a14:useLocalDpi xmlns:a14="http://schemas.microsoft.com/office/drawing/2010/main" val="0"/>
+              </a:ext>
+            </a:extLst>
+          </a:blip>
+          <a:stretch>
+            <a:fillRect/>
+          </a:stretch>
+        </p:blipFill>
+        <p:spPr>
+          <a:xfrm>
+            <a:off x="5340064" y="2"/>
+            <a:ext cx="6858000" cy="6858000"/>
+          </a:xfrm>
+          <a:prstGeom prst="rect">
+            <a:avLst/>
+          </a:prstGeom>
+        </p:spPr>
+      </p:pic>
+      <p:pic>
+        <p:nvPicPr>
+          <p:cNvPr id="3" name="Picture 2">
+            <a:extLst>
+              <a:ext uri="{FF2B5EF4-FFF2-40B4-BE49-F238E27FC236}">
+                <a16:creationId xmlns:a16="http://schemas.microsoft.com/office/drawing/2014/main" id="{D1B03B54-C072-4A2D-A4BC-BE3C3011CEA0}"/>
+              </a:ext>
+            </a:extLst>
+          </p:cNvPr>
+          <p:cNvPicPr>
+            <a:picLocks noChangeAspect="1"/>
+          </p:cNvPicPr>
+          <p:nvPr/>
+        </p:nvPicPr>
+        <p:blipFill>
+          <a:blip r:embed="rId3">
+            <a:extLst>
+              <a:ext uri="{28A0092B-C50C-407E-A947-70E740481C1C}">
+                <a14:useLocalDpi xmlns:a14="http://schemas.microsoft.com/office/drawing/2010/main" val="0"/>
+              </a:ext>
+            </a:extLst>
+          </a:blip>
+          <a:stretch>
+            <a:fillRect/>
+          </a:stretch>
+        </p:blipFill>
+        <p:spPr>
+          <a:xfrm>
+            <a:off x="7455651" y="1119281"/>
+            <a:ext cx="2626095" cy="4642238"/>
+          </a:xfrm>
+          <a:prstGeom prst="rect">
+            <a:avLst/>
+          </a:prstGeom>
+        </p:spPr>
+      </p:pic>
+      <p:pic>
+        <p:nvPicPr>
+          <p:cNvPr id="8" name="Picture 7">
+            <a:extLst>
+              <a:ext uri="{FF2B5EF4-FFF2-40B4-BE49-F238E27FC236}">
+                <a16:creationId xmlns:a16="http://schemas.microsoft.com/office/drawing/2014/main" id="{BF13E403-0096-43B2-B1CF-47C651B91E0F}"/>
+              </a:ext>
+            </a:extLst>
+          </p:cNvPr>
+          <p:cNvPicPr>
+            <a:picLocks noChangeAspect="1"/>
+          </p:cNvPicPr>
+          <p:nvPr/>
+        </p:nvPicPr>
+        <p:blipFill>
+          <a:blip r:embed="rId3">
+            <a:extLst>
+              <a:ext uri="{28A0092B-C50C-407E-A947-70E740481C1C}">
+                <a14:useLocalDpi xmlns:a14="http://schemas.microsoft.com/office/drawing/2010/main" val="0"/>
+              </a:ext>
+            </a:extLst>
+          </a:blip>
+          <a:stretch>
+            <a:fillRect/>
+          </a:stretch>
+        </p:blipFill>
+        <p:spPr>
+          <a:xfrm>
+            <a:off x="2127046" y="1128708"/>
+            <a:ext cx="2614636" cy="4621981"/>
+          </a:xfrm>
+          <a:prstGeom prst="rect">
+            <a:avLst/>
+          </a:prstGeom>
+        </p:spPr>
+      </p:pic>
+      <p:sp>
+        <p:nvSpPr>
+          <p:cNvPr id="10" name="TextBox 9">
+            <a:extLst>
+              <a:ext uri="{FF2B5EF4-FFF2-40B4-BE49-F238E27FC236}">
+                <a16:creationId xmlns:a16="http://schemas.microsoft.com/office/drawing/2014/main" id="{73BF42E5-30E3-438C-8152-A915603A9AE3}"/>
+              </a:ext>
+            </a:extLst>
+          </p:cNvPr>
+          <p:cNvSpPr txBox="1"/>
+          <p:nvPr/>
+        </p:nvSpPr>
+        <p:spPr>
+          <a:xfrm>
+            <a:off x="2563887" y="1881031"/>
+            <a:ext cx="1215958" cy="430887"/>
+          </a:xfrm>
+          <a:prstGeom prst="rect">
+            <a:avLst/>
+          </a:prstGeom>
+          <a:noFill/>
+        </p:spPr>
+        <p:txBody>
+          <a:bodyPr wrap="square" rtlCol="0">
+            <a:spAutoFit/>
+          </a:bodyPr>
+          <a:lstStyle/>
+          <a:p>
+            <a:r>
+              <a:rPr lang="en-US" sz="1100" dirty="0"/>
+              <a:t>Race against the machine</a:t>
+            </a:r>
+          </a:p>
+        </p:txBody>
+      </p:sp>
+      <p:pic>
+        <p:nvPicPr>
+          <p:cNvPr id="18" name="Picture 17">
+            <a:extLst>
+              <a:ext uri="{FF2B5EF4-FFF2-40B4-BE49-F238E27FC236}">
+                <a16:creationId xmlns:a16="http://schemas.microsoft.com/office/drawing/2014/main" id="{D3B0D36A-F93F-4243-9E30-291803DDD30B}"/>
+              </a:ext>
+            </a:extLst>
+          </p:cNvPr>
+          <p:cNvPicPr>
+            <a:picLocks noChangeAspect="1"/>
+          </p:cNvPicPr>
+          <p:nvPr/>
+        </p:nvPicPr>
+        <p:blipFill>
+          <a:blip r:embed="rId4">
+            <a:extLst>
+              <a:ext uri="{28A0092B-C50C-407E-A947-70E740481C1C}">
+                <a14:useLocalDpi xmlns:a14="http://schemas.microsoft.com/office/drawing/2010/main" val="0"/>
+              </a:ext>
+            </a:extLst>
+          </a:blip>
+          <a:stretch>
+            <a:fillRect/>
+          </a:stretch>
+        </p:blipFill>
+        <p:spPr>
+          <a:xfrm>
+            <a:off x="2799790" y="5082945"/>
+            <a:ext cx="1287780" cy="388620"/>
+          </a:xfrm>
+          <a:prstGeom prst="rect">
+            <a:avLst/>
+          </a:prstGeom>
+        </p:spPr>
+      </p:pic>
+      <p:pic>
+        <p:nvPicPr>
+          <p:cNvPr id="20" name="Picture 19">
+            <a:extLst>
+              <a:ext uri="{FF2B5EF4-FFF2-40B4-BE49-F238E27FC236}">
+                <a16:creationId xmlns:a16="http://schemas.microsoft.com/office/drawing/2014/main" id="{A0B46EDF-0C96-43C7-A75E-D3F5508AB759}"/>
+              </a:ext>
+            </a:extLst>
+          </p:cNvPr>
+          <p:cNvPicPr>
+            <a:picLocks noChangeAspect="1"/>
+          </p:cNvPicPr>
+          <p:nvPr/>
+        </p:nvPicPr>
+        <p:blipFill>
+          <a:blip r:embed="rId5">
+            <a:extLst>
+              <a:ext uri="{28A0092B-C50C-407E-A947-70E740481C1C}">
+                <a14:useLocalDpi xmlns:a14="http://schemas.microsoft.com/office/drawing/2010/main" val="0"/>
+              </a:ext>
+            </a:extLst>
+          </a:blip>
+          <a:stretch>
+            <a:fillRect/>
+          </a:stretch>
+        </p:blipFill>
+        <p:spPr>
+          <a:xfrm>
+            <a:off x="3716320" y="3252926"/>
+            <a:ext cx="643283" cy="645846"/>
+          </a:xfrm>
+          <a:prstGeom prst="rect">
+            <a:avLst/>
+          </a:prstGeom>
+        </p:spPr>
+      </p:pic>
+      <p:pic>
+        <p:nvPicPr>
+          <p:cNvPr id="22" name="Picture 21">
+            <a:extLst>
+              <a:ext uri="{FF2B5EF4-FFF2-40B4-BE49-F238E27FC236}">
+                <a16:creationId xmlns:a16="http://schemas.microsoft.com/office/drawing/2014/main" id="{B272FC36-FB9F-494C-8943-8390B04287F7}"/>
+              </a:ext>
+            </a:extLst>
+          </p:cNvPr>
+          <p:cNvPicPr>
+            <a:picLocks noChangeAspect="1"/>
+          </p:cNvPicPr>
+          <p:nvPr/>
+        </p:nvPicPr>
+        <p:blipFill>
+          <a:blip r:embed="rId6">
+            <a:extLst>
+              <a:ext uri="{28A0092B-C50C-407E-A947-70E740481C1C}">
+                <a14:useLocalDpi xmlns:a14="http://schemas.microsoft.com/office/drawing/2010/main" val="0"/>
+              </a:ext>
+            </a:extLst>
+          </a:blip>
+          <a:stretch>
+            <a:fillRect/>
+          </a:stretch>
+        </p:blipFill>
+        <p:spPr>
+          <a:xfrm>
+            <a:off x="2582741" y="4205569"/>
+            <a:ext cx="643283" cy="643283"/>
+          </a:xfrm>
+          <a:prstGeom prst="rect">
+            <a:avLst/>
+          </a:prstGeom>
+        </p:spPr>
+      </p:pic>
+      <p:pic>
+        <p:nvPicPr>
+          <p:cNvPr id="24" name="Picture 23">
+            <a:extLst>
+              <a:ext uri="{FF2B5EF4-FFF2-40B4-BE49-F238E27FC236}">
+                <a16:creationId xmlns:a16="http://schemas.microsoft.com/office/drawing/2014/main" id="{57235DC0-CD85-4752-86F1-F8F78D1497F6}"/>
+              </a:ext>
+            </a:extLst>
+          </p:cNvPr>
+          <p:cNvPicPr>
+            <a:picLocks noChangeAspect="1"/>
+          </p:cNvPicPr>
+          <p:nvPr/>
+        </p:nvPicPr>
+        <p:blipFill>
+          <a:blip r:embed="rId7">
+            <a:extLst>
+              <a:ext uri="{28A0092B-C50C-407E-A947-70E740481C1C}">
+                <a14:useLocalDpi xmlns:a14="http://schemas.microsoft.com/office/drawing/2010/main" val="0"/>
+              </a:ext>
+            </a:extLst>
+          </a:blip>
+          <a:stretch>
+            <a:fillRect/>
+          </a:stretch>
+        </p:blipFill>
+        <p:spPr>
+          <a:xfrm>
+            <a:off x="2577907" y="3238931"/>
+            <a:ext cx="652950" cy="729769"/>
+          </a:xfrm>
+          <a:prstGeom prst="rect">
+            <a:avLst/>
+          </a:prstGeom>
+        </p:spPr>
+      </p:pic>
+      <p:pic>
+        <p:nvPicPr>
+          <p:cNvPr id="26" name="Picture 25">
+            <a:extLst>
+              <a:ext uri="{FF2B5EF4-FFF2-40B4-BE49-F238E27FC236}">
+                <a16:creationId xmlns:a16="http://schemas.microsoft.com/office/drawing/2014/main" id="{50F6ECD9-D89E-4ECD-AA73-6446FADE418C}"/>
+              </a:ext>
+            </a:extLst>
+          </p:cNvPr>
+          <p:cNvPicPr>
+            <a:picLocks noChangeAspect="1"/>
+          </p:cNvPicPr>
+          <p:nvPr/>
+        </p:nvPicPr>
+        <p:blipFill>
+          <a:blip r:embed="rId8">
+            <a:extLst>
+              <a:ext uri="{28A0092B-C50C-407E-A947-70E740481C1C}">
+                <a14:useLocalDpi xmlns:a14="http://schemas.microsoft.com/office/drawing/2010/main" val="0"/>
+              </a:ext>
+            </a:extLst>
+          </a:blip>
+          <a:stretch>
+            <a:fillRect/>
+          </a:stretch>
+        </p:blipFill>
+        <p:spPr>
+          <a:xfrm>
+            <a:off x="3716320" y="4205569"/>
+            <a:ext cx="643283" cy="643283"/>
+          </a:xfrm>
+          <a:prstGeom prst="rect">
+            <a:avLst/>
+          </a:prstGeom>
+        </p:spPr>
+      </p:pic>
+      <p:pic>
+        <p:nvPicPr>
+          <p:cNvPr id="4" name="Picture 3">
+            <a:extLst>
+              <a:ext uri="{FF2B5EF4-FFF2-40B4-BE49-F238E27FC236}">
+                <a16:creationId xmlns:a16="http://schemas.microsoft.com/office/drawing/2014/main" id="{F5AD9C3F-9869-4FD3-BFD1-CD7E59820342}"/>
+              </a:ext>
+            </a:extLst>
+          </p:cNvPr>
+          <p:cNvPicPr>
+            <a:picLocks noChangeAspect="1"/>
+          </p:cNvPicPr>
+          <p:nvPr/>
+        </p:nvPicPr>
+        <p:blipFill>
+          <a:blip r:embed="rId9">
+            <a:extLst>
+              <a:ext uri="{28A0092B-C50C-407E-A947-70E740481C1C}">
+                <a14:useLocalDpi xmlns:a14="http://schemas.microsoft.com/office/drawing/2010/main" val="0"/>
+              </a:ext>
+            </a:extLst>
+          </a:blip>
+          <a:stretch>
+            <a:fillRect/>
+          </a:stretch>
+        </p:blipFill>
+        <p:spPr>
+          <a:xfrm>
+            <a:off x="7881458" y="2480193"/>
+            <a:ext cx="1482352" cy="409108"/>
+          </a:xfrm>
+          <a:prstGeom prst="rect">
+            <a:avLst/>
+          </a:prstGeom>
+        </p:spPr>
+      </p:pic>
+      <p:pic>
+        <p:nvPicPr>
+          <p:cNvPr id="11" name="Picture 10">
+            <a:extLst>
+              <a:ext uri="{FF2B5EF4-FFF2-40B4-BE49-F238E27FC236}">
+                <a16:creationId xmlns:a16="http://schemas.microsoft.com/office/drawing/2014/main" id="{670FD45B-B834-4AB2-AD6B-A4A8AAF017BC}"/>
+              </a:ext>
+            </a:extLst>
+          </p:cNvPr>
+          <p:cNvPicPr>
+            <a:picLocks noChangeAspect="1"/>
+          </p:cNvPicPr>
+          <p:nvPr/>
+        </p:nvPicPr>
+        <p:blipFill>
+          <a:blip r:embed="rId10">
+            <a:extLst>
+              <a:ext uri="{28A0092B-C50C-407E-A947-70E740481C1C}">
+                <a14:useLocalDpi xmlns:a14="http://schemas.microsoft.com/office/drawing/2010/main" val="0"/>
+              </a:ext>
+            </a:extLst>
+          </a:blip>
+          <a:stretch>
+            <a:fillRect/>
+          </a:stretch>
+        </p:blipFill>
+        <p:spPr>
+          <a:xfrm>
+            <a:off x="7562471" y="1233297"/>
+            <a:ext cx="301763" cy="301763"/>
+          </a:xfrm>
+          <a:prstGeom prst="rect">
+            <a:avLst/>
+          </a:prstGeom>
+        </p:spPr>
+      </p:pic>
+      <p:pic>
+        <p:nvPicPr>
+          <p:cNvPr id="21" name="Picture 20">
+            <a:extLst>
+              <a:ext uri="{FF2B5EF4-FFF2-40B4-BE49-F238E27FC236}">
+                <a16:creationId xmlns:a16="http://schemas.microsoft.com/office/drawing/2014/main" id="{4B4B7BD9-D4B6-42EC-8E39-FC97374B3278}"/>
+              </a:ext>
+            </a:extLst>
+          </p:cNvPr>
+          <p:cNvPicPr>
+            <a:picLocks noChangeAspect="1"/>
+          </p:cNvPicPr>
+          <p:nvPr/>
+        </p:nvPicPr>
+        <p:blipFill>
+          <a:blip r:embed="rId10">
+            <a:extLst>
+              <a:ext uri="{28A0092B-C50C-407E-A947-70E740481C1C}">
+                <a14:useLocalDpi xmlns:a14="http://schemas.microsoft.com/office/drawing/2010/main" val="0"/>
+              </a:ext>
+            </a:extLst>
+          </a:blip>
+          <a:stretch>
+            <a:fillRect/>
+          </a:stretch>
+        </p:blipFill>
+        <p:spPr>
+          <a:xfrm>
+            <a:off x="2224244" y="1231788"/>
+            <a:ext cx="301763" cy="301763"/>
+          </a:xfrm>
+          <a:prstGeom prst="rect">
+            <a:avLst/>
+          </a:prstGeom>
+        </p:spPr>
+      </p:pic>
+      <p:pic>
+        <p:nvPicPr>
+          <p:cNvPr id="23" name="Picture 22">
+            <a:extLst>
+              <a:ext uri="{FF2B5EF4-FFF2-40B4-BE49-F238E27FC236}">
+                <a16:creationId xmlns:a16="http://schemas.microsoft.com/office/drawing/2014/main" id="{BD369BD9-A735-49B5-A651-7A6D43C260E9}"/>
+              </a:ext>
+            </a:extLst>
+          </p:cNvPr>
+          <p:cNvPicPr>
+            <a:picLocks noChangeAspect="1"/>
+          </p:cNvPicPr>
+          <p:nvPr/>
+        </p:nvPicPr>
+        <p:blipFill>
+          <a:blip r:embed="rId9">
+            <a:extLst>
+              <a:ext uri="{28A0092B-C50C-407E-A947-70E740481C1C}">
+                <a14:useLocalDpi xmlns:a14="http://schemas.microsoft.com/office/drawing/2010/main" val="0"/>
+              </a:ext>
+            </a:extLst>
+          </a:blip>
+          <a:stretch>
+            <a:fillRect/>
+          </a:stretch>
+        </p:blipFill>
+        <p:spPr>
+          <a:xfrm>
+            <a:off x="2520536" y="2480193"/>
+            <a:ext cx="1482352" cy="409108"/>
+          </a:xfrm>
+          <a:prstGeom prst="rect">
+            <a:avLst/>
+          </a:prstGeom>
+        </p:spPr>
+      </p:pic>
+      <p:pic>
+        <p:nvPicPr>
+          <p:cNvPr id="14" name="Picture 13">
+            <a:extLst>
+              <a:ext uri="{FF2B5EF4-FFF2-40B4-BE49-F238E27FC236}">
+                <a16:creationId xmlns:a16="http://schemas.microsoft.com/office/drawing/2014/main" id="{FC27F9CD-116D-4A47-9A80-8591BEA99702}"/>
+              </a:ext>
+            </a:extLst>
+          </p:cNvPr>
+          <p:cNvPicPr>
+            <a:picLocks noChangeAspect="1"/>
+          </p:cNvPicPr>
+          <p:nvPr/>
+        </p:nvPicPr>
+        <p:blipFill>
+          <a:blip r:embed="rId11">
+            <a:extLst>
+              <a:ext uri="{28A0092B-C50C-407E-A947-70E740481C1C}">
+                <a14:useLocalDpi xmlns:a14="http://schemas.microsoft.com/office/drawing/2010/main" val="0"/>
+              </a:ext>
+            </a:extLst>
+          </a:blip>
+          <a:stretch>
+            <a:fillRect/>
+          </a:stretch>
+        </p:blipFill>
+        <p:spPr>
+          <a:xfrm flipV="1">
+            <a:off x="7562471" y="5326785"/>
+            <a:ext cx="309480" cy="289559"/>
+          </a:xfrm>
+          <a:prstGeom prst="rect">
+            <a:avLst/>
+          </a:prstGeom>
+        </p:spPr>
+      </p:pic>
+      <p:pic>
+        <p:nvPicPr>
+          <p:cNvPr id="25" name="Picture 24">
+            <a:extLst>
+              <a:ext uri="{FF2B5EF4-FFF2-40B4-BE49-F238E27FC236}">
+                <a16:creationId xmlns:a16="http://schemas.microsoft.com/office/drawing/2014/main" id="{F07E0792-7092-4C76-BC12-04744993239F}"/>
+              </a:ext>
+            </a:extLst>
+          </p:cNvPr>
+          <p:cNvPicPr>
+            <a:picLocks noChangeAspect="1"/>
+          </p:cNvPicPr>
+          <p:nvPr/>
+        </p:nvPicPr>
+        <p:blipFill>
+          <a:blip r:embed="rId11">
+            <a:extLst>
+              <a:ext uri="{28A0092B-C50C-407E-A947-70E740481C1C}">
+                <a14:useLocalDpi xmlns:a14="http://schemas.microsoft.com/office/drawing/2010/main" val="0"/>
+              </a:ext>
+            </a:extLst>
+          </a:blip>
+          <a:stretch>
+            <a:fillRect/>
+          </a:stretch>
+        </p:blipFill>
+        <p:spPr>
+          <a:xfrm flipV="1">
+            <a:off x="2224245" y="5326785"/>
+            <a:ext cx="309480" cy="289559"/>
+          </a:xfrm>
+          <a:prstGeom prst="rect">
+            <a:avLst/>
+          </a:prstGeom>
+        </p:spPr>
+      </p:pic>
+      <p:sp>
+        <p:nvSpPr>
+          <p:cNvPr id="27" name="TextBox 26">
+            <a:extLst>
+              <a:ext uri="{FF2B5EF4-FFF2-40B4-BE49-F238E27FC236}">
+                <a16:creationId xmlns:a16="http://schemas.microsoft.com/office/drawing/2014/main" id="{A28AC7C7-6BFF-4BD3-B187-AEEA0A1D1207}"/>
+              </a:ext>
+            </a:extLst>
+          </p:cNvPr>
+          <p:cNvSpPr txBox="1"/>
+          <p:nvPr/>
+        </p:nvSpPr>
+        <p:spPr>
+          <a:xfrm>
+            <a:off x="7824044" y="1881031"/>
+            <a:ext cx="1215958" cy="430887"/>
+          </a:xfrm>
+          <a:prstGeom prst="rect">
+            <a:avLst/>
+          </a:prstGeom>
+          <a:noFill/>
+        </p:spPr>
+        <p:txBody>
+          <a:bodyPr wrap="square" rtlCol="0">
+            <a:spAutoFit/>
+          </a:bodyPr>
+          <a:lstStyle/>
+          <a:p>
+            <a:r>
+              <a:rPr lang="en-US" sz="1100" dirty="0"/>
+              <a:t>Race against the machine</a:t>
+            </a:r>
+          </a:p>
+        </p:txBody>
+      </p:sp>
+      <p:pic>
+        <p:nvPicPr>
+          <p:cNvPr id="9" name="Picture 8">
+            <a:extLst>
+              <a:ext uri="{FF2B5EF4-FFF2-40B4-BE49-F238E27FC236}">
+                <a16:creationId xmlns:a16="http://schemas.microsoft.com/office/drawing/2014/main" id="{872F4EA1-342F-4456-AA6D-5B3ABAA9178D}"/>
+              </a:ext>
+            </a:extLst>
+          </p:cNvPr>
+          <p:cNvPicPr>
+            <a:picLocks noChangeAspect="1"/>
+          </p:cNvPicPr>
+          <p:nvPr/>
+        </p:nvPicPr>
+        <p:blipFill>
+          <a:blip r:embed="rId12">
+            <a:extLst>
+              <a:ext uri="{28A0092B-C50C-407E-A947-70E740481C1C}">
+                <a14:useLocalDpi xmlns:a14="http://schemas.microsoft.com/office/drawing/2010/main" val="0"/>
+              </a:ext>
+            </a:extLst>
+          </a:blip>
+          <a:stretch>
+            <a:fillRect/>
+          </a:stretch>
+        </p:blipFill>
+        <p:spPr>
+          <a:xfrm>
+            <a:off x="7914452" y="3537133"/>
+            <a:ext cx="1694807" cy="1259061"/>
+          </a:xfrm>
+          <a:prstGeom prst="rect">
+            <a:avLst/>
+          </a:prstGeom>
+          <a:ln w="38100" cap="sq">
+            <a:solidFill>
+              <a:schemeClr val="bg1"/>
+            </a:solidFill>
+            <a:prstDash val="solid"/>
+            <a:miter lim="800000"/>
+          </a:ln>
+          <a:effectLst>
+            <a:outerShdw blurRad="50800" dist="38100" dir="2700000" algn="tl" rotWithShape="0">
+              <a:srgbClr val="000000">
+                <a:alpha val="43000"/>
+              </a:srgbClr>
+            </a:outerShdw>
+          </a:effectLst>
+        </p:spPr>
+      </p:pic>
+      <p:pic>
+        <p:nvPicPr>
+          <p:cNvPr id="28" name="Picture 27">
+            <a:extLst>
+              <a:ext uri="{FF2B5EF4-FFF2-40B4-BE49-F238E27FC236}">
+                <a16:creationId xmlns:a16="http://schemas.microsoft.com/office/drawing/2014/main" id="{595233C1-4915-449A-B5E4-68DC4F7C2BCA}"/>
+              </a:ext>
+            </a:extLst>
+          </p:cNvPr>
+          <p:cNvPicPr>
+            <a:picLocks noChangeAspect="1"/>
+          </p:cNvPicPr>
+          <p:nvPr/>
+        </p:nvPicPr>
+        <p:blipFill>
+          <a:blip r:embed="rId4">
+            <a:extLst>
+              <a:ext uri="{28A0092B-C50C-407E-A947-70E740481C1C}">
+                <a14:useLocalDpi xmlns:a14="http://schemas.microsoft.com/office/drawing/2010/main" val="0"/>
+              </a:ext>
+            </a:extLst>
+          </a:blip>
+          <a:stretch>
+            <a:fillRect/>
+          </a:stretch>
+        </p:blipFill>
+        <p:spPr>
+          <a:xfrm>
+            <a:off x="8125174" y="5082945"/>
+            <a:ext cx="1287780" cy="388620"/>
+          </a:xfrm>
+          <a:prstGeom prst="rect">
+            <a:avLst/>
+          </a:prstGeom>
+        </p:spPr>
+      </p:pic>
+    </p:spTree>
+    <p:extLst>
+      <p:ext uri="{BB962C8B-B14F-4D97-AF65-F5344CB8AC3E}">
+        <p14:creationId xmlns:p14="http://schemas.microsoft.com/office/powerpoint/2010/main" val="1283712318"/>
+      </p:ext>
+    </p:extLst>
+  </p:cSld>
+  <p:clrMapOvr>
+    <a:masterClrMapping/>
+  </p:clrMapOvr>
+</p:sld>
+</file>
+
+<file path=ppt/slides/slide13.xml><?xml version="1.0" encoding="utf-8"?>
+<p:sld xmlns:a="http://schemas.openxmlformats.org/drawingml/2006/main" xmlns:r="http://schemas.openxmlformats.org/officeDocument/2006/relationships" xmlns:p="http://schemas.openxmlformats.org/presentationml/2006/main">
+  <p:cSld>
+    <p:spTree>
+      <p:nvGrpSpPr>
+        <p:cNvPr id="1" name=""/>
+        <p:cNvGrpSpPr/>
+        <p:nvPr/>
+      </p:nvGrpSpPr>
+      <p:grpSpPr>
+        <a:xfrm>
+          <a:off x="0" y="0"/>
+          <a:ext cx="0" cy="0"/>
+          <a:chOff x="0" y="0"/>
+          <a:chExt cx="0" cy="0"/>
+        </a:xfrm>
+      </p:grpSpPr>
+      <p:pic>
+        <p:nvPicPr>
+          <p:cNvPr id="6" name="Picture 5">
+            <a:extLst>
+              <a:ext uri="{FF2B5EF4-FFF2-40B4-BE49-F238E27FC236}">
+                <a16:creationId xmlns:a16="http://schemas.microsoft.com/office/drawing/2014/main" id="{68AC2FEB-5713-45AF-AB96-71E24D546BEC}"/>
+              </a:ext>
+            </a:extLst>
+          </p:cNvPr>
+          <p:cNvPicPr>
+            <a:picLocks noChangeAspect="1"/>
+          </p:cNvPicPr>
+          <p:nvPr/>
+        </p:nvPicPr>
+        <p:blipFill>
+          <a:blip r:embed="rId2">
+            <a:extLst>
+              <a:ext uri="{28A0092B-C50C-407E-A947-70E740481C1C}">
+                <a14:useLocalDpi xmlns:a14="http://schemas.microsoft.com/office/drawing/2010/main" val="0"/>
+              </a:ext>
+            </a:extLst>
+          </a:blip>
+          <a:stretch>
+            <a:fillRect/>
+          </a:stretch>
+        </p:blipFill>
+        <p:spPr>
+          <a:xfrm>
+            <a:off x="0" y="4863"/>
+            <a:ext cx="6858000" cy="6858000"/>
+          </a:xfrm>
+          <a:prstGeom prst="rect">
+            <a:avLst/>
+          </a:prstGeom>
+        </p:spPr>
+      </p:pic>
+      <p:pic>
+        <p:nvPicPr>
+          <p:cNvPr id="7" name="Picture 6">
+            <a:extLst>
+              <a:ext uri="{FF2B5EF4-FFF2-40B4-BE49-F238E27FC236}">
+                <a16:creationId xmlns:a16="http://schemas.microsoft.com/office/drawing/2014/main" id="{28FB7A9D-051E-4F28-9FD4-BEA322BA772E}"/>
+              </a:ext>
+            </a:extLst>
+          </p:cNvPr>
+          <p:cNvPicPr>
+            <a:picLocks noChangeAspect="1"/>
+          </p:cNvPicPr>
+          <p:nvPr/>
+        </p:nvPicPr>
+        <p:blipFill>
+          <a:blip r:embed="rId2">
+            <a:extLst>
+              <a:ext uri="{28A0092B-C50C-407E-A947-70E740481C1C}">
+                <a14:useLocalDpi xmlns:a14="http://schemas.microsoft.com/office/drawing/2010/main" val="0"/>
+              </a:ext>
+            </a:extLst>
+          </a:blip>
+          <a:stretch>
+            <a:fillRect/>
+          </a:stretch>
+        </p:blipFill>
+        <p:spPr>
+          <a:xfrm>
+            <a:off x="5340064" y="2"/>
+            <a:ext cx="6858000" cy="6858000"/>
+          </a:xfrm>
+          <a:prstGeom prst="rect">
+            <a:avLst/>
+          </a:prstGeom>
+        </p:spPr>
+      </p:pic>
+      <p:pic>
+        <p:nvPicPr>
+          <p:cNvPr id="3" name="Picture 2">
+            <a:extLst>
+              <a:ext uri="{FF2B5EF4-FFF2-40B4-BE49-F238E27FC236}">
+                <a16:creationId xmlns:a16="http://schemas.microsoft.com/office/drawing/2014/main" id="{D1B03B54-C072-4A2D-A4BC-BE3C3011CEA0}"/>
+              </a:ext>
+            </a:extLst>
+          </p:cNvPr>
+          <p:cNvPicPr>
+            <a:picLocks noChangeAspect="1"/>
+          </p:cNvPicPr>
+          <p:nvPr/>
+        </p:nvPicPr>
+        <p:blipFill>
+          <a:blip r:embed="rId3">
+            <a:extLst>
+              <a:ext uri="{28A0092B-C50C-407E-A947-70E740481C1C}">
+                <a14:useLocalDpi xmlns:a14="http://schemas.microsoft.com/office/drawing/2010/main" val="0"/>
+              </a:ext>
+            </a:extLst>
+          </a:blip>
+          <a:stretch>
+            <a:fillRect/>
+          </a:stretch>
+        </p:blipFill>
+        <p:spPr>
+          <a:xfrm>
+            <a:off x="7464226" y="1109855"/>
+            <a:ext cx="2619103" cy="4629878"/>
+          </a:xfrm>
+          <a:prstGeom prst="rect">
+            <a:avLst/>
+          </a:prstGeom>
+        </p:spPr>
+      </p:pic>
+      <p:pic>
+        <p:nvPicPr>
+          <p:cNvPr id="8" name="Picture 7">
+            <a:extLst>
+              <a:ext uri="{FF2B5EF4-FFF2-40B4-BE49-F238E27FC236}">
+                <a16:creationId xmlns:a16="http://schemas.microsoft.com/office/drawing/2014/main" id="{BF13E403-0096-43B2-B1CF-47C651B91E0F}"/>
+              </a:ext>
+            </a:extLst>
+          </p:cNvPr>
+          <p:cNvPicPr>
+            <a:picLocks noChangeAspect="1"/>
+          </p:cNvPicPr>
+          <p:nvPr/>
+        </p:nvPicPr>
+        <p:blipFill>
+          <a:blip r:embed="rId3">
+            <a:extLst>
+              <a:ext uri="{28A0092B-C50C-407E-A947-70E740481C1C}">
+                <a14:useLocalDpi xmlns:a14="http://schemas.microsoft.com/office/drawing/2010/main" val="0"/>
+              </a:ext>
+            </a:extLst>
+          </a:blip>
+          <a:stretch>
+            <a:fillRect/>
+          </a:stretch>
+        </p:blipFill>
+        <p:spPr>
+          <a:xfrm>
+            <a:off x="2127046" y="1128708"/>
+            <a:ext cx="2616219" cy="4610309"/>
+          </a:xfrm>
+          <a:prstGeom prst="rect">
+            <a:avLst/>
+          </a:prstGeom>
+        </p:spPr>
+      </p:pic>
+      <p:sp>
+        <p:nvSpPr>
+          <p:cNvPr id="10" name="TextBox 9">
+            <a:extLst>
+              <a:ext uri="{FF2B5EF4-FFF2-40B4-BE49-F238E27FC236}">
+                <a16:creationId xmlns:a16="http://schemas.microsoft.com/office/drawing/2014/main" id="{73BF42E5-30E3-438C-8152-A915603A9AE3}"/>
+              </a:ext>
+            </a:extLst>
+          </p:cNvPr>
+          <p:cNvSpPr txBox="1"/>
+          <p:nvPr/>
+        </p:nvSpPr>
+        <p:spPr>
+          <a:xfrm>
+            <a:off x="2563887" y="1881031"/>
+            <a:ext cx="1215958" cy="430887"/>
+          </a:xfrm>
+          <a:prstGeom prst="rect">
+            <a:avLst/>
+          </a:prstGeom>
+          <a:noFill/>
+        </p:spPr>
+        <p:txBody>
+          <a:bodyPr wrap="square" rtlCol="0">
+            <a:spAutoFit/>
+          </a:bodyPr>
+          <a:lstStyle/>
+          <a:p>
+            <a:r>
+              <a:rPr lang="en-US" sz="1100" dirty="0"/>
+              <a:t>Race against the machine</a:t>
+            </a:r>
+          </a:p>
+        </p:txBody>
+      </p:sp>
+      <p:pic>
+        <p:nvPicPr>
+          <p:cNvPr id="18" name="Picture 17">
+            <a:extLst>
+              <a:ext uri="{FF2B5EF4-FFF2-40B4-BE49-F238E27FC236}">
+                <a16:creationId xmlns:a16="http://schemas.microsoft.com/office/drawing/2014/main" id="{D3B0D36A-F93F-4243-9E30-291803DDD30B}"/>
+              </a:ext>
+            </a:extLst>
+          </p:cNvPr>
+          <p:cNvPicPr>
+            <a:picLocks noChangeAspect="1"/>
+          </p:cNvPicPr>
+          <p:nvPr/>
+        </p:nvPicPr>
+        <p:blipFill>
+          <a:blip r:embed="rId4">
+            <a:extLst>
+              <a:ext uri="{28A0092B-C50C-407E-A947-70E740481C1C}">
+                <a14:useLocalDpi xmlns:a14="http://schemas.microsoft.com/office/drawing/2010/main" val="0"/>
+              </a:ext>
+            </a:extLst>
+          </a:blip>
+          <a:stretch>
+            <a:fillRect/>
+          </a:stretch>
+        </p:blipFill>
+        <p:spPr>
+          <a:xfrm>
+            <a:off x="2785110" y="5082944"/>
+            <a:ext cx="1287780" cy="388620"/>
+          </a:xfrm>
+          <a:prstGeom prst="rect">
+            <a:avLst/>
+          </a:prstGeom>
+        </p:spPr>
+      </p:pic>
+      <p:pic>
+        <p:nvPicPr>
+          <p:cNvPr id="4" name="Picture 3">
+            <a:extLst>
+              <a:ext uri="{FF2B5EF4-FFF2-40B4-BE49-F238E27FC236}">
+                <a16:creationId xmlns:a16="http://schemas.microsoft.com/office/drawing/2014/main" id="{F5AD9C3F-9869-4FD3-BFD1-CD7E59820342}"/>
+              </a:ext>
+            </a:extLst>
+          </p:cNvPr>
+          <p:cNvPicPr>
+            <a:picLocks noChangeAspect="1"/>
+          </p:cNvPicPr>
+          <p:nvPr/>
+        </p:nvPicPr>
+        <p:blipFill>
+          <a:blip r:embed="rId5">
+            <a:extLst>
+              <a:ext uri="{28A0092B-C50C-407E-A947-70E740481C1C}">
+                <a14:useLocalDpi xmlns:a14="http://schemas.microsoft.com/office/drawing/2010/main" val="0"/>
+              </a:ext>
+            </a:extLst>
+          </a:blip>
+          <a:stretch>
+            <a:fillRect/>
+          </a:stretch>
+        </p:blipFill>
+        <p:spPr>
+          <a:xfrm>
+            <a:off x="7881458" y="2480193"/>
+            <a:ext cx="1482352" cy="409108"/>
+          </a:xfrm>
+          <a:prstGeom prst="rect">
+            <a:avLst/>
+          </a:prstGeom>
+        </p:spPr>
+      </p:pic>
+      <p:pic>
+        <p:nvPicPr>
+          <p:cNvPr id="11" name="Picture 10">
+            <a:extLst>
+              <a:ext uri="{FF2B5EF4-FFF2-40B4-BE49-F238E27FC236}">
+                <a16:creationId xmlns:a16="http://schemas.microsoft.com/office/drawing/2014/main" id="{670FD45B-B834-4AB2-AD6B-A4A8AAF017BC}"/>
+              </a:ext>
+            </a:extLst>
+          </p:cNvPr>
+          <p:cNvPicPr>
+            <a:picLocks noChangeAspect="1"/>
+          </p:cNvPicPr>
+          <p:nvPr/>
+        </p:nvPicPr>
+        <p:blipFill>
+          <a:blip r:embed="rId6">
+            <a:extLst>
+              <a:ext uri="{28A0092B-C50C-407E-A947-70E740481C1C}">
+                <a14:useLocalDpi xmlns:a14="http://schemas.microsoft.com/office/drawing/2010/main" val="0"/>
+              </a:ext>
+            </a:extLst>
+          </a:blip>
+          <a:stretch>
+            <a:fillRect/>
+          </a:stretch>
+        </p:blipFill>
+        <p:spPr>
+          <a:xfrm>
+            <a:off x="7562471" y="1233297"/>
+            <a:ext cx="301763" cy="301763"/>
+          </a:xfrm>
+          <a:prstGeom prst="rect">
+            <a:avLst/>
+          </a:prstGeom>
+        </p:spPr>
+      </p:pic>
+      <p:pic>
+        <p:nvPicPr>
+          <p:cNvPr id="21" name="Picture 20">
+            <a:extLst>
+              <a:ext uri="{FF2B5EF4-FFF2-40B4-BE49-F238E27FC236}">
+                <a16:creationId xmlns:a16="http://schemas.microsoft.com/office/drawing/2014/main" id="{4B4B7BD9-D4B6-42EC-8E39-FC97374B3278}"/>
+              </a:ext>
+            </a:extLst>
+          </p:cNvPr>
+          <p:cNvPicPr>
+            <a:picLocks noChangeAspect="1"/>
+          </p:cNvPicPr>
+          <p:nvPr/>
+        </p:nvPicPr>
+        <p:blipFill>
+          <a:blip r:embed="rId6">
+            <a:extLst>
+              <a:ext uri="{28A0092B-C50C-407E-A947-70E740481C1C}">
+                <a14:useLocalDpi xmlns:a14="http://schemas.microsoft.com/office/drawing/2010/main" val="0"/>
+              </a:ext>
+            </a:extLst>
+          </a:blip>
+          <a:stretch>
+            <a:fillRect/>
+          </a:stretch>
+        </p:blipFill>
+        <p:spPr>
+          <a:xfrm>
+            <a:off x="2224244" y="1231788"/>
+            <a:ext cx="301763" cy="301763"/>
+          </a:xfrm>
+          <a:prstGeom prst="rect">
+            <a:avLst/>
+          </a:prstGeom>
+        </p:spPr>
+      </p:pic>
+      <p:pic>
+        <p:nvPicPr>
+          <p:cNvPr id="23" name="Picture 22">
+            <a:extLst>
+              <a:ext uri="{FF2B5EF4-FFF2-40B4-BE49-F238E27FC236}">
+                <a16:creationId xmlns:a16="http://schemas.microsoft.com/office/drawing/2014/main" id="{BD369BD9-A735-49B5-A651-7A6D43C260E9}"/>
+              </a:ext>
+            </a:extLst>
+          </p:cNvPr>
+          <p:cNvPicPr>
+            <a:picLocks noChangeAspect="1"/>
+          </p:cNvPicPr>
+          <p:nvPr/>
+        </p:nvPicPr>
+        <p:blipFill>
+          <a:blip r:embed="rId5">
+            <a:extLst>
+              <a:ext uri="{28A0092B-C50C-407E-A947-70E740481C1C}">
+                <a14:useLocalDpi xmlns:a14="http://schemas.microsoft.com/office/drawing/2010/main" val="0"/>
+              </a:ext>
+            </a:extLst>
+          </a:blip>
+          <a:stretch>
+            <a:fillRect/>
+          </a:stretch>
+        </p:blipFill>
+        <p:spPr>
+          <a:xfrm>
+            <a:off x="2520536" y="2480193"/>
+            <a:ext cx="1482352" cy="409108"/>
+          </a:xfrm>
+          <a:prstGeom prst="rect">
+            <a:avLst/>
+          </a:prstGeom>
+        </p:spPr>
+      </p:pic>
+      <p:pic>
+        <p:nvPicPr>
+          <p:cNvPr id="14" name="Picture 13">
+            <a:extLst>
+              <a:ext uri="{FF2B5EF4-FFF2-40B4-BE49-F238E27FC236}">
+                <a16:creationId xmlns:a16="http://schemas.microsoft.com/office/drawing/2014/main" id="{FC27F9CD-116D-4A47-9A80-8591BEA99702}"/>
+              </a:ext>
+            </a:extLst>
+          </p:cNvPr>
+          <p:cNvPicPr>
+            <a:picLocks noChangeAspect="1"/>
+          </p:cNvPicPr>
+          <p:nvPr/>
+        </p:nvPicPr>
+        <p:blipFill>
+          <a:blip r:embed="rId7">
+            <a:extLst>
+              <a:ext uri="{28A0092B-C50C-407E-A947-70E740481C1C}">
+                <a14:useLocalDpi xmlns:a14="http://schemas.microsoft.com/office/drawing/2010/main" val="0"/>
+              </a:ext>
+            </a:extLst>
+          </a:blip>
+          <a:stretch>
+            <a:fillRect/>
+          </a:stretch>
+        </p:blipFill>
+        <p:spPr>
+          <a:xfrm flipV="1">
+            <a:off x="7562471" y="5326785"/>
+            <a:ext cx="309480" cy="289559"/>
+          </a:xfrm>
+          <a:prstGeom prst="rect">
+            <a:avLst/>
+          </a:prstGeom>
+        </p:spPr>
+      </p:pic>
+      <p:pic>
+        <p:nvPicPr>
+          <p:cNvPr id="25" name="Picture 24">
+            <a:extLst>
+              <a:ext uri="{FF2B5EF4-FFF2-40B4-BE49-F238E27FC236}">
+                <a16:creationId xmlns:a16="http://schemas.microsoft.com/office/drawing/2014/main" id="{F07E0792-7092-4C76-BC12-04744993239F}"/>
+              </a:ext>
+            </a:extLst>
+          </p:cNvPr>
+          <p:cNvPicPr>
+            <a:picLocks noChangeAspect="1"/>
+          </p:cNvPicPr>
+          <p:nvPr/>
+        </p:nvPicPr>
+        <p:blipFill>
+          <a:blip r:embed="rId7">
+            <a:extLst>
+              <a:ext uri="{28A0092B-C50C-407E-A947-70E740481C1C}">
+                <a14:useLocalDpi xmlns:a14="http://schemas.microsoft.com/office/drawing/2010/main" val="0"/>
+              </a:ext>
+            </a:extLst>
+          </a:blip>
+          <a:stretch>
+            <a:fillRect/>
+          </a:stretch>
+        </p:blipFill>
+        <p:spPr>
+          <a:xfrm flipV="1">
+            <a:off x="2224245" y="5326785"/>
+            <a:ext cx="309480" cy="289559"/>
+          </a:xfrm>
+          <a:prstGeom prst="rect">
+            <a:avLst/>
+          </a:prstGeom>
+        </p:spPr>
+      </p:pic>
+      <p:sp>
+        <p:nvSpPr>
+          <p:cNvPr id="27" name="TextBox 26">
+            <a:extLst>
+              <a:ext uri="{FF2B5EF4-FFF2-40B4-BE49-F238E27FC236}">
+                <a16:creationId xmlns:a16="http://schemas.microsoft.com/office/drawing/2014/main" id="{A28AC7C7-6BFF-4BD3-B187-AEEA0A1D1207}"/>
+              </a:ext>
+            </a:extLst>
+          </p:cNvPr>
+          <p:cNvSpPr txBox="1"/>
+          <p:nvPr/>
+        </p:nvSpPr>
+        <p:spPr>
+          <a:xfrm>
+            <a:off x="7824044" y="1881031"/>
+            <a:ext cx="1215958" cy="430887"/>
+          </a:xfrm>
+          <a:prstGeom prst="rect">
+            <a:avLst/>
+          </a:prstGeom>
+          <a:noFill/>
+        </p:spPr>
+        <p:txBody>
+          <a:bodyPr wrap="square" rtlCol="0">
+            <a:spAutoFit/>
+          </a:bodyPr>
+          <a:lstStyle/>
+          <a:p>
+            <a:r>
+              <a:rPr lang="en-US" sz="1100" dirty="0"/>
+              <a:t>Race against the machine</a:t>
+            </a:r>
+          </a:p>
+        </p:txBody>
+      </p:sp>
+      <p:pic>
+        <p:nvPicPr>
+          <p:cNvPr id="28" name="Picture 27">
+            <a:extLst>
+              <a:ext uri="{FF2B5EF4-FFF2-40B4-BE49-F238E27FC236}">
+                <a16:creationId xmlns:a16="http://schemas.microsoft.com/office/drawing/2014/main" id="{8DE695DB-B212-4F36-9F7B-CB26244E440D}"/>
+              </a:ext>
+            </a:extLst>
+          </p:cNvPr>
+          <p:cNvPicPr>
+            <a:picLocks noChangeAspect="1"/>
+          </p:cNvPicPr>
+          <p:nvPr/>
+        </p:nvPicPr>
+        <p:blipFill>
+          <a:blip r:embed="rId4">
+            <a:extLst>
+              <a:ext uri="{28A0092B-C50C-407E-A947-70E740481C1C}">
+                <a14:useLocalDpi xmlns:a14="http://schemas.microsoft.com/office/drawing/2010/main" val="0"/>
+              </a:ext>
+            </a:extLst>
+          </a:blip>
+          <a:stretch>
+            <a:fillRect/>
+          </a:stretch>
+        </p:blipFill>
+        <p:spPr>
+          <a:xfrm>
+            <a:off x="8123284" y="5083586"/>
+            <a:ext cx="1287780" cy="388620"/>
+          </a:xfrm>
+          <a:prstGeom prst="rect">
+            <a:avLst/>
+          </a:prstGeom>
+        </p:spPr>
+      </p:pic>
+      <p:pic>
+        <p:nvPicPr>
+          <p:cNvPr id="5" name="Picture 4">
+            <a:extLst>
+              <a:ext uri="{FF2B5EF4-FFF2-40B4-BE49-F238E27FC236}">
+                <a16:creationId xmlns:a16="http://schemas.microsoft.com/office/drawing/2014/main" id="{5CDFBF48-4188-441C-A154-5E37F50249E9}"/>
+              </a:ext>
+            </a:extLst>
+          </p:cNvPr>
+          <p:cNvPicPr>
+            <a:picLocks noChangeAspect="1"/>
+          </p:cNvPicPr>
+          <p:nvPr/>
+        </p:nvPicPr>
+        <p:blipFill>
+          <a:blip r:embed="rId8">
+            <a:extLst>
+              <a:ext uri="{28A0092B-C50C-407E-A947-70E740481C1C}">
+                <a14:useLocalDpi xmlns:a14="http://schemas.microsoft.com/office/drawing/2010/main" val="0"/>
+              </a:ext>
+            </a:extLst>
+          </a:blip>
+          <a:stretch>
+            <a:fillRect/>
+          </a:stretch>
+        </p:blipFill>
+        <p:spPr>
+          <a:xfrm>
+            <a:off x="2358817" y="3401141"/>
+            <a:ext cx="2140366" cy="1169963"/>
+          </a:xfrm>
+          <a:prstGeom prst="rect">
+            <a:avLst/>
+          </a:prstGeom>
+          <a:ln w="38100" cap="sq">
+            <a:solidFill>
+              <a:schemeClr val="bg1"/>
+            </a:solidFill>
+            <a:prstDash val="solid"/>
+            <a:miter lim="800000"/>
+          </a:ln>
+          <a:effectLst>
+            <a:outerShdw blurRad="50800" dist="38100" dir="2700000" algn="tl" rotWithShape="0">
+              <a:srgbClr val="000000">
+                <a:alpha val="43000"/>
+              </a:srgbClr>
+            </a:outerShdw>
+          </a:effectLst>
+        </p:spPr>
+      </p:pic>
+      <p:pic>
+        <p:nvPicPr>
+          <p:cNvPr id="13" name="Picture 12">
+            <a:extLst>
+              <a:ext uri="{FF2B5EF4-FFF2-40B4-BE49-F238E27FC236}">
+                <a16:creationId xmlns:a16="http://schemas.microsoft.com/office/drawing/2014/main" id="{CC1220E0-35BB-4935-A006-4C1B6DCBB30C}"/>
+              </a:ext>
+            </a:extLst>
+          </p:cNvPr>
+          <p:cNvPicPr>
+            <a:picLocks noChangeAspect="1"/>
+          </p:cNvPicPr>
+          <p:nvPr/>
+        </p:nvPicPr>
+        <p:blipFill>
+          <a:blip r:embed="rId9">
+            <a:extLst>
+              <a:ext uri="{28A0092B-C50C-407E-A947-70E740481C1C}">
+                <a14:useLocalDpi xmlns:a14="http://schemas.microsoft.com/office/drawing/2010/main" val="0"/>
+              </a:ext>
+            </a:extLst>
+          </a:blip>
+          <a:stretch>
+            <a:fillRect/>
+          </a:stretch>
+        </p:blipFill>
+        <p:spPr>
+          <a:xfrm>
+            <a:off x="7928086" y="3285723"/>
+            <a:ext cx="1678175" cy="1540479"/>
+          </a:xfrm>
+          <a:prstGeom prst="rect">
+            <a:avLst/>
+          </a:prstGeom>
+          <a:ln w="38100" cap="sq">
+            <a:solidFill>
+              <a:schemeClr val="bg1"/>
+            </a:solidFill>
+            <a:prstDash val="solid"/>
+            <a:miter lim="800000"/>
+          </a:ln>
+          <a:effectLst>
+            <a:outerShdw blurRad="50800" dist="38100" dir="2700000" algn="tl" rotWithShape="0">
+              <a:srgbClr val="000000">
+                <a:alpha val="43000"/>
+              </a:srgbClr>
+            </a:outerShdw>
+          </a:effectLst>
+        </p:spPr>
+      </p:pic>
+    </p:spTree>
+    <p:extLst>
+      <p:ext uri="{BB962C8B-B14F-4D97-AF65-F5344CB8AC3E}">
+        <p14:creationId xmlns:p14="http://schemas.microsoft.com/office/powerpoint/2010/main" val="1672735359"/>
+      </p:ext>
+    </p:extLst>
+  </p:cSld>
+  <p:clrMapOvr>
+    <a:masterClrMapping/>
+  </p:clrMapOvr>
+</p:sld>
+</file>
+
+<file path=ppt/slides/slide14.xml><?xml version="1.0" encoding="utf-8"?>
+<p:sld xmlns:a="http://schemas.openxmlformats.org/drawingml/2006/main" xmlns:r="http://schemas.openxmlformats.org/officeDocument/2006/relationships" xmlns:p="http://schemas.openxmlformats.org/presentationml/2006/main">
+  <p:cSld>
+    <p:spTree>
+      <p:nvGrpSpPr>
+        <p:cNvPr id="1" name=""/>
+        <p:cNvGrpSpPr/>
+        <p:nvPr/>
+      </p:nvGrpSpPr>
+      <p:grpSpPr>
+        <a:xfrm>
+          <a:off x="0" y="0"/>
+          <a:ext cx="0" cy="0"/>
+          <a:chOff x="0" y="0"/>
+          <a:chExt cx="0" cy="0"/>
+        </a:xfrm>
+      </p:grpSpPr>
+      <p:pic>
+        <p:nvPicPr>
+          <p:cNvPr id="4" name="Picture 3">
+            <a:extLst>
+              <a:ext uri="{FF2B5EF4-FFF2-40B4-BE49-F238E27FC236}">
+                <a16:creationId xmlns:a16="http://schemas.microsoft.com/office/drawing/2014/main" id="{9FC8B44A-54EB-4F86-A5CB-75383BF6DAC7}"/>
+              </a:ext>
+            </a:extLst>
+          </p:cNvPr>
+          <p:cNvPicPr>
+            <a:picLocks noChangeAspect="1"/>
+          </p:cNvPicPr>
+          <p:nvPr/>
+        </p:nvPicPr>
+        <p:blipFill>
+          <a:blip r:embed="rId2">
+            <a:extLst>
+              <a:ext uri="{28A0092B-C50C-407E-A947-70E740481C1C}">
+                <a14:useLocalDpi xmlns:a14="http://schemas.microsoft.com/office/drawing/2010/main" val="0"/>
+              </a:ext>
+            </a:extLst>
+          </a:blip>
+          <a:stretch>
+            <a:fillRect/>
+          </a:stretch>
+        </p:blipFill>
+        <p:spPr>
+          <a:xfrm>
+            <a:off x="4053350" y="1746202"/>
+            <a:ext cx="4972577" cy="2735160"/>
+          </a:xfrm>
+          <a:prstGeom prst="rect">
+            <a:avLst/>
+          </a:prstGeom>
+        </p:spPr>
+      </p:pic>
+      <p:pic>
+        <p:nvPicPr>
+          <p:cNvPr id="6" name="Picture 5">
+            <a:extLst>
+              <a:ext uri="{FF2B5EF4-FFF2-40B4-BE49-F238E27FC236}">
+                <a16:creationId xmlns:a16="http://schemas.microsoft.com/office/drawing/2014/main" id="{B2EB90D6-F608-44F5-967B-8075BE9A67FB}"/>
+              </a:ext>
+            </a:extLst>
+          </p:cNvPr>
+          <p:cNvPicPr>
+            <a:picLocks noChangeAspect="1"/>
+          </p:cNvPicPr>
+          <p:nvPr/>
+        </p:nvPicPr>
+        <p:blipFill>
+          <a:blip r:embed="rId3">
+            <a:extLst>
+              <a:ext uri="{28A0092B-C50C-407E-A947-70E740481C1C}">
+                <a14:useLocalDpi xmlns:a14="http://schemas.microsoft.com/office/drawing/2010/main" val="0"/>
+              </a:ext>
+            </a:extLst>
+          </a:blip>
+          <a:stretch>
+            <a:fillRect/>
+          </a:stretch>
+        </p:blipFill>
+        <p:spPr>
+          <a:xfrm>
+            <a:off x="5195887" y="2713732"/>
+            <a:ext cx="1800225" cy="800100"/>
+          </a:xfrm>
+          <a:prstGeom prst="rect">
+            <a:avLst/>
+          </a:prstGeom>
+        </p:spPr>
+      </p:pic>
+    </p:spTree>
+    <p:extLst>
+      <p:ext uri="{BB962C8B-B14F-4D97-AF65-F5344CB8AC3E}">
+        <p14:creationId xmlns:p14="http://schemas.microsoft.com/office/powerpoint/2010/main" val="1271669789"/>
+      </p:ext>
+    </p:extLst>
+  </p:cSld>
+  <p:clrMapOvr>
+    <a:masterClrMapping/>
+  </p:clrMapOvr>
+</p:sld>
+</file>
+
+<file path=ppt/slides/slide2.xml><?xml version="1.0" encoding="utf-8"?>
+<p:sld xmlns:a="http://schemas.openxmlformats.org/drawingml/2006/main" xmlns:r="http://schemas.openxmlformats.org/officeDocument/2006/relationships" xmlns:p="http://schemas.openxmlformats.org/presentationml/2006/main">
+  <p:cSld>
+    <p:spTree>
+      <p:nvGrpSpPr>
+        <p:cNvPr id="1" name=""/>
+        <p:cNvGrpSpPr/>
+        <p:nvPr/>
+      </p:nvGrpSpPr>
+      <p:grpSpPr>
+        <a:xfrm>
+          <a:off x="0" y="0"/>
+          <a:ext cx="0" cy="0"/>
+          <a:chOff x="0" y="0"/>
+          <a:chExt cx="0" cy="0"/>
+        </a:xfrm>
+      </p:grpSpPr>
+      <p:sp>
+        <p:nvSpPr>
+          <p:cNvPr id="2" name="Title 1">
+            <a:extLst>
+              <a:ext uri="{FF2B5EF4-FFF2-40B4-BE49-F238E27FC236}">
+                <a16:creationId xmlns:a16="http://schemas.microsoft.com/office/drawing/2014/main" id="{BB620298-F075-431B-9EF3-2D7EDBB9DEC1}"/>
+              </a:ext>
+            </a:extLst>
+          </p:cNvPr>
+          <p:cNvSpPr>
+            <a:spLocks noGrp="1"/>
+          </p:cNvSpPr>
+          <p:nvPr>
+            <p:ph type="title"/>
+          </p:nvPr>
+        </p:nvSpPr>
+        <p:spPr/>
+        <p:txBody>
+          <a:bodyPr/>
+          <a:lstStyle/>
+          <a:p>
+            <a:r>
+              <a:rPr lang="en-US" dirty="0">
+                <a:solidFill>
+                  <a:srgbClr val="FF0000"/>
+                </a:solidFill>
+              </a:rPr>
+              <a:t>Purpose</a:t>
+            </a:r>
+          </a:p>
+        </p:txBody>
+      </p:sp>
+      <p:sp>
+        <p:nvSpPr>
+          <p:cNvPr id="3" name="Content Placeholder 2">
+            <a:extLst>
+              <a:ext uri="{FF2B5EF4-FFF2-40B4-BE49-F238E27FC236}">
+                <a16:creationId xmlns:a16="http://schemas.microsoft.com/office/drawing/2014/main" id="{AAF1B059-62A1-498F-85EE-2CA2A43AD9D7}"/>
+              </a:ext>
+            </a:extLst>
+          </p:cNvPr>
+          <p:cNvSpPr>
+            <a:spLocks noGrp="1"/>
+          </p:cNvSpPr>
+          <p:nvPr>
+            <p:ph idx="1"/>
+          </p:nvPr>
+        </p:nvSpPr>
+        <p:spPr>
+          <a:xfrm>
+            <a:off x="2772659" y="2475690"/>
+            <a:ext cx="6646682" cy="2151718"/>
+          </a:xfrm>
+        </p:spPr>
+        <p:txBody>
+          <a:bodyPr>
+            <a:noAutofit/>
+          </a:bodyPr>
+          <a:lstStyle/>
+          <a:p>
+            <a:pPr marL="0" indent="0" algn="ctr">
+              <a:buNone/>
+            </a:pPr>
+            <a:r>
+              <a:rPr lang="en-US" sz="4000" dirty="0">
+                <a:solidFill>
+                  <a:srgbClr val="FF0000"/>
+                </a:solidFill>
+              </a:rPr>
+              <a:t>Taggy help the users store memo and notes by utilizing </a:t>
+            </a:r>
+            <a:r>
+              <a:rPr lang="en-US" sz="4000" dirty="0">
+                <a:solidFill>
+                  <a:schemeClr val="accent4">
+                    <a:lumMod val="60000"/>
+                    <a:lumOff val="40000"/>
+                  </a:schemeClr>
+                </a:solidFill>
+              </a:rPr>
+              <a:t>tags</a:t>
+            </a:r>
+            <a:r>
+              <a:rPr lang="en-US" sz="4000" dirty="0">
+                <a:solidFill>
+                  <a:srgbClr val="FF0000"/>
+                </a:solidFill>
+              </a:rPr>
+              <a:t> in a </a:t>
+            </a:r>
+            <a:r>
+              <a:rPr lang="en-US" sz="4000" dirty="0">
+                <a:solidFill>
+                  <a:schemeClr val="accent4">
+                    <a:lumMod val="60000"/>
+                    <a:lumOff val="40000"/>
+                  </a:schemeClr>
+                </a:solidFill>
+              </a:rPr>
+              <a:t>convenient</a:t>
+            </a:r>
+            <a:r>
+              <a:rPr lang="en-US" sz="4000" dirty="0">
+                <a:solidFill>
+                  <a:srgbClr val="FF0000"/>
+                </a:solidFill>
+              </a:rPr>
+              <a:t> and </a:t>
+            </a:r>
+            <a:r>
+              <a:rPr lang="en-US" sz="4000" dirty="0">
+                <a:solidFill>
+                  <a:schemeClr val="accent4">
+                    <a:lumMod val="60000"/>
+                    <a:lumOff val="40000"/>
+                  </a:schemeClr>
+                </a:solidFill>
+              </a:rPr>
+              <a:t>practical</a:t>
+            </a:r>
+            <a:r>
+              <a:rPr lang="en-US" sz="4000" dirty="0">
+                <a:solidFill>
+                  <a:srgbClr val="FF0000"/>
+                </a:solidFill>
+              </a:rPr>
+              <a:t> way</a:t>
+            </a:r>
+          </a:p>
+        </p:txBody>
+      </p:sp>
+    </p:spTree>
+    <p:extLst>
+      <p:ext uri="{BB962C8B-B14F-4D97-AF65-F5344CB8AC3E}">
+        <p14:creationId xmlns:p14="http://schemas.microsoft.com/office/powerpoint/2010/main" val="93002311"/>
       </p:ext>
     </p:extLst>
   </p:cSld>
@@ -3687,1154 +6489,114 @@
           <a:chExt cx="0" cy="0"/>
         </a:xfrm>
       </p:grpSpPr>
-      <p:pic>
-        <p:nvPicPr>
-          <p:cNvPr id="6" name="Picture 5">
-            <a:extLst>
-              <a:ext uri="{FF2B5EF4-FFF2-40B4-BE49-F238E27FC236}">
-                <a16:creationId xmlns:a16="http://schemas.microsoft.com/office/drawing/2014/main" id="{68AC2FEB-5713-45AF-AB96-71E24D546BEC}"/>
-              </a:ext>
-            </a:extLst>
-          </p:cNvPr>
-          <p:cNvPicPr>
-            <a:picLocks noChangeAspect="1"/>
-          </p:cNvPicPr>
-          <p:nvPr/>
-        </p:nvPicPr>
-        <p:blipFill>
-          <a:blip r:embed="rId2">
-            <a:extLst>
-              <a:ext uri="{28A0092B-C50C-407E-A947-70E740481C1C}">
-                <a14:useLocalDpi xmlns:a14="http://schemas.microsoft.com/office/drawing/2010/main" val="0"/>
-              </a:ext>
-            </a:extLst>
-          </a:blip>
-          <a:stretch>
-            <a:fillRect/>
-          </a:stretch>
-        </p:blipFill>
-        <p:spPr>
-          <a:xfrm>
-            <a:off x="0" y="4863"/>
-            <a:ext cx="6858000" cy="6858000"/>
-          </a:xfrm>
-          <a:prstGeom prst="rect">
-            <a:avLst/>
-          </a:prstGeom>
-        </p:spPr>
-      </p:pic>
-      <p:pic>
-        <p:nvPicPr>
-          <p:cNvPr id="7" name="Picture 6">
-            <a:extLst>
-              <a:ext uri="{FF2B5EF4-FFF2-40B4-BE49-F238E27FC236}">
-                <a16:creationId xmlns:a16="http://schemas.microsoft.com/office/drawing/2014/main" id="{28FB7A9D-051E-4F28-9FD4-BEA322BA772E}"/>
-              </a:ext>
-            </a:extLst>
-          </p:cNvPr>
-          <p:cNvPicPr>
-            <a:picLocks noChangeAspect="1"/>
-          </p:cNvPicPr>
-          <p:nvPr/>
-        </p:nvPicPr>
-        <p:blipFill>
-          <a:blip r:embed="rId2">
-            <a:extLst>
-              <a:ext uri="{28A0092B-C50C-407E-A947-70E740481C1C}">
-                <a14:useLocalDpi xmlns:a14="http://schemas.microsoft.com/office/drawing/2010/main" val="0"/>
-              </a:ext>
-            </a:extLst>
-          </a:blip>
-          <a:stretch>
-            <a:fillRect/>
-          </a:stretch>
-        </p:blipFill>
-        <p:spPr>
-          <a:xfrm>
-            <a:off x="5340064" y="2"/>
-            <a:ext cx="6858000" cy="6858000"/>
-          </a:xfrm>
-          <a:prstGeom prst="rect">
-            <a:avLst/>
-          </a:prstGeom>
-        </p:spPr>
-      </p:pic>
-      <p:pic>
-        <p:nvPicPr>
-          <p:cNvPr id="3" name="Picture 2">
-            <a:extLst>
-              <a:ext uri="{FF2B5EF4-FFF2-40B4-BE49-F238E27FC236}">
-                <a16:creationId xmlns:a16="http://schemas.microsoft.com/office/drawing/2014/main" id="{D1B03B54-C072-4A2D-A4BC-BE3C3011CEA0}"/>
-              </a:ext>
-            </a:extLst>
-          </p:cNvPr>
-          <p:cNvPicPr>
-            <a:picLocks noChangeAspect="1"/>
-          </p:cNvPicPr>
-          <p:nvPr/>
-        </p:nvPicPr>
-        <p:blipFill>
-          <a:blip r:embed="rId3">
-            <a:extLst>
-              <a:ext uri="{28A0092B-C50C-407E-A947-70E740481C1C}">
-                <a14:useLocalDpi xmlns:a14="http://schemas.microsoft.com/office/drawing/2010/main" val="0"/>
-              </a:ext>
-            </a:extLst>
-          </a:blip>
-          <a:stretch>
-            <a:fillRect/>
-          </a:stretch>
-        </p:blipFill>
-        <p:spPr>
-          <a:xfrm>
-            <a:off x="2119227" y="1119281"/>
-            <a:ext cx="2622455" cy="4635804"/>
-          </a:xfrm>
-          <a:prstGeom prst="rect">
-            <a:avLst/>
-          </a:prstGeom>
-        </p:spPr>
-      </p:pic>
-      <p:pic>
-        <p:nvPicPr>
-          <p:cNvPr id="30" name="Picture 29">
-            <a:extLst>
-              <a:ext uri="{FF2B5EF4-FFF2-40B4-BE49-F238E27FC236}">
-                <a16:creationId xmlns:a16="http://schemas.microsoft.com/office/drawing/2014/main" id="{578AEB62-4B2C-4A01-B28C-997CDB2734FA}"/>
-              </a:ext>
-            </a:extLst>
-          </p:cNvPr>
-          <p:cNvPicPr>
-            <a:picLocks noChangeAspect="1"/>
-          </p:cNvPicPr>
-          <p:nvPr/>
-        </p:nvPicPr>
-        <p:blipFill>
-          <a:blip r:embed="rId4">
-            <a:extLst>
-              <a:ext uri="{28A0092B-C50C-407E-A947-70E740481C1C}">
-                <a14:useLocalDpi xmlns:a14="http://schemas.microsoft.com/office/drawing/2010/main" val="0"/>
-              </a:ext>
-            </a:extLst>
-          </a:blip>
-          <a:stretch>
-            <a:fillRect/>
-          </a:stretch>
-        </p:blipFill>
-        <p:spPr>
-          <a:xfrm>
-            <a:off x="7462615" y="1109853"/>
-            <a:ext cx="2624065" cy="4649505"/>
-          </a:xfrm>
-          <a:prstGeom prst="rect">
-            <a:avLst/>
-          </a:prstGeom>
-        </p:spPr>
-      </p:pic>
-      <p:pic>
-        <p:nvPicPr>
-          <p:cNvPr id="5" name="Picture 4">
-            <a:extLst>
-              <a:ext uri="{FF2B5EF4-FFF2-40B4-BE49-F238E27FC236}">
-                <a16:creationId xmlns:a16="http://schemas.microsoft.com/office/drawing/2014/main" id="{23334A5C-A46C-4171-86B6-0ED4F3635E67}"/>
-              </a:ext>
-            </a:extLst>
-          </p:cNvPr>
-          <p:cNvPicPr>
-            <a:picLocks noChangeAspect="1"/>
-          </p:cNvPicPr>
-          <p:nvPr/>
-        </p:nvPicPr>
-        <p:blipFill>
-          <a:blip r:embed="rId5">
-            <a:extLst>
-              <a:ext uri="{28A0092B-C50C-407E-A947-70E740481C1C}">
-                <a14:useLocalDpi xmlns:a14="http://schemas.microsoft.com/office/drawing/2010/main" val="0"/>
-              </a:ext>
-            </a:extLst>
-          </a:blip>
-          <a:stretch>
-            <a:fillRect/>
-          </a:stretch>
-        </p:blipFill>
-        <p:spPr>
-          <a:xfrm>
-            <a:off x="2639528" y="2003901"/>
-            <a:ext cx="1239304" cy="186690"/>
-          </a:xfrm>
-          <a:prstGeom prst="rect">
-            <a:avLst/>
-          </a:prstGeom>
-        </p:spPr>
-      </p:pic>
-      <p:pic>
-        <p:nvPicPr>
-          <p:cNvPr id="58" name="Picture 57">
-            <a:extLst>
-              <a:ext uri="{FF2B5EF4-FFF2-40B4-BE49-F238E27FC236}">
-                <a16:creationId xmlns:a16="http://schemas.microsoft.com/office/drawing/2014/main" id="{576FBEEB-D97D-4717-8D55-90BBD6E2FA0B}"/>
-              </a:ext>
-            </a:extLst>
-          </p:cNvPr>
-          <p:cNvPicPr>
-            <a:picLocks noChangeAspect="1"/>
-          </p:cNvPicPr>
-          <p:nvPr/>
-        </p:nvPicPr>
-        <p:blipFill>
-          <a:blip r:embed="rId5">
-            <a:extLst>
-              <a:ext uri="{28A0092B-C50C-407E-A947-70E740481C1C}">
-                <a14:useLocalDpi xmlns:a14="http://schemas.microsoft.com/office/drawing/2010/main" val="0"/>
-              </a:ext>
-            </a:extLst>
-          </a:blip>
-          <a:stretch>
-            <a:fillRect/>
-          </a:stretch>
-        </p:blipFill>
-        <p:spPr>
-          <a:xfrm>
-            <a:off x="7964625" y="1258903"/>
-            <a:ext cx="1451841" cy="254940"/>
-          </a:xfrm>
-          <a:prstGeom prst="rect">
-            <a:avLst/>
-          </a:prstGeom>
-        </p:spPr>
-      </p:pic>
-      <p:pic>
-        <p:nvPicPr>
-          <p:cNvPr id="13" name="Picture 12">
-            <a:extLst>
-              <a:ext uri="{FF2B5EF4-FFF2-40B4-BE49-F238E27FC236}">
-                <a16:creationId xmlns:a16="http://schemas.microsoft.com/office/drawing/2014/main" id="{976CD9E3-8D5D-451E-BC89-DA9B588E66DD}"/>
-              </a:ext>
-            </a:extLst>
-          </p:cNvPr>
-          <p:cNvPicPr>
-            <a:picLocks noChangeAspect="1"/>
-          </p:cNvPicPr>
-          <p:nvPr/>
-        </p:nvPicPr>
-        <p:blipFill>
-          <a:blip r:embed="rId6">
-            <a:extLst>
-              <a:ext uri="{28A0092B-C50C-407E-A947-70E740481C1C}">
-                <a14:useLocalDpi xmlns:a14="http://schemas.microsoft.com/office/drawing/2010/main" val="0"/>
-              </a:ext>
-            </a:extLst>
-          </a:blip>
-          <a:stretch>
-            <a:fillRect/>
-          </a:stretch>
-        </p:blipFill>
-        <p:spPr>
-          <a:xfrm>
-            <a:off x="2806307" y="3417970"/>
-            <a:ext cx="1242060" cy="289560"/>
-          </a:xfrm>
-          <a:prstGeom prst="rect">
-            <a:avLst/>
-          </a:prstGeom>
-        </p:spPr>
-      </p:pic>
-      <p:pic>
-        <p:nvPicPr>
-          <p:cNvPr id="4" name="Picture 3">
-            <a:extLst>
-              <a:ext uri="{FF2B5EF4-FFF2-40B4-BE49-F238E27FC236}">
-                <a16:creationId xmlns:a16="http://schemas.microsoft.com/office/drawing/2014/main" id="{F5AD9C3F-9869-4FD3-BFD1-CD7E59820342}"/>
-              </a:ext>
-            </a:extLst>
-          </p:cNvPr>
-          <p:cNvPicPr>
-            <a:picLocks noChangeAspect="1"/>
-          </p:cNvPicPr>
-          <p:nvPr/>
-        </p:nvPicPr>
-        <p:blipFill>
-          <a:blip r:embed="rId7">
-            <a:extLst>
-              <a:ext uri="{28A0092B-C50C-407E-A947-70E740481C1C}">
-                <a14:useLocalDpi xmlns:a14="http://schemas.microsoft.com/office/drawing/2010/main" val="0"/>
-              </a:ext>
-            </a:extLst>
-          </a:blip>
-          <a:stretch>
-            <a:fillRect/>
-          </a:stretch>
-        </p:blipFill>
-        <p:spPr>
-          <a:xfrm>
-            <a:off x="2519235" y="2480193"/>
-            <a:ext cx="1482352" cy="409108"/>
-          </a:xfrm>
-          <a:prstGeom prst="rect">
-            <a:avLst/>
-          </a:prstGeom>
-        </p:spPr>
-      </p:pic>
-      <p:pic>
-        <p:nvPicPr>
-          <p:cNvPr id="11" name="Picture 10">
-            <a:extLst>
-              <a:ext uri="{FF2B5EF4-FFF2-40B4-BE49-F238E27FC236}">
-                <a16:creationId xmlns:a16="http://schemas.microsoft.com/office/drawing/2014/main" id="{670FD45B-B834-4AB2-AD6B-A4A8AAF017BC}"/>
-              </a:ext>
-            </a:extLst>
-          </p:cNvPr>
-          <p:cNvPicPr>
-            <a:picLocks noChangeAspect="1"/>
-          </p:cNvPicPr>
-          <p:nvPr/>
-        </p:nvPicPr>
-        <p:blipFill>
-          <a:blip r:embed="rId8">
-            <a:extLst>
-              <a:ext uri="{28A0092B-C50C-407E-A947-70E740481C1C}">
-                <a14:useLocalDpi xmlns:a14="http://schemas.microsoft.com/office/drawing/2010/main" val="0"/>
-              </a:ext>
-            </a:extLst>
-          </a:blip>
-          <a:stretch>
-            <a:fillRect/>
-          </a:stretch>
-        </p:blipFill>
-        <p:spPr>
-          <a:xfrm>
-            <a:off x="2217472" y="1233297"/>
-            <a:ext cx="301763" cy="301763"/>
-          </a:xfrm>
-          <a:prstGeom prst="rect">
-            <a:avLst/>
-          </a:prstGeom>
-        </p:spPr>
-      </p:pic>
-      <p:pic>
-        <p:nvPicPr>
-          <p:cNvPr id="21" name="Picture 20">
-            <a:extLst>
-              <a:ext uri="{FF2B5EF4-FFF2-40B4-BE49-F238E27FC236}">
-                <a16:creationId xmlns:a16="http://schemas.microsoft.com/office/drawing/2014/main" id="{4B4B7BD9-D4B6-42EC-8E39-FC97374B3278}"/>
-              </a:ext>
-            </a:extLst>
-          </p:cNvPr>
-          <p:cNvPicPr>
-            <a:picLocks noChangeAspect="1"/>
-          </p:cNvPicPr>
-          <p:nvPr/>
-        </p:nvPicPr>
-        <p:blipFill>
-          <a:blip r:embed="rId8">
-            <a:extLst>
-              <a:ext uri="{28A0092B-C50C-407E-A947-70E740481C1C}">
-                <a14:useLocalDpi xmlns:a14="http://schemas.microsoft.com/office/drawing/2010/main" val="0"/>
-              </a:ext>
-            </a:extLst>
-          </a:blip>
-          <a:stretch>
-            <a:fillRect/>
-          </a:stretch>
-        </p:blipFill>
-        <p:spPr>
-          <a:xfrm>
-            <a:off x="7559814" y="1231788"/>
-            <a:ext cx="301763" cy="301763"/>
-          </a:xfrm>
-          <a:prstGeom prst="rect">
-            <a:avLst/>
-          </a:prstGeom>
-        </p:spPr>
-      </p:pic>
-      <p:pic>
-        <p:nvPicPr>
-          <p:cNvPr id="23" name="Picture 22">
-            <a:extLst>
-              <a:ext uri="{FF2B5EF4-FFF2-40B4-BE49-F238E27FC236}">
-                <a16:creationId xmlns:a16="http://schemas.microsoft.com/office/drawing/2014/main" id="{BD369BD9-A735-49B5-A651-7A6D43C260E9}"/>
-              </a:ext>
-            </a:extLst>
-          </p:cNvPr>
-          <p:cNvPicPr>
-            <a:picLocks noChangeAspect="1"/>
-          </p:cNvPicPr>
-          <p:nvPr/>
-        </p:nvPicPr>
-        <p:blipFill>
-          <a:blip r:embed="rId7">
-            <a:extLst>
-              <a:ext uri="{28A0092B-C50C-407E-A947-70E740481C1C}">
-                <a14:useLocalDpi xmlns:a14="http://schemas.microsoft.com/office/drawing/2010/main" val="0"/>
-              </a:ext>
-            </a:extLst>
-          </a:blip>
-          <a:stretch>
-            <a:fillRect/>
-          </a:stretch>
-        </p:blipFill>
-        <p:spPr>
-          <a:xfrm flipV="1">
-            <a:off x="8173068" y="1910914"/>
-            <a:ext cx="705488" cy="214402"/>
-          </a:xfrm>
-          <a:prstGeom prst="rect">
-            <a:avLst/>
-          </a:prstGeom>
-        </p:spPr>
-      </p:pic>
-      <p:pic>
-        <p:nvPicPr>
-          <p:cNvPr id="14" name="Picture 13">
-            <a:extLst>
-              <a:ext uri="{FF2B5EF4-FFF2-40B4-BE49-F238E27FC236}">
-                <a16:creationId xmlns:a16="http://schemas.microsoft.com/office/drawing/2014/main" id="{FC27F9CD-116D-4A47-9A80-8591BEA99702}"/>
-              </a:ext>
-            </a:extLst>
-          </p:cNvPr>
-          <p:cNvPicPr>
-            <a:picLocks noChangeAspect="1"/>
-          </p:cNvPicPr>
-          <p:nvPr/>
-        </p:nvPicPr>
-        <p:blipFill>
-          <a:blip r:embed="rId9">
-            <a:extLst>
-              <a:ext uri="{28A0092B-C50C-407E-A947-70E740481C1C}">
-                <a14:useLocalDpi xmlns:a14="http://schemas.microsoft.com/office/drawing/2010/main" val="0"/>
-              </a:ext>
-            </a:extLst>
-          </a:blip>
-          <a:stretch>
-            <a:fillRect/>
-          </a:stretch>
-        </p:blipFill>
-        <p:spPr>
-          <a:xfrm flipV="1">
-            <a:off x="2217472" y="5326785"/>
-            <a:ext cx="309480" cy="289559"/>
-          </a:xfrm>
-          <a:prstGeom prst="rect">
-            <a:avLst/>
-          </a:prstGeom>
-        </p:spPr>
-      </p:pic>
-      <p:pic>
-        <p:nvPicPr>
-          <p:cNvPr id="28" name="Picture 27">
-            <a:extLst>
-              <a:ext uri="{FF2B5EF4-FFF2-40B4-BE49-F238E27FC236}">
-                <a16:creationId xmlns:a16="http://schemas.microsoft.com/office/drawing/2014/main" id="{60E8D60E-077B-46DA-9059-2C77F236EAF7}"/>
-              </a:ext>
-            </a:extLst>
-          </p:cNvPr>
-          <p:cNvPicPr>
-            <a:picLocks noChangeAspect="1"/>
-          </p:cNvPicPr>
-          <p:nvPr/>
-        </p:nvPicPr>
-        <p:blipFill>
-          <a:blip r:embed="rId7">
-            <a:extLst>
-              <a:ext uri="{28A0092B-C50C-407E-A947-70E740481C1C}">
-                <a14:useLocalDpi xmlns:a14="http://schemas.microsoft.com/office/drawing/2010/main" val="0"/>
-              </a:ext>
-            </a:extLst>
-          </a:blip>
-          <a:stretch>
-            <a:fillRect/>
-          </a:stretch>
-        </p:blipFill>
-        <p:spPr>
-          <a:xfrm flipV="1">
-            <a:off x="8165210" y="2657204"/>
-            <a:ext cx="705488" cy="214402"/>
-          </a:xfrm>
-          <a:prstGeom prst="rect">
-            <a:avLst/>
-          </a:prstGeom>
-        </p:spPr>
-      </p:pic>
-      <p:pic>
-        <p:nvPicPr>
-          <p:cNvPr id="31" name="Picture 30">
-            <a:extLst>
-              <a:ext uri="{FF2B5EF4-FFF2-40B4-BE49-F238E27FC236}">
-                <a16:creationId xmlns:a16="http://schemas.microsoft.com/office/drawing/2014/main" id="{632B0DE8-C715-4FC9-9C77-87CA67E4DEDD}"/>
-              </a:ext>
-            </a:extLst>
-          </p:cNvPr>
-          <p:cNvPicPr>
-            <a:picLocks noChangeAspect="1"/>
-          </p:cNvPicPr>
-          <p:nvPr/>
-        </p:nvPicPr>
-        <p:blipFill>
-          <a:blip r:embed="rId7">
-            <a:extLst>
-              <a:ext uri="{28A0092B-C50C-407E-A947-70E740481C1C}">
-                <a14:useLocalDpi xmlns:a14="http://schemas.microsoft.com/office/drawing/2010/main" val="0"/>
-              </a:ext>
-            </a:extLst>
-          </a:blip>
-          <a:stretch>
-            <a:fillRect/>
-          </a:stretch>
-        </p:blipFill>
-        <p:spPr>
-          <a:xfrm flipV="1">
-            <a:off x="8176206" y="3403493"/>
-            <a:ext cx="705488" cy="214402"/>
-          </a:xfrm>
-          <a:prstGeom prst="rect">
-            <a:avLst/>
-          </a:prstGeom>
-        </p:spPr>
-      </p:pic>
-      <p:pic>
-        <p:nvPicPr>
-          <p:cNvPr id="32" name="Picture 31">
-            <a:extLst>
-              <a:ext uri="{FF2B5EF4-FFF2-40B4-BE49-F238E27FC236}">
-                <a16:creationId xmlns:a16="http://schemas.microsoft.com/office/drawing/2014/main" id="{CD015312-6835-4269-8117-2FD86E7F163A}"/>
-              </a:ext>
-            </a:extLst>
-          </p:cNvPr>
-          <p:cNvPicPr>
-            <a:picLocks noChangeAspect="1"/>
-          </p:cNvPicPr>
-          <p:nvPr/>
-        </p:nvPicPr>
-        <p:blipFill>
-          <a:blip r:embed="rId7">
-            <a:extLst>
-              <a:ext uri="{28A0092B-C50C-407E-A947-70E740481C1C}">
-                <a14:useLocalDpi xmlns:a14="http://schemas.microsoft.com/office/drawing/2010/main" val="0"/>
-              </a:ext>
-            </a:extLst>
-          </a:blip>
-          <a:stretch>
-            <a:fillRect/>
-          </a:stretch>
-        </p:blipFill>
-        <p:spPr>
-          <a:xfrm flipV="1">
-            <a:off x="8195059" y="4138784"/>
-            <a:ext cx="705488" cy="214402"/>
-          </a:xfrm>
-          <a:prstGeom prst="rect">
-            <a:avLst/>
-          </a:prstGeom>
-        </p:spPr>
-      </p:pic>
-      <p:pic>
-        <p:nvPicPr>
-          <p:cNvPr id="33" name="Picture 32">
-            <a:extLst>
-              <a:ext uri="{FF2B5EF4-FFF2-40B4-BE49-F238E27FC236}">
-                <a16:creationId xmlns:a16="http://schemas.microsoft.com/office/drawing/2014/main" id="{1FAB0461-0A0D-4E34-93CD-76ACD792CAA2}"/>
-              </a:ext>
-            </a:extLst>
-          </p:cNvPr>
-          <p:cNvPicPr>
-            <a:picLocks noChangeAspect="1"/>
-          </p:cNvPicPr>
-          <p:nvPr/>
-        </p:nvPicPr>
-        <p:blipFill>
-          <a:blip r:embed="rId7">
-            <a:extLst>
-              <a:ext uri="{28A0092B-C50C-407E-A947-70E740481C1C}">
-                <a14:useLocalDpi xmlns:a14="http://schemas.microsoft.com/office/drawing/2010/main" val="0"/>
-              </a:ext>
-            </a:extLst>
-          </a:blip>
-          <a:stretch>
-            <a:fillRect/>
-          </a:stretch>
-        </p:blipFill>
-        <p:spPr>
-          <a:xfrm flipV="1">
-            <a:off x="8204486" y="4845795"/>
-            <a:ext cx="705488" cy="214402"/>
-          </a:xfrm>
-          <a:prstGeom prst="rect">
-            <a:avLst/>
-          </a:prstGeom>
-        </p:spPr>
-      </p:pic>
-      <p:pic>
-        <p:nvPicPr>
-          <p:cNvPr id="34" name="Picture 33">
-            <a:extLst>
-              <a:ext uri="{FF2B5EF4-FFF2-40B4-BE49-F238E27FC236}">
-                <a16:creationId xmlns:a16="http://schemas.microsoft.com/office/drawing/2014/main" id="{E711106A-3F82-45D1-9012-A794BA3DA73E}"/>
-              </a:ext>
-            </a:extLst>
-          </p:cNvPr>
-          <p:cNvPicPr>
-            <a:picLocks noChangeAspect="1"/>
-          </p:cNvPicPr>
-          <p:nvPr/>
-        </p:nvPicPr>
-        <p:blipFill rotWithShape="1">
-          <a:blip r:embed="rId7">
-            <a:extLst>
-              <a:ext uri="{28A0092B-C50C-407E-A947-70E740481C1C}">
-                <a14:useLocalDpi xmlns:a14="http://schemas.microsoft.com/office/drawing/2010/main" val="0"/>
-              </a:ext>
-            </a:extLst>
-          </a:blip>
-          <a:srcRect t="35273"/>
-          <a:stretch/>
-        </p:blipFill>
-        <p:spPr>
-          <a:xfrm flipV="1">
-            <a:off x="8204486" y="5571663"/>
-            <a:ext cx="705488" cy="138776"/>
-          </a:xfrm>
-          <a:prstGeom prst="rect">
-            <a:avLst/>
-          </a:prstGeom>
-        </p:spPr>
-      </p:pic>
-      <p:pic>
-        <p:nvPicPr>
-          <p:cNvPr id="36" name="Picture 35">
-            <a:extLst>
-              <a:ext uri="{FF2B5EF4-FFF2-40B4-BE49-F238E27FC236}">
-                <a16:creationId xmlns:a16="http://schemas.microsoft.com/office/drawing/2014/main" id="{0E102773-7EB2-4875-923D-ED3BE8D7683E}"/>
-              </a:ext>
-            </a:extLst>
-          </p:cNvPr>
-          <p:cNvPicPr>
-            <a:picLocks noChangeAspect="1"/>
-          </p:cNvPicPr>
-          <p:nvPr/>
-        </p:nvPicPr>
-        <p:blipFill>
-          <a:blip r:embed="rId10">
-            <a:extLst>
-              <a:ext uri="{28A0092B-C50C-407E-A947-70E740481C1C}">
-                <a14:useLocalDpi xmlns:a14="http://schemas.microsoft.com/office/drawing/2010/main" val="0"/>
-              </a:ext>
-            </a:extLst>
-          </a:blip>
-          <a:stretch>
-            <a:fillRect/>
-          </a:stretch>
-        </p:blipFill>
-        <p:spPr>
-          <a:xfrm>
-            <a:off x="9650733" y="1258903"/>
-            <a:ext cx="230536" cy="230536"/>
-          </a:xfrm>
-          <a:prstGeom prst="rect">
-            <a:avLst/>
-          </a:prstGeom>
-        </p:spPr>
-      </p:pic>
-      <p:pic>
-        <p:nvPicPr>
-          <p:cNvPr id="42" name="Picture 41">
-            <a:extLst>
-              <a:ext uri="{FF2B5EF4-FFF2-40B4-BE49-F238E27FC236}">
-                <a16:creationId xmlns:a16="http://schemas.microsoft.com/office/drawing/2014/main" id="{CF7146E8-15C6-43F5-BE71-D95E0F798D13}"/>
-              </a:ext>
-            </a:extLst>
-          </p:cNvPr>
-          <p:cNvPicPr>
-            <a:picLocks noChangeAspect="1"/>
-          </p:cNvPicPr>
-          <p:nvPr/>
-        </p:nvPicPr>
-        <p:blipFill>
-          <a:blip r:embed="rId11">
-            <a:extLst>
-              <a:ext uri="{28A0092B-C50C-407E-A947-70E740481C1C}">
-                <a14:useLocalDpi xmlns:a14="http://schemas.microsoft.com/office/drawing/2010/main" val="0"/>
-              </a:ext>
-            </a:extLst>
-          </a:blip>
-          <a:stretch>
-            <a:fillRect/>
-          </a:stretch>
-        </p:blipFill>
-        <p:spPr>
-          <a:xfrm>
-            <a:off x="9133738" y="1256192"/>
-            <a:ext cx="230536" cy="230536"/>
-          </a:xfrm>
-          <a:prstGeom prst="rect">
-            <a:avLst/>
-          </a:prstGeom>
-        </p:spPr>
-      </p:pic>
-      <p:sp>
-        <p:nvSpPr>
-          <p:cNvPr id="43" name="TextBox 42">
-            <a:extLst>
-              <a:ext uri="{FF2B5EF4-FFF2-40B4-BE49-F238E27FC236}">
-                <a16:creationId xmlns:a16="http://schemas.microsoft.com/office/drawing/2014/main" id="{6F700060-54AB-4851-8D26-060A2E7E160A}"/>
-              </a:ext>
-            </a:extLst>
-          </p:cNvPr>
-          <p:cNvSpPr txBox="1"/>
-          <p:nvPr/>
-        </p:nvSpPr>
-        <p:spPr>
-          <a:xfrm>
-            <a:off x="8095182" y="1633760"/>
-            <a:ext cx="1215958" cy="338554"/>
-          </a:xfrm>
-          <a:prstGeom prst="rect">
-            <a:avLst/>
-          </a:prstGeom>
-          <a:noFill/>
-        </p:spPr>
-        <p:txBody>
-          <a:bodyPr wrap="square" rtlCol="0">
-            <a:spAutoFit/>
+      <p:sp>
+        <p:nvSpPr>
+          <p:cNvPr id="2" name="Title 1">
+            <a:extLst>
+              <a:ext uri="{FF2B5EF4-FFF2-40B4-BE49-F238E27FC236}">
+                <a16:creationId xmlns:a16="http://schemas.microsoft.com/office/drawing/2014/main" id="{BB620298-F075-431B-9EF3-2D7EDBB9DEC1}"/>
+              </a:ext>
+            </a:extLst>
+          </p:cNvPr>
+          <p:cNvSpPr>
+            <a:spLocks noGrp="1"/>
+          </p:cNvSpPr>
+          <p:nvPr>
+            <p:ph type="title"/>
+          </p:nvPr>
+        </p:nvSpPr>
+        <p:spPr/>
+        <p:txBody>
+          <a:bodyPr/>
+          <a:lstStyle/>
+          <a:p>
+            <a:r>
+              <a:rPr lang="en-US" dirty="0">
+                <a:solidFill>
+                  <a:srgbClr val="FF0000"/>
+                </a:solidFill>
+              </a:rPr>
+              <a:t>Target audience</a:t>
+            </a:r>
+          </a:p>
+        </p:txBody>
+      </p:sp>
+      <p:sp>
+        <p:nvSpPr>
+          <p:cNvPr id="3" name="Content Placeholder 2">
+            <a:extLst>
+              <a:ext uri="{FF2B5EF4-FFF2-40B4-BE49-F238E27FC236}">
+                <a16:creationId xmlns:a16="http://schemas.microsoft.com/office/drawing/2014/main" id="{AAF1B059-62A1-498F-85EE-2CA2A43AD9D7}"/>
+              </a:ext>
+            </a:extLst>
+          </p:cNvPr>
+          <p:cNvSpPr>
+            <a:spLocks noGrp="1"/>
+          </p:cNvSpPr>
+          <p:nvPr>
+            <p:ph idx="1"/>
+          </p:nvPr>
+        </p:nvSpPr>
+        <p:spPr>
+          <a:xfrm>
+            <a:off x="2772659" y="2475690"/>
+            <a:ext cx="6646682" cy="2151718"/>
+          </a:xfrm>
+        </p:spPr>
+        <p:txBody>
+          <a:bodyPr>
+            <a:noAutofit/>
           </a:bodyPr>
           <a:lstStyle/>
           <a:p>
-            <a:r>
-              <a:rPr lang="en-US" sz="800" dirty="0"/>
-              <a:t>Race against the machine</a:t>
-            </a:r>
-          </a:p>
-        </p:txBody>
-      </p:sp>
-      <p:sp>
-        <p:nvSpPr>
-          <p:cNvPr id="44" name="TextBox 43">
-            <a:extLst>
-              <a:ext uri="{FF2B5EF4-FFF2-40B4-BE49-F238E27FC236}">
-                <a16:creationId xmlns:a16="http://schemas.microsoft.com/office/drawing/2014/main" id="{30ABD10F-B661-4A70-8F69-A41D0596A049}"/>
-              </a:ext>
-            </a:extLst>
-          </p:cNvPr>
-          <p:cNvSpPr txBox="1"/>
-          <p:nvPr/>
-        </p:nvSpPr>
-        <p:spPr>
-          <a:xfrm>
-            <a:off x="8096752" y="2398905"/>
-            <a:ext cx="1215958" cy="338554"/>
-          </a:xfrm>
-          <a:prstGeom prst="rect">
-            <a:avLst/>
-          </a:prstGeom>
-          <a:noFill/>
-        </p:spPr>
-        <p:txBody>
-          <a:bodyPr wrap="square" rtlCol="0">
-            <a:spAutoFit/>
-          </a:bodyPr>
-          <a:lstStyle/>
-          <a:p>
-            <a:r>
-              <a:rPr lang="en-US" sz="800" dirty="0"/>
-              <a:t>Race against the machine</a:t>
-            </a:r>
-          </a:p>
-        </p:txBody>
-      </p:sp>
-      <p:sp>
-        <p:nvSpPr>
-          <p:cNvPr id="45" name="TextBox 44">
-            <a:extLst>
-              <a:ext uri="{FF2B5EF4-FFF2-40B4-BE49-F238E27FC236}">
-                <a16:creationId xmlns:a16="http://schemas.microsoft.com/office/drawing/2014/main" id="{0730859A-B8B1-475C-8E78-4E8893EFE93C}"/>
-              </a:ext>
-            </a:extLst>
-          </p:cNvPr>
-          <p:cNvSpPr txBox="1"/>
-          <p:nvPr/>
-        </p:nvSpPr>
-        <p:spPr>
-          <a:xfrm>
-            <a:off x="8096752" y="3134192"/>
-            <a:ext cx="1215958" cy="338554"/>
-          </a:xfrm>
-          <a:prstGeom prst="rect">
-            <a:avLst/>
-          </a:prstGeom>
-          <a:noFill/>
-        </p:spPr>
-        <p:txBody>
-          <a:bodyPr wrap="square" rtlCol="0">
-            <a:spAutoFit/>
-          </a:bodyPr>
-          <a:lstStyle/>
-          <a:p>
-            <a:r>
-              <a:rPr lang="en-US" sz="800" dirty="0"/>
-              <a:t>Race against the machine</a:t>
-            </a:r>
-          </a:p>
-        </p:txBody>
-      </p:sp>
-      <p:sp>
-        <p:nvSpPr>
-          <p:cNvPr id="46" name="TextBox 45">
-            <a:extLst>
-              <a:ext uri="{FF2B5EF4-FFF2-40B4-BE49-F238E27FC236}">
-                <a16:creationId xmlns:a16="http://schemas.microsoft.com/office/drawing/2014/main" id="{EE8D62B8-CDF8-46DF-B49D-5EDAA4EB059B}"/>
-              </a:ext>
-            </a:extLst>
-          </p:cNvPr>
-          <p:cNvSpPr txBox="1"/>
-          <p:nvPr/>
-        </p:nvSpPr>
-        <p:spPr>
-          <a:xfrm>
-            <a:off x="8106180" y="3878909"/>
-            <a:ext cx="1215958" cy="338554"/>
-          </a:xfrm>
-          <a:prstGeom prst="rect">
-            <a:avLst/>
-          </a:prstGeom>
-          <a:noFill/>
-        </p:spPr>
-        <p:txBody>
-          <a:bodyPr wrap="square" rtlCol="0">
-            <a:spAutoFit/>
-          </a:bodyPr>
-          <a:lstStyle/>
-          <a:p>
-            <a:r>
-              <a:rPr lang="en-US" sz="800" dirty="0"/>
-              <a:t>Race against the machine</a:t>
-            </a:r>
-          </a:p>
-        </p:txBody>
-      </p:sp>
-      <p:sp>
-        <p:nvSpPr>
-          <p:cNvPr id="47" name="TextBox 46">
-            <a:extLst>
-              <a:ext uri="{FF2B5EF4-FFF2-40B4-BE49-F238E27FC236}">
-                <a16:creationId xmlns:a16="http://schemas.microsoft.com/office/drawing/2014/main" id="{087C87E0-5C10-4D43-92F4-EA71325D824A}"/>
-              </a:ext>
-            </a:extLst>
-          </p:cNvPr>
-          <p:cNvSpPr txBox="1"/>
-          <p:nvPr/>
-        </p:nvSpPr>
-        <p:spPr>
-          <a:xfrm>
-            <a:off x="8125031" y="4576494"/>
-            <a:ext cx="1215958" cy="338554"/>
-          </a:xfrm>
-          <a:prstGeom prst="rect">
-            <a:avLst/>
-          </a:prstGeom>
-          <a:noFill/>
-        </p:spPr>
-        <p:txBody>
-          <a:bodyPr wrap="square" rtlCol="0">
-            <a:spAutoFit/>
-          </a:bodyPr>
-          <a:lstStyle/>
-          <a:p>
-            <a:r>
-              <a:rPr lang="en-US" sz="800" dirty="0"/>
-              <a:t>Race against the machine</a:t>
-            </a:r>
-          </a:p>
-        </p:txBody>
-      </p:sp>
-      <p:sp>
-        <p:nvSpPr>
-          <p:cNvPr id="48" name="TextBox 47">
-            <a:extLst>
-              <a:ext uri="{FF2B5EF4-FFF2-40B4-BE49-F238E27FC236}">
-                <a16:creationId xmlns:a16="http://schemas.microsoft.com/office/drawing/2014/main" id="{F4D7B6C2-B581-4310-AECD-01DC1997C98A}"/>
-              </a:ext>
-            </a:extLst>
-          </p:cNvPr>
-          <p:cNvSpPr txBox="1"/>
-          <p:nvPr/>
-        </p:nvSpPr>
-        <p:spPr>
-          <a:xfrm>
-            <a:off x="8134458" y="5302361"/>
-            <a:ext cx="1215958" cy="338554"/>
-          </a:xfrm>
-          <a:prstGeom prst="rect">
-            <a:avLst/>
-          </a:prstGeom>
-          <a:noFill/>
-        </p:spPr>
-        <p:txBody>
-          <a:bodyPr wrap="square" rtlCol="0">
-            <a:spAutoFit/>
-          </a:bodyPr>
-          <a:lstStyle/>
-          <a:p>
-            <a:r>
-              <a:rPr lang="en-US" sz="800" dirty="0"/>
-              <a:t>Race against the machine</a:t>
-            </a:r>
-          </a:p>
-        </p:txBody>
-      </p:sp>
-      <p:pic>
-        <p:nvPicPr>
-          <p:cNvPr id="50" name="Picture 49">
-            <a:extLst>
-              <a:ext uri="{FF2B5EF4-FFF2-40B4-BE49-F238E27FC236}">
-                <a16:creationId xmlns:a16="http://schemas.microsoft.com/office/drawing/2014/main" id="{FBE0AE77-34CC-4E39-886E-B73CC71EA3C0}"/>
-              </a:ext>
-            </a:extLst>
-          </p:cNvPr>
-          <p:cNvPicPr>
-            <a:picLocks noChangeAspect="1"/>
-          </p:cNvPicPr>
-          <p:nvPr/>
-        </p:nvPicPr>
-        <p:blipFill>
-          <a:blip r:embed="rId12">
-            <a:extLst>
-              <a:ext uri="{28A0092B-C50C-407E-A947-70E740481C1C}">
-                <a14:useLocalDpi xmlns:a14="http://schemas.microsoft.com/office/drawing/2010/main" val="0"/>
-              </a:ext>
-            </a:extLst>
-          </a:blip>
-          <a:stretch>
-            <a:fillRect/>
-          </a:stretch>
-        </p:blipFill>
-        <p:spPr>
-          <a:xfrm>
-            <a:off x="9851281" y="1830451"/>
-            <a:ext cx="146718" cy="146718"/>
-          </a:xfrm>
-          <a:prstGeom prst="rect">
-            <a:avLst/>
-          </a:prstGeom>
-        </p:spPr>
-      </p:pic>
-      <p:pic>
-        <p:nvPicPr>
-          <p:cNvPr id="52" name="Picture 51">
-            <a:extLst>
-              <a:ext uri="{FF2B5EF4-FFF2-40B4-BE49-F238E27FC236}">
-                <a16:creationId xmlns:a16="http://schemas.microsoft.com/office/drawing/2014/main" id="{3AB30670-A191-4302-9D9B-73A44339E53A}"/>
-              </a:ext>
-            </a:extLst>
-          </p:cNvPr>
-          <p:cNvPicPr>
-            <a:picLocks noChangeAspect="1"/>
-          </p:cNvPicPr>
-          <p:nvPr/>
-        </p:nvPicPr>
-        <p:blipFill>
-          <a:blip r:embed="rId12">
-            <a:extLst>
-              <a:ext uri="{28A0092B-C50C-407E-A947-70E740481C1C}">
-                <a14:useLocalDpi xmlns:a14="http://schemas.microsoft.com/office/drawing/2010/main" val="0"/>
-              </a:ext>
-            </a:extLst>
-          </a:blip>
-          <a:stretch>
-            <a:fillRect/>
-          </a:stretch>
-        </p:blipFill>
-        <p:spPr>
-          <a:xfrm>
-            <a:off x="9852852" y="2595594"/>
-            <a:ext cx="146718" cy="146718"/>
-          </a:xfrm>
-          <a:prstGeom prst="rect">
-            <a:avLst/>
-          </a:prstGeom>
-        </p:spPr>
-      </p:pic>
-      <p:pic>
-        <p:nvPicPr>
-          <p:cNvPr id="53" name="Picture 52">
-            <a:extLst>
-              <a:ext uri="{FF2B5EF4-FFF2-40B4-BE49-F238E27FC236}">
-                <a16:creationId xmlns:a16="http://schemas.microsoft.com/office/drawing/2014/main" id="{B3049BC1-7445-4963-9E2B-4F768BCAC7A1}"/>
-              </a:ext>
-            </a:extLst>
-          </p:cNvPr>
-          <p:cNvPicPr>
-            <a:picLocks noChangeAspect="1"/>
-          </p:cNvPicPr>
-          <p:nvPr/>
-        </p:nvPicPr>
-        <p:blipFill>
-          <a:blip r:embed="rId12">
-            <a:extLst>
-              <a:ext uri="{28A0092B-C50C-407E-A947-70E740481C1C}">
-                <a14:useLocalDpi xmlns:a14="http://schemas.microsoft.com/office/drawing/2010/main" val="0"/>
-              </a:ext>
-            </a:extLst>
-          </a:blip>
-          <a:stretch>
-            <a:fillRect/>
-          </a:stretch>
-        </p:blipFill>
-        <p:spPr>
-          <a:xfrm>
-            <a:off x="9852851" y="3340309"/>
-            <a:ext cx="146718" cy="146718"/>
-          </a:xfrm>
-          <a:prstGeom prst="rect">
-            <a:avLst/>
-          </a:prstGeom>
-        </p:spPr>
-      </p:pic>
-      <p:pic>
-        <p:nvPicPr>
-          <p:cNvPr id="55" name="Picture 54">
-            <a:extLst>
-              <a:ext uri="{FF2B5EF4-FFF2-40B4-BE49-F238E27FC236}">
-                <a16:creationId xmlns:a16="http://schemas.microsoft.com/office/drawing/2014/main" id="{5F37D0F0-E9D5-4765-B7D1-8ED551E42F11}"/>
-              </a:ext>
-            </a:extLst>
-          </p:cNvPr>
-          <p:cNvPicPr>
-            <a:picLocks noChangeAspect="1"/>
-          </p:cNvPicPr>
-          <p:nvPr/>
-        </p:nvPicPr>
-        <p:blipFill>
-          <a:blip r:embed="rId12">
-            <a:extLst>
-              <a:ext uri="{28A0092B-C50C-407E-A947-70E740481C1C}">
-                <a14:useLocalDpi xmlns:a14="http://schemas.microsoft.com/office/drawing/2010/main" val="0"/>
-              </a:ext>
-            </a:extLst>
-          </a:blip>
-          <a:stretch>
-            <a:fillRect/>
-          </a:stretch>
-        </p:blipFill>
-        <p:spPr>
-          <a:xfrm>
-            <a:off x="9851281" y="4066171"/>
-            <a:ext cx="146718" cy="146718"/>
-          </a:xfrm>
-          <a:prstGeom prst="rect">
-            <a:avLst/>
-          </a:prstGeom>
-        </p:spPr>
-      </p:pic>
-      <p:pic>
-        <p:nvPicPr>
-          <p:cNvPr id="56" name="Picture 55">
-            <a:extLst>
-              <a:ext uri="{FF2B5EF4-FFF2-40B4-BE49-F238E27FC236}">
-                <a16:creationId xmlns:a16="http://schemas.microsoft.com/office/drawing/2014/main" id="{24003134-914F-4CE8-AA00-8AD728991051}"/>
-              </a:ext>
-            </a:extLst>
-          </p:cNvPr>
-          <p:cNvPicPr>
-            <a:picLocks noChangeAspect="1"/>
-          </p:cNvPicPr>
-          <p:nvPr/>
-        </p:nvPicPr>
-        <p:blipFill>
-          <a:blip r:embed="rId12">
-            <a:extLst>
-              <a:ext uri="{28A0092B-C50C-407E-A947-70E740481C1C}">
-                <a14:useLocalDpi xmlns:a14="http://schemas.microsoft.com/office/drawing/2010/main" val="0"/>
-              </a:ext>
-            </a:extLst>
-          </a:blip>
-          <a:stretch>
-            <a:fillRect/>
-          </a:stretch>
-        </p:blipFill>
-        <p:spPr>
-          <a:xfrm>
-            <a:off x="9852851" y="4792034"/>
-            <a:ext cx="146718" cy="146718"/>
-          </a:xfrm>
-          <a:prstGeom prst="rect">
-            <a:avLst/>
-          </a:prstGeom>
-        </p:spPr>
-      </p:pic>
-      <p:pic>
-        <p:nvPicPr>
-          <p:cNvPr id="57" name="Picture 56">
-            <a:extLst>
-              <a:ext uri="{FF2B5EF4-FFF2-40B4-BE49-F238E27FC236}">
-                <a16:creationId xmlns:a16="http://schemas.microsoft.com/office/drawing/2014/main" id="{0B4097FB-9140-44F0-A000-095C8E5837A8}"/>
-              </a:ext>
-            </a:extLst>
-          </p:cNvPr>
-          <p:cNvPicPr>
-            <a:picLocks noChangeAspect="1"/>
-          </p:cNvPicPr>
-          <p:nvPr/>
-        </p:nvPicPr>
-        <p:blipFill>
-          <a:blip r:embed="rId12">
-            <a:extLst>
-              <a:ext uri="{28A0092B-C50C-407E-A947-70E740481C1C}">
-                <a14:useLocalDpi xmlns:a14="http://schemas.microsoft.com/office/drawing/2010/main" val="0"/>
-              </a:ext>
-            </a:extLst>
-          </a:blip>
-          <a:stretch>
-            <a:fillRect/>
-          </a:stretch>
-        </p:blipFill>
-        <p:spPr>
-          <a:xfrm>
-            <a:off x="9864329" y="5498304"/>
-            <a:ext cx="146718" cy="146718"/>
-          </a:xfrm>
-          <a:prstGeom prst="rect">
-            <a:avLst/>
-          </a:prstGeom>
-        </p:spPr>
-      </p:pic>
-      <p:pic>
-        <p:nvPicPr>
-          <p:cNvPr id="60" name="Picture 59">
-            <a:extLst>
-              <a:ext uri="{FF2B5EF4-FFF2-40B4-BE49-F238E27FC236}">
-                <a16:creationId xmlns:a16="http://schemas.microsoft.com/office/drawing/2014/main" id="{6BC289AD-6A22-4FB6-ADD6-21A7B01049BB}"/>
-              </a:ext>
-            </a:extLst>
-          </p:cNvPr>
-          <p:cNvPicPr>
-            <a:picLocks noChangeAspect="1"/>
-          </p:cNvPicPr>
-          <p:nvPr/>
-        </p:nvPicPr>
-        <p:blipFill rotWithShape="1">
-          <a:blip r:embed="rId13">
-            <a:extLst>
-              <a:ext uri="{28A0092B-C50C-407E-A947-70E740481C1C}">
-                <a14:useLocalDpi xmlns:a14="http://schemas.microsoft.com/office/drawing/2010/main" val="0"/>
-              </a:ext>
-            </a:extLst>
-          </a:blip>
-          <a:srcRect r="12843" b="32603"/>
-          <a:stretch/>
-        </p:blipFill>
-        <p:spPr>
-          <a:xfrm>
-            <a:off x="8009800" y="1305195"/>
-            <a:ext cx="949715" cy="169476"/>
-          </a:xfrm>
-          <a:prstGeom prst="rect">
-            <a:avLst/>
-          </a:prstGeom>
-        </p:spPr>
-      </p:pic>
+            <a:pPr marL="0" indent="0" algn="ctr">
+              <a:buNone/>
+            </a:pPr>
+            <a:r>
+              <a:rPr lang="en-US" sz="4000" dirty="0">
+                <a:solidFill>
+                  <a:srgbClr val="FF0000"/>
+                </a:solidFill>
+              </a:rPr>
+              <a:t>Taggy should be appealing for everyone who is a frequent </a:t>
+            </a:r>
+            <a:r>
+              <a:rPr lang="en-US" sz="4000" dirty="0">
+                <a:solidFill>
+                  <a:schemeClr val="accent4">
+                    <a:lumMod val="60000"/>
+                    <a:lumOff val="40000"/>
+                  </a:schemeClr>
+                </a:solidFill>
+              </a:rPr>
+              <a:t>smartphone user </a:t>
+            </a:r>
+            <a:r>
+              <a:rPr lang="en-US" sz="4000" dirty="0">
+                <a:solidFill>
+                  <a:srgbClr val="FF0000"/>
+                </a:solidFill>
+              </a:rPr>
+              <a:t>in the age group </a:t>
+            </a:r>
+            <a:r>
+              <a:rPr lang="en-US" sz="4000" dirty="0">
+                <a:solidFill>
+                  <a:schemeClr val="accent4">
+                    <a:lumMod val="60000"/>
+                    <a:lumOff val="40000"/>
+                  </a:schemeClr>
+                </a:solidFill>
+              </a:rPr>
+              <a:t>between 12-35</a:t>
+            </a:r>
+          </a:p>
+        </p:txBody>
+      </p:sp>
     </p:spTree>
     <p:extLst>
       <p:ext uri="{BB962C8B-B14F-4D97-AF65-F5344CB8AC3E}">
-        <p14:creationId xmlns:p14="http://schemas.microsoft.com/office/powerpoint/2010/main" val="2177330013"/>
+        <p14:creationId xmlns:p14="http://schemas.microsoft.com/office/powerpoint/2010/main" val="2736293171"/>
       </p:ext>
     </p:extLst>
   </p:cSld>
@@ -4863,17 +6625,19 @@
       </p:grpSpPr>
       <p:pic>
         <p:nvPicPr>
-          <p:cNvPr id="6" name="Picture 5">
-            <a:extLst>
-              <a:ext uri="{FF2B5EF4-FFF2-40B4-BE49-F238E27FC236}">
-                <a16:creationId xmlns:a16="http://schemas.microsoft.com/office/drawing/2014/main" id="{68AC2FEB-5713-45AF-AB96-71E24D546BEC}"/>
+          <p:cNvPr id="7" name="Content Placeholder 6">
+            <a:extLst>
+              <a:ext uri="{FF2B5EF4-FFF2-40B4-BE49-F238E27FC236}">
+                <a16:creationId xmlns:a16="http://schemas.microsoft.com/office/drawing/2014/main" id="{9A349507-8859-4EC8-832C-1AEC837A5A33}"/>
               </a:ext>
             </a:extLst>
           </p:cNvPr>
           <p:cNvPicPr>
-            <a:picLocks noChangeAspect="1"/>
+            <a:picLocks noGrp="1" noChangeAspect="1"/>
           </p:cNvPicPr>
-          <p:nvPr/>
+          <p:nvPr>
+            <p:ph idx="1"/>
+          </p:nvPr>
         </p:nvPicPr>
         <p:blipFill>
           <a:blip r:embed="rId2">
@@ -4889,20 +6653,17 @@
         </p:blipFill>
         <p:spPr>
           <a:xfrm>
-            <a:off x="0" y="4863"/>
-            <a:ext cx="6858000" cy="6858000"/>
-          </a:xfrm>
-          <a:prstGeom prst="rect">
-            <a:avLst/>
-          </a:prstGeom>
+            <a:off x="2028825" y="580231"/>
+            <a:ext cx="8134350" cy="895350"/>
+          </a:xfrm>
         </p:spPr>
       </p:pic>
       <p:pic>
         <p:nvPicPr>
-          <p:cNvPr id="7" name="Picture 6">
-            <a:extLst>
-              <a:ext uri="{FF2B5EF4-FFF2-40B4-BE49-F238E27FC236}">
-                <a16:creationId xmlns:a16="http://schemas.microsoft.com/office/drawing/2014/main" id="{28FB7A9D-051E-4F28-9FD4-BEA322BA772E}"/>
+          <p:cNvPr id="9" name="Picture 8">
+            <a:extLst>
+              <a:ext uri="{FF2B5EF4-FFF2-40B4-BE49-F238E27FC236}">
+                <a16:creationId xmlns:a16="http://schemas.microsoft.com/office/drawing/2014/main" id="{CA7FEF19-1CFA-4F07-B9FF-AAE191B20DBF}"/>
               </a:ext>
             </a:extLst>
           </p:cNvPr>
@@ -4911,22 +6672,21 @@
           </p:cNvPicPr>
           <p:nvPr/>
         </p:nvPicPr>
-        <p:blipFill>
-          <a:blip r:embed="rId2">
+        <p:blipFill rotWithShape="1">
+          <a:blip r:embed="rId3">
             <a:extLst>
               <a:ext uri="{28A0092B-C50C-407E-A947-70E740481C1C}">
                 <a14:useLocalDpi xmlns:a14="http://schemas.microsoft.com/office/drawing/2010/main" val="0"/>
               </a:ext>
             </a:extLst>
           </a:blip>
-          <a:stretch>
-            <a:fillRect/>
-          </a:stretch>
+          <a:srcRect b="12165"/>
+          <a:stretch/>
         </p:blipFill>
         <p:spPr>
           <a:xfrm>
-            <a:off x="5340064" y="2"/>
-            <a:ext cx="6858000" cy="6858000"/>
+            <a:off x="1375526" y="2477534"/>
+            <a:ext cx="2534633" cy="2226296"/>
           </a:xfrm>
           <a:prstGeom prst="rect">
             <a:avLst/>
@@ -4935,10 +6695,10 @@
       </p:pic>
       <p:pic>
         <p:nvPicPr>
-          <p:cNvPr id="3" name="Picture 2">
-            <a:extLst>
-              <a:ext uri="{FF2B5EF4-FFF2-40B4-BE49-F238E27FC236}">
-                <a16:creationId xmlns:a16="http://schemas.microsoft.com/office/drawing/2014/main" id="{D1B03B54-C072-4A2D-A4BC-BE3C3011CEA0}"/>
+          <p:cNvPr id="11" name="Picture 10">
+            <a:extLst>
+              <a:ext uri="{FF2B5EF4-FFF2-40B4-BE49-F238E27FC236}">
+                <a16:creationId xmlns:a16="http://schemas.microsoft.com/office/drawing/2014/main" id="{F481A16C-A800-4D9F-98D4-9F2495520728}"/>
               </a:ext>
             </a:extLst>
           </p:cNvPr>
@@ -4947,22 +6707,21 @@
           </p:cNvPicPr>
           <p:nvPr/>
         </p:nvPicPr>
-        <p:blipFill>
-          <a:blip r:embed="rId3">
+        <p:blipFill rotWithShape="1">
+          <a:blip r:embed="rId4">
             <a:extLst>
               <a:ext uri="{28A0092B-C50C-407E-A947-70E740481C1C}">
                 <a14:useLocalDpi xmlns:a14="http://schemas.microsoft.com/office/drawing/2010/main" val="0"/>
               </a:ext>
             </a:extLst>
           </a:blip>
-          <a:stretch>
-            <a:fillRect/>
-          </a:stretch>
+          <a:srcRect b="20688"/>
+          <a:stretch/>
         </p:blipFill>
         <p:spPr>
           <a:xfrm>
-            <a:off x="7455651" y="1119281"/>
-            <a:ext cx="2626095" cy="4642238"/>
+            <a:off x="4828684" y="2668081"/>
+            <a:ext cx="2534632" cy="2010286"/>
           </a:xfrm>
           <a:prstGeom prst="rect">
             <a:avLst/>
@@ -4971,10 +6730,10 @@
       </p:pic>
       <p:pic>
         <p:nvPicPr>
-          <p:cNvPr id="8" name="Picture 7">
-            <a:extLst>
-              <a:ext uri="{FF2B5EF4-FFF2-40B4-BE49-F238E27FC236}">
-                <a16:creationId xmlns:a16="http://schemas.microsoft.com/office/drawing/2014/main" id="{BF13E403-0096-43B2-B1CF-47C651B91E0F}"/>
+          <p:cNvPr id="13" name="Picture 12">
+            <a:extLst>
+              <a:ext uri="{FF2B5EF4-FFF2-40B4-BE49-F238E27FC236}">
+                <a16:creationId xmlns:a16="http://schemas.microsoft.com/office/drawing/2014/main" id="{134C6599-23D0-44BD-8596-4F3F934B5664}"/>
               </a:ext>
             </a:extLst>
           </p:cNvPr>
@@ -4983,22 +6742,21 @@
           </p:cNvPicPr>
           <p:nvPr/>
         </p:nvPicPr>
-        <p:blipFill>
-          <a:blip r:embed="rId3">
+        <p:blipFill rotWithShape="1">
+          <a:blip r:embed="rId5">
             <a:extLst>
               <a:ext uri="{28A0092B-C50C-407E-A947-70E740481C1C}">
                 <a14:useLocalDpi xmlns:a14="http://schemas.microsoft.com/office/drawing/2010/main" val="0"/>
               </a:ext>
             </a:extLst>
           </a:blip>
-          <a:stretch>
-            <a:fillRect/>
-          </a:stretch>
+          <a:srcRect b="14502"/>
+          <a:stretch/>
         </p:blipFill>
         <p:spPr>
           <a:xfrm>
-            <a:off x="2127046" y="1128708"/>
-            <a:ext cx="2614636" cy="4621981"/>
+            <a:off x="8281841" y="2654147"/>
+            <a:ext cx="2351259" cy="2010286"/>
           </a:xfrm>
           <a:prstGeom prst="rect">
             <a:avLst/>
@@ -5007,10 +6765,10 @@
       </p:pic>
       <p:sp>
         <p:nvSpPr>
-          <p:cNvPr id="10" name="TextBox 9">
-            <a:extLst>
-              <a:ext uri="{FF2B5EF4-FFF2-40B4-BE49-F238E27FC236}">
-                <a16:creationId xmlns:a16="http://schemas.microsoft.com/office/drawing/2014/main" id="{73BF42E5-30E3-438C-8152-A915603A9AE3}"/>
+          <p:cNvPr id="14" name="TextBox 13">
+            <a:extLst>
+              <a:ext uri="{FF2B5EF4-FFF2-40B4-BE49-F238E27FC236}">
+                <a16:creationId xmlns:a16="http://schemas.microsoft.com/office/drawing/2014/main" id="{C89D576C-E9EB-4591-9460-FB46C68D1AB6}"/>
               </a:ext>
             </a:extLst>
           </p:cNvPr>
@@ -5019,8 +6777,8 @@
         </p:nvSpPr>
         <p:spPr>
           <a:xfrm>
-            <a:off x="2563887" y="1881031"/>
-            <a:ext cx="1215958" cy="430887"/>
+            <a:off x="2407312" y="4920792"/>
+            <a:ext cx="712960" cy="369332"/>
           </a:xfrm>
           <a:prstGeom prst="rect">
             <a:avLst/>
@@ -5034,414 +6792,22 @@
           <a:lstStyle/>
           <a:p>
             <a:r>
-              <a:rPr lang="en-US" sz="1100" dirty="0"/>
-              <a:t>Race against the machine</a:t>
-            </a:r>
-          </a:p>
-        </p:txBody>
-      </p:sp>
-      <p:pic>
-        <p:nvPicPr>
-          <p:cNvPr id="18" name="Picture 17">
-            <a:extLst>
-              <a:ext uri="{FF2B5EF4-FFF2-40B4-BE49-F238E27FC236}">
-                <a16:creationId xmlns:a16="http://schemas.microsoft.com/office/drawing/2014/main" id="{D3B0D36A-F93F-4243-9E30-291803DDD30B}"/>
-              </a:ext>
-            </a:extLst>
-          </p:cNvPr>
-          <p:cNvPicPr>
-            <a:picLocks noChangeAspect="1"/>
-          </p:cNvPicPr>
-          <p:nvPr/>
-        </p:nvPicPr>
-        <p:blipFill>
-          <a:blip r:embed="rId4">
-            <a:extLst>
-              <a:ext uri="{28A0092B-C50C-407E-A947-70E740481C1C}">
-                <a14:useLocalDpi xmlns:a14="http://schemas.microsoft.com/office/drawing/2010/main" val="0"/>
-              </a:ext>
-            </a:extLst>
-          </a:blip>
-          <a:stretch>
-            <a:fillRect/>
-          </a:stretch>
-        </p:blipFill>
-        <p:spPr>
-          <a:xfrm>
-            <a:off x="2799790" y="5082945"/>
-            <a:ext cx="1287780" cy="388620"/>
-          </a:xfrm>
-          <a:prstGeom prst="rect">
-            <a:avLst/>
-          </a:prstGeom>
-        </p:spPr>
-      </p:pic>
-      <p:pic>
-        <p:nvPicPr>
-          <p:cNvPr id="20" name="Picture 19">
-            <a:extLst>
-              <a:ext uri="{FF2B5EF4-FFF2-40B4-BE49-F238E27FC236}">
-                <a16:creationId xmlns:a16="http://schemas.microsoft.com/office/drawing/2014/main" id="{A0B46EDF-0C96-43C7-A75E-D3F5508AB759}"/>
-              </a:ext>
-            </a:extLst>
-          </p:cNvPr>
-          <p:cNvPicPr>
-            <a:picLocks noChangeAspect="1"/>
-          </p:cNvPicPr>
-          <p:nvPr/>
-        </p:nvPicPr>
-        <p:blipFill>
-          <a:blip r:embed="rId5">
-            <a:extLst>
-              <a:ext uri="{28A0092B-C50C-407E-A947-70E740481C1C}">
-                <a14:useLocalDpi xmlns:a14="http://schemas.microsoft.com/office/drawing/2010/main" val="0"/>
-              </a:ext>
-            </a:extLst>
-          </a:blip>
-          <a:stretch>
-            <a:fillRect/>
-          </a:stretch>
-        </p:blipFill>
-        <p:spPr>
-          <a:xfrm>
-            <a:off x="3716320" y="3252926"/>
-            <a:ext cx="643283" cy="645846"/>
-          </a:xfrm>
-          <a:prstGeom prst="rect">
-            <a:avLst/>
-          </a:prstGeom>
-        </p:spPr>
-      </p:pic>
-      <p:pic>
-        <p:nvPicPr>
-          <p:cNvPr id="22" name="Picture 21">
-            <a:extLst>
-              <a:ext uri="{FF2B5EF4-FFF2-40B4-BE49-F238E27FC236}">
-                <a16:creationId xmlns:a16="http://schemas.microsoft.com/office/drawing/2014/main" id="{B272FC36-FB9F-494C-8943-8390B04287F7}"/>
-              </a:ext>
-            </a:extLst>
-          </p:cNvPr>
-          <p:cNvPicPr>
-            <a:picLocks noChangeAspect="1"/>
-          </p:cNvPicPr>
-          <p:nvPr/>
-        </p:nvPicPr>
-        <p:blipFill>
-          <a:blip r:embed="rId6">
-            <a:extLst>
-              <a:ext uri="{28A0092B-C50C-407E-A947-70E740481C1C}">
-                <a14:useLocalDpi xmlns:a14="http://schemas.microsoft.com/office/drawing/2010/main" val="0"/>
-              </a:ext>
-            </a:extLst>
-          </a:blip>
-          <a:stretch>
-            <a:fillRect/>
-          </a:stretch>
-        </p:blipFill>
-        <p:spPr>
-          <a:xfrm>
-            <a:off x="2582741" y="4205569"/>
-            <a:ext cx="643283" cy="643283"/>
-          </a:xfrm>
-          <a:prstGeom prst="rect">
-            <a:avLst/>
-          </a:prstGeom>
-        </p:spPr>
-      </p:pic>
-      <p:pic>
-        <p:nvPicPr>
-          <p:cNvPr id="24" name="Picture 23">
-            <a:extLst>
-              <a:ext uri="{FF2B5EF4-FFF2-40B4-BE49-F238E27FC236}">
-                <a16:creationId xmlns:a16="http://schemas.microsoft.com/office/drawing/2014/main" id="{57235DC0-CD85-4752-86F1-F8F78D1497F6}"/>
-              </a:ext>
-            </a:extLst>
-          </p:cNvPr>
-          <p:cNvPicPr>
-            <a:picLocks noChangeAspect="1"/>
-          </p:cNvPicPr>
-          <p:nvPr/>
-        </p:nvPicPr>
-        <p:blipFill>
-          <a:blip r:embed="rId7">
-            <a:extLst>
-              <a:ext uri="{28A0092B-C50C-407E-A947-70E740481C1C}">
-                <a14:useLocalDpi xmlns:a14="http://schemas.microsoft.com/office/drawing/2010/main" val="0"/>
-              </a:ext>
-            </a:extLst>
-          </a:blip>
-          <a:stretch>
-            <a:fillRect/>
-          </a:stretch>
-        </p:blipFill>
-        <p:spPr>
-          <a:xfrm>
-            <a:off x="2577907" y="3238931"/>
-            <a:ext cx="652950" cy="729769"/>
-          </a:xfrm>
-          <a:prstGeom prst="rect">
-            <a:avLst/>
-          </a:prstGeom>
-        </p:spPr>
-      </p:pic>
-      <p:pic>
-        <p:nvPicPr>
-          <p:cNvPr id="26" name="Picture 25">
-            <a:extLst>
-              <a:ext uri="{FF2B5EF4-FFF2-40B4-BE49-F238E27FC236}">
-                <a16:creationId xmlns:a16="http://schemas.microsoft.com/office/drawing/2014/main" id="{50F6ECD9-D89E-4ECD-AA73-6446FADE418C}"/>
-              </a:ext>
-            </a:extLst>
-          </p:cNvPr>
-          <p:cNvPicPr>
-            <a:picLocks noChangeAspect="1"/>
-          </p:cNvPicPr>
-          <p:nvPr/>
-        </p:nvPicPr>
-        <p:blipFill>
-          <a:blip r:embed="rId8">
-            <a:extLst>
-              <a:ext uri="{28A0092B-C50C-407E-A947-70E740481C1C}">
-                <a14:useLocalDpi xmlns:a14="http://schemas.microsoft.com/office/drawing/2010/main" val="0"/>
-              </a:ext>
-            </a:extLst>
-          </a:blip>
-          <a:stretch>
-            <a:fillRect/>
-          </a:stretch>
-        </p:blipFill>
-        <p:spPr>
-          <a:xfrm>
-            <a:off x="3716320" y="4205569"/>
-            <a:ext cx="643283" cy="643283"/>
-          </a:xfrm>
-          <a:prstGeom prst="rect">
-            <a:avLst/>
-          </a:prstGeom>
-        </p:spPr>
-      </p:pic>
-      <p:pic>
-        <p:nvPicPr>
-          <p:cNvPr id="4" name="Picture 3">
-            <a:extLst>
-              <a:ext uri="{FF2B5EF4-FFF2-40B4-BE49-F238E27FC236}">
-                <a16:creationId xmlns:a16="http://schemas.microsoft.com/office/drawing/2014/main" id="{F5AD9C3F-9869-4FD3-BFD1-CD7E59820342}"/>
-              </a:ext>
-            </a:extLst>
-          </p:cNvPr>
-          <p:cNvPicPr>
-            <a:picLocks noChangeAspect="1"/>
-          </p:cNvPicPr>
-          <p:nvPr/>
-        </p:nvPicPr>
-        <p:blipFill>
-          <a:blip r:embed="rId9">
-            <a:extLst>
-              <a:ext uri="{28A0092B-C50C-407E-A947-70E740481C1C}">
-                <a14:useLocalDpi xmlns:a14="http://schemas.microsoft.com/office/drawing/2010/main" val="0"/>
-              </a:ext>
-            </a:extLst>
-          </a:blip>
-          <a:stretch>
-            <a:fillRect/>
-          </a:stretch>
-        </p:blipFill>
-        <p:spPr>
-          <a:xfrm>
-            <a:off x="7881458" y="2480193"/>
-            <a:ext cx="1482352" cy="409108"/>
-          </a:xfrm>
-          <a:prstGeom prst="rect">
-            <a:avLst/>
-          </a:prstGeom>
-        </p:spPr>
-      </p:pic>
-      <p:pic>
-        <p:nvPicPr>
-          <p:cNvPr id="11" name="Picture 10">
-            <a:extLst>
-              <a:ext uri="{FF2B5EF4-FFF2-40B4-BE49-F238E27FC236}">
-                <a16:creationId xmlns:a16="http://schemas.microsoft.com/office/drawing/2014/main" id="{670FD45B-B834-4AB2-AD6B-A4A8AAF017BC}"/>
-              </a:ext>
-            </a:extLst>
-          </p:cNvPr>
-          <p:cNvPicPr>
-            <a:picLocks noChangeAspect="1"/>
-          </p:cNvPicPr>
-          <p:nvPr/>
-        </p:nvPicPr>
-        <p:blipFill>
-          <a:blip r:embed="rId10">
-            <a:extLst>
-              <a:ext uri="{28A0092B-C50C-407E-A947-70E740481C1C}">
-                <a14:useLocalDpi xmlns:a14="http://schemas.microsoft.com/office/drawing/2010/main" val="0"/>
-              </a:ext>
-            </a:extLst>
-          </a:blip>
-          <a:stretch>
-            <a:fillRect/>
-          </a:stretch>
-        </p:blipFill>
-        <p:spPr>
-          <a:xfrm>
-            <a:off x="7562471" y="1233297"/>
-            <a:ext cx="301763" cy="301763"/>
-          </a:xfrm>
-          <a:prstGeom prst="rect">
-            <a:avLst/>
-          </a:prstGeom>
-        </p:spPr>
-      </p:pic>
-      <p:pic>
-        <p:nvPicPr>
-          <p:cNvPr id="21" name="Picture 20">
-            <a:extLst>
-              <a:ext uri="{FF2B5EF4-FFF2-40B4-BE49-F238E27FC236}">
-                <a16:creationId xmlns:a16="http://schemas.microsoft.com/office/drawing/2014/main" id="{4B4B7BD9-D4B6-42EC-8E39-FC97374B3278}"/>
-              </a:ext>
-            </a:extLst>
-          </p:cNvPr>
-          <p:cNvPicPr>
-            <a:picLocks noChangeAspect="1"/>
-          </p:cNvPicPr>
-          <p:nvPr/>
-        </p:nvPicPr>
-        <p:blipFill>
-          <a:blip r:embed="rId10">
-            <a:extLst>
-              <a:ext uri="{28A0092B-C50C-407E-A947-70E740481C1C}">
-                <a14:useLocalDpi xmlns:a14="http://schemas.microsoft.com/office/drawing/2010/main" val="0"/>
-              </a:ext>
-            </a:extLst>
-          </a:blip>
-          <a:stretch>
-            <a:fillRect/>
-          </a:stretch>
-        </p:blipFill>
-        <p:spPr>
-          <a:xfrm>
-            <a:off x="2224244" y="1231788"/>
-            <a:ext cx="301763" cy="301763"/>
-          </a:xfrm>
-          <a:prstGeom prst="rect">
-            <a:avLst/>
-          </a:prstGeom>
-        </p:spPr>
-      </p:pic>
-      <p:pic>
-        <p:nvPicPr>
-          <p:cNvPr id="23" name="Picture 22">
-            <a:extLst>
-              <a:ext uri="{FF2B5EF4-FFF2-40B4-BE49-F238E27FC236}">
-                <a16:creationId xmlns:a16="http://schemas.microsoft.com/office/drawing/2014/main" id="{BD369BD9-A735-49B5-A651-7A6D43C260E9}"/>
-              </a:ext>
-            </a:extLst>
-          </p:cNvPr>
-          <p:cNvPicPr>
-            <a:picLocks noChangeAspect="1"/>
-          </p:cNvPicPr>
-          <p:nvPr/>
-        </p:nvPicPr>
-        <p:blipFill>
-          <a:blip r:embed="rId9">
-            <a:extLst>
-              <a:ext uri="{28A0092B-C50C-407E-A947-70E740481C1C}">
-                <a14:useLocalDpi xmlns:a14="http://schemas.microsoft.com/office/drawing/2010/main" val="0"/>
-              </a:ext>
-            </a:extLst>
-          </a:blip>
-          <a:stretch>
-            <a:fillRect/>
-          </a:stretch>
-        </p:blipFill>
-        <p:spPr>
-          <a:xfrm>
-            <a:off x="2520536" y="2480193"/>
-            <a:ext cx="1482352" cy="409108"/>
-          </a:xfrm>
-          <a:prstGeom prst="rect">
-            <a:avLst/>
-          </a:prstGeom>
-        </p:spPr>
-      </p:pic>
-      <p:pic>
-        <p:nvPicPr>
-          <p:cNvPr id="14" name="Picture 13">
-            <a:extLst>
-              <a:ext uri="{FF2B5EF4-FFF2-40B4-BE49-F238E27FC236}">
-                <a16:creationId xmlns:a16="http://schemas.microsoft.com/office/drawing/2014/main" id="{FC27F9CD-116D-4A47-9A80-8591BEA99702}"/>
-              </a:ext>
-            </a:extLst>
-          </p:cNvPr>
-          <p:cNvPicPr>
-            <a:picLocks noChangeAspect="1"/>
-          </p:cNvPicPr>
-          <p:nvPr/>
-        </p:nvPicPr>
-        <p:blipFill>
-          <a:blip r:embed="rId11">
-            <a:extLst>
-              <a:ext uri="{28A0092B-C50C-407E-A947-70E740481C1C}">
-                <a14:useLocalDpi xmlns:a14="http://schemas.microsoft.com/office/drawing/2010/main" val="0"/>
-              </a:ext>
-            </a:extLst>
-          </a:blip>
-          <a:stretch>
-            <a:fillRect/>
-          </a:stretch>
-        </p:blipFill>
-        <p:spPr>
-          <a:xfrm flipV="1">
-            <a:off x="7562471" y="5326785"/>
-            <a:ext cx="309480" cy="289559"/>
-          </a:xfrm>
-          <a:prstGeom prst="rect">
-            <a:avLst/>
-          </a:prstGeom>
-        </p:spPr>
-      </p:pic>
-      <p:pic>
-        <p:nvPicPr>
-          <p:cNvPr id="25" name="Picture 24">
-            <a:extLst>
-              <a:ext uri="{FF2B5EF4-FFF2-40B4-BE49-F238E27FC236}">
-                <a16:creationId xmlns:a16="http://schemas.microsoft.com/office/drawing/2014/main" id="{F07E0792-7092-4C76-BC12-04744993239F}"/>
-              </a:ext>
-            </a:extLst>
-          </p:cNvPr>
-          <p:cNvPicPr>
-            <a:picLocks noChangeAspect="1"/>
-          </p:cNvPicPr>
-          <p:nvPr/>
-        </p:nvPicPr>
-        <p:blipFill>
-          <a:blip r:embed="rId11">
-            <a:extLst>
-              <a:ext uri="{28A0092B-C50C-407E-A947-70E740481C1C}">
-                <a14:useLocalDpi xmlns:a14="http://schemas.microsoft.com/office/drawing/2010/main" val="0"/>
-              </a:ext>
-            </a:extLst>
-          </a:blip>
-          <a:stretch>
-            <a:fillRect/>
-          </a:stretch>
-        </p:blipFill>
-        <p:spPr>
-          <a:xfrm flipV="1">
-            <a:off x="2224245" y="5326785"/>
-            <a:ext cx="309480" cy="289559"/>
-          </a:xfrm>
-          <a:prstGeom prst="rect">
-            <a:avLst/>
-          </a:prstGeom>
-        </p:spPr>
-      </p:pic>
-      <p:sp>
-        <p:nvSpPr>
-          <p:cNvPr id="27" name="TextBox 26">
-            <a:extLst>
-              <a:ext uri="{FF2B5EF4-FFF2-40B4-BE49-F238E27FC236}">
-                <a16:creationId xmlns:a16="http://schemas.microsoft.com/office/drawing/2014/main" id="{A28AC7C7-6BFF-4BD3-B187-AEEA0A1D1207}"/>
+              <a:rPr lang="en-US" dirty="0">
+                <a:solidFill>
+                  <a:srgbClr val="FF0000"/>
+                </a:solidFill>
+              </a:rPr>
+              <a:t>Ads</a:t>
+            </a:r>
+          </a:p>
+        </p:txBody>
+      </p:sp>
+      <p:sp>
+        <p:nvSpPr>
+          <p:cNvPr id="15" name="TextBox 14">
+            <a:extLst>
+              <a:ext uri="{FF2B5EF4-FFF2-40B4-BE49-F238E27FC236}">
+                <a16:creationId xmlns:a16="http://schemas.microsoft.com/office/drawing/2014/main" id="{04796067-A790-4A73-8B93-15B5FA58E6BA}"/>
               </a:ext>
             </a:extLst>
           </p:cNvPr>
@@ -5450,8 +6816,8 @@
         </p:nvSpPr>
         <p:spPr>
           <a:xfrm>
-            <a:off x="7824044" y="1881031"/>
-            <a:ext cx="1215958" cy="430887"/>
+            <a:off x="5613995" y="4920792"/>
+            <a:ext cx="1013049" cy="369332"/>
           </a:xfrm>
           <a:prstGeom prst="rect">
             <a:avLst/>
@@ -5465,102 +6831,59 @@
           <a:lstStyle/>
           <a:p>
             <a:r>
-              <a:rPr lang="en-US" sz="1100" dirty="0"/>
-              <a:t>Race against the machine</a:t>
-            </a:r>
-          </a:p>
-        </p:txBody>
-      </p:sp>
-      <p:pic>
-        <p:nvPicPr>
-          <p:cNvPr id="9" name="Picture 8">
-            <a:extLst>
-              <a:ext uri="{FF2B5EF4-FFF2-40B4-BE49-F238E27FC236}">
-                <a16:creationId xmlns:a16="http://schemas.microsoft.com/office/drawing/2014/main" id="{872F4EA1-342F-4456-AA6D-5B3ABAA9178D}"/>
-              </a:ext>
-            </a:extLst>
-          </p:cNvPr>
-          <p:cNvPicPr>
-            <a:picLocks noChangeAspect="1"/>
-          </p:cNvPicPr>
-          <p:nvPr/>
-        </p:nvPicPr>
-        <p:blipFill>
-          <a:blip r:embed="rId12">
-            <a:extLst>
-              <a:ext uri="{28A0092B-C50C-407E-A947-70E740481C1C}">
-                <a14:useLocalDpi xmlns:a14="http://schemas.microsoft.com/office/drawing/2010/main" val="0"/>
-              </a:ext>
-            </a:extLst>
-          </a:blip>
-          <a:stretch>
-            <a:fillRect/>
-          </a:stretch>
-        </p:blipFill>
-        <p:spPr>
-          <a:xfrm>
-            <a:off x="7914452" y="3537133"/>
-            <a:ext cx="1694807" cy="1259061"/>
-          </a:xfrm>
-          <a:prstGeom prst="rect">
-            <a:avLst/>
-          </a:prstGeom>
-          <a:ln w="38100" cap="sq">
-            <a:solidFill>
-              <a:schemeClr val="bg1"/>
-            </a:solidFill>
-            <a:prstDash val="solid"/>
-            <a:miter lim="800000"/>
-          </a:ln>
-          <a:effectLst>
-            <a:outerShdw blurRad="50800" dist="38100" dir="2700000" algn="tl" rotWithShape="0">
-              <a:srgbClr val="000000">
-                <a:alpha val="43000"/>
-              </a:srgbClr>
-            </a:outerShdw>
-          </a:effectLst>
-        </p:spPr>
-      </p:pic>
-      <p:pic>
-        <p:nvPicPr>
-          <p:cNvPr id="28" name="Picture 27">
-            <a:extLst>
-              <a:ext uri="{FF2B5EF4-FFF2-40B4-BE49-F238E27FC236}">
-                <a16:creationId xmlns:a16="http://schemas.microsoft.com/office/drawing/2014/main" id="{595233C1-4915-449A-B5E4-68DC4F7C2BCA}"/>
-              </a:ext>
-            </a:extLst>
-          </p:cNvPr>
-          <p:cNvPicPr>
-            <a:picLocks noChangeAspect="1"/>
-          </p:cNvPicPr>
-          <p:nvPr/>
-        </p:nvPicPr>
-        <p:blipFill>
-          <a:blip r:embed="rId4">
-            <a:extLst>
-              <a:ext uri="{28A0092B-C50C-407E-A947-70E740481C1C}">
-                <a14:useLocalDpi xmlns:a14="http://schemas.microsoft.com/office/drawing/2010/main" val="0"/>
-              </a:ext>
-            </a:extLst>
-          </a:blip>
-          <a:stretch>
-            <a:fillRect/>
-          </a:stretch>
-        </p:blipFill>
-        <p:spPr>
-          <a:xfrm>
-            <a:off x="8125174" y="5082945"/>
-            <a:ext cx="1287780" cy="388620"/>
-          </a:xfrm>
-          <a:prstGeom prst="rect">
-            <a:avLst/>
-          </a:prstGeom>
-        </p:spPr>
-      </p:pic>
+              <a:rPr lang="en-US" dirty="0">
+                <a:solidFill>
+                  <a:srgbClr val="FF0000"/>
+                </a:solidFill>
+              </a:rPr>
+              <a:t>Refferals</a:t>
+            </a:r>
+          </a:p>
+        </p:txBody>
+      </p:sp>
+      <p:sp>
+        <p:nvSpPr>
+          <p:cNvPr id="16" name="TextBox 15">
+            <a:extLst>
+              <a:ext uri="{FF2B5EF4-FFF2-40B4-BE49-F238E27FC236}">
+                <a16:creationId xmlns:a16="http://schemas.microsoft.com/office/drawing/2014/main" id="{02FEB39B-5998-4A71-B52F-440EDAAC4FA1}"/>
+              </a:ext>
+            </a:extLst>
+          </p:cNvPr>
+          <p:cNvSpPr txBox="1"/>
+          <p:nvPr/>
+        </p:nvSpPr>
+        <p:spPr>
+          <a:xfrm>
+            <a:off x="8781261" y="4920792"/>
+            <a:ext cx="1682155" cy="369332"/>
+          </a:xfrm>
+          <a:prstGeom prst="rect">
+            <a:avLst/>
+          </a:prstGeom>
+          <a:noFill/>
+        </p:spPr>
+        <p:txBody>
+          <a:bodyPr wrap="square" rtlCol="0">
+            <a:spAutoFit/>
+          </a:bodyPr>
+          <a:lstStyle/>
+          <a:p>
+            <a:r>
+              <a:rPr lang="en-US" dirty="0">
+                <a:solidFill>
+                  <a:srgbClr val="FF0000"/>
+                </a:solidFill>
+              </a:rPr>
+              <a:t>Data Analytics</a:t>
+            </a:r>
+          </a:p>
+        </p:txBody>
+      </p:sp>
     </p:spTree>
     <p:extLst>
       <p:ext uri="{BB962C8B-B14F-4D97-AF65-F5344CB8AC3E}">
-        <p14:creationId xmlns:p14="http://schemas.microsoft.com/office/powerpoint/2010/main" val="1359742307"/>
+        <p14:creationId xmlns:p14="http://schemas.microsoft.com/office/powerpoint/2010/main" val="3483091092"/>
       </p:ext>
     </p:extLst>
   </p:cSld>
@@ -5587,612 +6910,126 @@
           <a:chExt cx="0" cy="0"/>
         </a:xfrm>
       </p:grpSpPr>
-      <p:pic>
-        <p:nvPicPr>
-          <p:cNvPr id="6" name="Picture 5">
-            <a:extLst>
-              <a:ext uri="{FF2B5EF4-FFF2-40B4-BE49-F238E27FC236}">
-                <a16:creationId xmlns:a16="http://schemas.microsoft.com/office/drawing/2014/main" id="{68AC2FEB-5713-45AF-AB96-71E24D546BEC}"/>
-              </a:ext>
-            </a:extLst>
-          </p:cNvPr>
-          <p:cNvPicPr>
-            <a:picLocks noChangeAspect="1"/>
-          </p:cNvPicPr>
-          <p:nvPr/>
-        </p:nvPicPr>
-        <p:blipFill>
-          <a:blip r:embed="rId2">
-            <a:extLst>
-              <a:ext uri="{28A0092B-C50C-407E-A947-70E740481C1C}">
-                <a14:useLocalDpi xmlns:a14="http://schemas.microsoft.com/office/drawing/2010/main" val="0"/>
-              </a:ext>
-            </a:extLst>
-          </a:blip>
-          <a:stretch>
-            <a:fillRect/>
-          </a:stretch>
-        </p:blipFill>
-        <p:spPr>
-          <a:xfrm>
-            <a:off x="0" y="4863"/>
-            <a:ext cx="6858000" cy="6858000"/>
-          </a:xfrm>
-          <a:prstGeom prst="rect">
-            <a:avLst/>
-          </a:prstGeom>
-        </p:spPr>
-      </p:pic>
-      <p:pic>
-        <p:nvPicPr>
-          <p:cNvPr id="7" name="Picture 6">
-            <a:extLst>
-              <a:ext uri="{FF2B5EF4-FFF2-40B4-BE49-F238E27FC236}">
-                <a16:creationId xmlns:a16="http://schemas.microsoft.com/office/drawing/2014/main" id="{28FB7A9D-051E-4F28-9FD4-BEA322BA772E}"/>
-              </a:ext>
-            </a:extLst>
-          </p:cNvPr>
-          <p:cNvPicPr>
-            <a:picLocks noChangeAspect="1"/>
-          </p:cNvPicPr>
-          <p:nvPr/>
-        </p:nvPicPr>
-        <p:blipFill>
-          <a:blip r:embed="rId2">
-            <a:extLst>
-              <a:ext uri="{28A0092B-C50C-407E-A947-70E740481C1C}">
-                <a14:useLocalDpi xmlns:a14="http://schemas.microsoft.com/office/drawing/2010/main" val="0"/>
-              </a:ext>
-            </a:extLst>
-          </a:blip>
-          <a:stretch>
-            <a:fillRect/>
-          </a:stretch>
-        </p:blipFill>
-        <p:spPr>
-          <a:xfrm>
-            <a:off x="5340064" y="2"/>
-            <a:ext cx="6858000" cy="6858000"/>
-          </a:xfrm>
-          <a:prstGeom prst="rect">
-            <a:avLst/>
-          </a:prstGeom>
-        </p:spPr>
-      </p:pic>
-      <p:pic>
-        <p:nvPicPr>
-          <p:cNvPr id="3" name="Picture 2">
-            <a:extLst>
-              <a:ext uri="{FF2B5EF4-FFF2-40B4-BE49-F238E27FC236}">
-                <a16:creationId xmlns:a16="http://schemas.microsoft.com/office/drawing/2014/main" id="{D1B03B54-C072-4A2D-A4BC-BE3C3011CEA0}"/>
-              </a:ext>
-            </a:extLst>
-          </p:cNvPr>
-          <p:cNvPicPr>
-            <a:picLocks noChangeAspect="1"/>
-          </p:cNvPicPr>
-          <p:nvPr/>
-        </p:nvPicPr>
-        <p:blipFill>
-          <a:blip r:embed="rId3">
-            <a:extLst>
-              <a:ext uri="{28A0092B-C50C-407E-A947-70E740481C1C}">
-                <a14:useLocalDpi xmlns:a14="http://schemas.microsoft.com/office/drawing/2010/main" val="0"/>
-              </a:ext>
-            </a:extLst>
-          </a:blip>
-          <a:stretch>
-            <a:fillRect/>
-          </a:stretch>
-        </p:blipFill>
-        <p:spPr>
-          <a:xfrm>
-            <a:off x="7464226" y="1109855"/>
-            <a:ext cx="2619103" cy="4629878"/>
-          </a:xfrm>
-          <a:prstGeom prst="rect">
-            <a:avLst/>
-          </a:prstGeom>
-        </p:spPr>
-      </p:pic>
-      <p:pic>
-        <p:nvPicPr>
-          <p:cNvPr id="8" name="Picture 7">
-            <a:extLst>
-              <a:ext uri="{FF2B5EF4-FFF2-40B4-BE49-F238E27FC236}">
-                <a16:creationId xmlns:a16="http://schemas.microsoft.com/office/drawing/2014/main" id="{BF13E403-0096-43B2-B1CF-47C651B91E0F}"/>
-              </a:ext>
-            </a:extLst>
-          </p:cNvPr>
-          <p:cNvPicPr>
-            <a:picLocks noChangeAspect="1"/>
-          </p:cNvPicPr>
-          <p:nvPr/>
-        </p:nvPicPr>
-        <p:blipFill>
-          <a:blip r:embed="rId3">
-            <a:extLst>
-              <a:ext uri="{28A0092B-C50C-407E-A947-70E740481C1C}">
-                <a14:useLocalDpi xmlns:a14="http://schemas.microsoft.com/office/drawing/2010/main" val="0"/>
-              </a:ext>
-            </a:extLst>
-          </a:blip>
-          <a:stretch>
-            <a:fillRect/>
-          </a:stretch>
-        </p:blipFill>
-        <p:spPr>
-          <a:xfrm>
-            <a:off x="2127046" y="1128708"/>
-            <a:ext cx="2616219" cy="4610309"/>
-          </a:xfrm>
-          <a:prstGeom prst="rect">
-            <a:avLst/>
-          </a:prstGeom>
-        </p:spPr>
-      </p:pic>
-      <p:sp>
-        <p:nvSpPr>
-          <p:cNvPr id="10" name="TextBox 9">
-            <a:extLst>
-              <a:ext uri="{FF2B5EF4-FFF2-40B4-BE49-F238E27FC236}">
-                <a16:creationId xmlns:a16="http://schemas.microsoft.com/office/drawing/2014/main" id="{73BF42E5-30E3-438C-8152-A915603A9AE3}"/>
-              </a:ext>
-            </a:extLst>
-          </p:cNvPr>
-          <p:cNvSpPr txBox="1"/>
-          <p:nvPr/>
-        </p:nvSpPr>
-        <p:spPr>
-          <a:xfrm>
-            <a:off x="2563887" y="1881031"/>
-            <a:ext cx="1215958" cy="430887"/>
-          </a:xfrm>
-          <a:prstGeom prst="rect">
-            <a:avLst/>
-          </a:prstGeom>
-          <a:noFill/>
-        </p:spPr>
-        <p:txBody>
-          <a:bodyPr wrap="square" rtlCol="0">
-            <a:spAutoFit/>
+      <p:sp>
+        <p:nvSpPr>
+          <p:cNvPr id="12" name="Title 1">
+            <a:extLst>
+              <a:ext uri="{FF2B5EF4-FFF2-40B4-BE49-F238E27FC236}">
+                <a16:creationId xmlns:a16="http://schemas.microsoft.com/office/drawing/2014/main" id="{6490C698-DB31-40F2-9719-4354B3597794}"/>
+              </a:ext>
+            </a:extLst>
+          </p:cNvPr>
+          <p:cNvSpPr>
+            <a:spLocks noGrp="1"/>
+          </p:cNvSpPr>
+          <p:nvPr>
+            <p:ph type="title"/>
+          </p:nvPr>
+        </p:nvSpPr>
+        <p:spPr>
+          <a:xfrm>
+            <a:off x="838200" y="365125"/>
+            <a:ext cx="10515600" cy="1325563"/>
+          </a:xfrm>
+        </p:spPr>
+        <p:txBody>
+          <a:bodyPr/>
+          <a:lstStyle/>
+          <a:p>
+            <a:r>
+              <a:rPr lang="en-US" dirty="0">
+                <a:solidFill>
+                  <a:srgbClr val="FF0000"/>
+                </a:solidFill>
+              </a:rPr>
+              <a:t>Business costs</a:t>
+            </a:r>
+          </a:p>
+        </p:txBody>
+      </p:sp>
+      <p:sp>
+        <p:nvSpPr>
+          <p:cNvPr id="17" name="Content Placeholder 2">
+            <a:extLst>
+              <a:ext uri="{FF2B5EF4-FFF2-40B4-BE49-F238E27FC236}">
+                <a16:creationId xmlns:a16="http://schemas.microsoft.com/office/drawing/2014/main" id="{9DAD6116-B830-4880-A2A9-8352E1BC7004}"/>
+              </a:ext>
+            </a:extLst>
+          </p:cNvPr>
+          <p:cNvSpPr>
+            <a:spLocks noGrp="1"/>
+          </p:cNvSpPr>
+          <p:nvPr>
+            <p:ph idx="1"/>
+          </p:nvPr>
+        </p:nvSpPr>
+        <p:spPr>
+          <a:xfrm>
+            <a:off x="4192080" y="2064939"/>
+            <a:ext cx="3807840" cy="3416063"/>
+          </a:xfrm>
+        </p:spPr>
+        <p:txBody>
+          <a:bodyPr>
+            <a:noAutofit/>
           </a:bodyPr>
           <a:lstStyle/>
           <a:p>
             <a:r>
-              <a:rPr lang="en-US" sz="1100" dirty="0"/>
-              <a:t>Race against the machine</a:t>
-            </a:r>
-          </a:p>
-        </p:txBody>
-      </p:sp>
-      <p:pic>
-        <p:nvPicPr>
-          <p:cNvPr id="18" name="Picture 17">
-            <a:extLst>
-              <a:ext uri="{FF2B5EF4-FFF2-40B4-BE49-F238E27FC236}">
-                <a16:creationId xmlns:a16="http://schemas.microsoft.com/office/drawing/2014/main" id="{D3B0D36A-F93F-4243-9E30-291803DDD30B}"/>
-              </a:ext>
-            </a:extLst>
-          </p:cNvPr>
-          <p:cNvPicPr>
-            <a:picLocks noChangeAspect="1"/>
-          </p:cNvPicPr>
-          <p:nvPr/>
-        </p:nvPicPr>
-        <p:blipFill>
-          <a:blip r:embed="rId4">
-            <a:extLst>
-              <a:ext uri="{28A0092B-C50C-407E-A947-70E740481C1C}">
-                <a14:useLocalDpi xmlns:a14="http://schemas.microsoft.com/office/drawing/2010/main" val="0"/>
-              </a:ext>
-            </a:extLst>
-          </a:blip>
-          <a:stretch>
-            <a:fillRect/>
-          </a:stretch>
-        </p:blipFill>
-        <p:spPr>
-          <a:xfrm>
-            <a:off x="2785110" y="5082944"/>
-            <a:ext cx="1287780" cy="388620"/>
-          </a:xfrm>
-          <a:prstGeom prst="rect">
-            <a:avLst/>
-          </a:prstGeom>
-        </p:spPr>
-      </p:pic>
-      <p:pic>
-        <p:nvPicPr>
-          <p:cNvPr id="4" name="Picture 3">
-            <a:extLst>
-              <a:ext uri="{FF2B5EF4-FFF2-40B4-BE49-F238E27FC236}">
-                <a16:creationId xmlns:a16="http://schemas.microsoft.com/office/drawing/2014/main" id="{F5AD9C3F-9869-4FD3-BFD1-CD7E59820342}"/>
-              </a:ext>
-            </a:extLst>
-          </p:cNvPr>
-          <p:cNvPicPr>
-            <a:picLocks noChangeAspect="1"/>
-          </p:cNvPicPr>
-          <p:nvPr/>
-        </p:nvPicPr>
-        <p:blipFill>
-          <a:blip r:embed="rId5">
-            <a:extLst>
-              <a:ext uri="{28A0092B-C50C-407E-A947-70E740481C1C}">
-                <a14:useLocalDpi xmlns:a14="http://schemas.microsoft.com/office/drawing/2010/main" val="0"/>
-              </a:ext>
-            </a:extLst>
-          </a:blip>
-          <a:stretch>
-            <a:fillRect/>
-          </a:stretch>
-        </p:blipFill>
-        <p:spPr>
-          <a:xfrm>
-            <a:off x="7881458" y="2480193"/>
-            <a:ext cx="1482352" cy="409108"/>
-          </a:xfrm>
-          <a:prstGeom prst="rect">
-            <a:avLst/>
-          </a:prstGeom>
-        </p:spPr>
-      </p:pic>
-      <p:pic>
-        <p:nvPicPr>
-          <p:cNvPr id="11" name="Picture 10">
-            <a:extLst>
-              <a:ext uri="{FF2B5EF4-FFF2-40B4-BE49-F238E27FC236}">
-                <a16:creationId xmlns:a16="http://schemas.microsoft.com/office/drawing/2014/main" id="{670FD45B-B834-4AB2-AD6B-A4A8AAF017BC}"/>
-              </a:ext>
-            </a:extLst>
-          </p:cNvPr>
-          <p:cNvPicPr>
-            <a:picLocks noChangeAspect="1"/>
-          </p:cNvPicPr>
-          <p:nvPr/>
-        </p:nvPicPr>
-        <p:blipFill>
-          <a:blip r:embed="rId6">
-            <a:extLst>
-              <a:ext uri="{28A0092B-C50C-407E-A947-70E740481C1C}">
-                <a14:useLocalDpi xmlns:a14="http://schemas.microsoft.com/office/drawing/2010/main" val="0"/>
-              </a:ext>
-            </a:extLst>
-          </a:blip>
-          <a:stretch>
-            <a:fillRect/>
-          </a:stretch>
-        </p:blipFill>
-        <p:spPr>
-          <a:xfrm>
-            <a:off x="7562471" y="1233297"/>
-            <a:ext cx="301763" cy="301763"/>
-          </a:xfrm>
-          <a:prstGeom prst="rect">
-            <a:avLst/>
-          </a:prstGeom>
-        </p:spPr>
-      </p:pic>
-      <p:pic>
-        <p:nvPicPr>
-          <p:cNvPr id="21" name="Picture 20">
-            <a:extLst>
-              <a:ext uri="{FF2B5EF4-FFF2-40B4-BE49-F238E27FC236}">
-                <a16:creationId xmlns:a16="http://schemas.microsoft.com/office/drawing/2014/main" id="{4B4B7BD9-D4B6-42EC-8E39-FC97374B3278}"/>
-              </a:ext>
-            </a:extLst>
-          </p:cNvPr>
-          <p:cNvPicPr>
-            <a:picLocks noChangeAspect="1"/>
-          </p:cNvPicPr>
-          <p:nvPr/>
-        </p:nvPicPr>
-        <p:blipFill>
-          <a:blip r:embed="rId6">
-            <a:extLst>
-              <a:ext uri="{28A0092B-C50C-407E-A947-70E740481C1C}">
-                <a14:useLocalDpi xmlns:a14="http://schemas.microsoft.com/office/drawing/2010/main" val="0"/>
-              </a:ext>
-            </a:extLst>
-          </a:blip>
-          <a:stretch>
-            <a:fillRect/>
-          </a:stretch>
-        </p:blipFill>
-        <p:spPr>
-          <a:xfrm>
-            <a:off x="2224244" y="1231788"/>
-            <a:ext cx="301763" cy="301763"/>
-          </a:xfrm>
-          <a:prstGeom prst="rect">
-            <a:avLst/>
-          </a:prstGeom>
-        </p:spPr>
-      </p:pic>
-      <p:pic>
-        <p:nvPicPr>
-          <p:cNvPr id="23" name="Picture 22">
-            <a:extLst>
-              <a:ext uri="{FF2B5EF4-FFF2-40B4-BE49-F238E27FC236}">
-                <a16:creationId xmlns:a16="http://schemas.microsoft.com/office/drawing/2014/main" id="{BD369BD9-A735-49B5-A651-7A6D43C260E9}"/>
-              </a:ext>
-            </a:extLst>
-          </p:cNvPr>
-          <p:cNvPicPr>
-            <a:picLocks noChangeAspect="1"/>
-          </p:cNvPicPr>
-          <p:nvPr/>
-        </p:nvPicPr>
-        <p:blipFill>
-          <a:blip r:embed="rId5">
-            <a:extLst>
-              <a:ext uri="{28A0092B-C50C-407E-A947-70E740481C1C}">
-                <a14:useLocalDpi xmlns:a14="http://schemas.microsoft.com/office/drawing/2010/main" val="0"/>
-              </a:ext>
-            </a:extLst>
-          </a:blip>
-          <a:stretch>
-            <a:fillRect/>
-          </a:stretch>
-        </p:blipFill>
-        <p:spPr>
-          <a:xfrm>
-            <a:off x="2520536" y="2480193"/>
-            <a:ext cx="1482352" cy="409108"/>
-          </a:xfrm>
-          <a:prstGeom prst="rect">
-            <a:avLst/>
-          </a:prstGeom>
-        </p:spPr>
-      </p:pic>
-      <p:pic>
-        <p:nvPicPr>
-          <p:cNvPr id="14" name="Picture 13">
-            <a:extLst>
-              <a:ext uri="{FF2B5EF4-FFF2-40B4-BE49-F238E27FC236}">
-                <a16:creationId xmlns:a16="http://schemas.microsoft.com/office/drawing/2014/main" id="{FC27F9CD-116D-4A47-9A80-8591BEA99702}"/>
-              </a:ext>
-            </a:extLst>
-          </p:cNvPr>
-          <p:cNvPicPr>
-            <a:picLocks noChangeAspect="1"/>
-          </p:cNvPicPr>
-          <p:nvPr/>
-        </p:nvPicPr>
-        <p:blipFill>
-          <a:blip r:embed="rId7">
-            <a:extLst>
-              <a:ext uri="{28A0092B-C50C-407E-A947-70E740481C1C}">
-                <a14:useLocalDpi xmlns:a14="http://schemas.microsoft.com/office/drawing/2010/main" val="0"/>
-              </a:ext>
-            </a:extLst>
-          </a:blip>
-          <a:stretch>
-            <a:fillRect/>
-          </a:stretch>
-        </p:blipFill>
-        <p:spPr>
-          <a:xfrm flipV="1">
-            <a:off x="7562471" y="5326785"/>
-            <a:ext cx="309480" cy="289559"/>
-          </a:xfrm>
-          <a:prstGeom prst="rect">
-            <a:avLst/>
-          </a:prstGeom>
-        </p:spPr>
-      </p:pic>
-      <p:pic>
-        <p:nvPicPr>
-          <p:cNvPr id="25" name="Picture 24">
-            <a:extLst>
-              <a:ext uri="{FF2B5EF4-FFF2-40B4-BE49-F238E27FC236}">
-                <a16:creationId xmlns:a16="http://schemas.microsoft.com/office/drawing/2014/main" id="{F07E0792-7092-4C76-BC12-04744993239F}"/>
-              </a:ext>
-            </a:extLst>
-          </p:cNvPr>
-          <p:cNvPicPr>
-            <a:picLocks noChangeAspect="1"/>
-          </p:cNvPicPr>
-          <p:nvPr/>
-        </p:nvPicPr>
-        <p:blipFill>
-          <a:blip r:embed="rId7">
-            <a:extLst>
-              <a:ext uri="{28A0092B-C50C-407E-A947-70E740481C1C}">
-                <a14:useLocalDpi xmlns:a14="http://schemas.microsoft.com/office/drawing/2010/main" val="0"/>
-              </a:ext>
-            </a:extLst>
-          </a:blip>
-          <a:stretch>
-            <a:fillRect/>
-          </a:stretch>
-        </p:blipFill>
-        <p:spPr>
-          <a:xfrm flipV="1">
-            <a:off x="2224245" y="5326785"/>
-            <a:ext cx="309480" cy="289559"/>
-          </a:xfrm>
-          <a:prstGeom prst="rect">
-            <a:avLst/>
-          </a:prstGeom>
-        </p:spPr>
-      </p:pic>
-      <p:sp>
-        <p:nvSpPr>
-          <p:cNvPr id="27" name="TextBox 26">
-            <a:extLst>
-              <a:ext uri="{FF2B5EF4-FFF2-40B4-BE49-F238E27FC236}">
-                <a16:creationId xmlns:a16="http://schemas.microsoft.com/office/drawing/2014/main" id="{A28AC7C7-6BFF-4BD3-B187-AEEA0A1D1207}"/>
-              </a:ext>
-            </a:extLst>
-          </p:cNvPr>
-          <p:cNvSpPr txBox="1"/>
-          <p:nvPr/>
-        </p:nvSpPr>
-        <p:spPr>
-          <a:xfrm>
-            <a:off x="7824044" y="1881031"/>
-            <a:ext cx="1215958" cy="430887"/>
-          </a:xfrm>
-          <a:prstGeom prst="rect">
-            <a:avLst/>
-          </a:prstGeom>
-          <a:noFill/>
-        </p:spPr>
-        <p:txBody>
-          <a:bodyPr wrap="square" rtlCol="0">
-            <a:spAutoFit/>
-          </a:bodyPr>
-          <a:lstStyle/>
-          <a:p>
-            <a:r>
-              <a:rPr lang="en-US" sz="1100" dirty="0"/>
-              <a:t>Race against the machine</a:t>
-            </a:r>
-          </a:p>
-        </p:txBody>
-      </p:sp>
-      <p:pic>
-        <p:nvPicPr>
-          <p:cNvPr id="28" name="Picture 27">
-            <a:extLst>
-              <a:ext uri="{FF2B5EF4-FFF2-40B4-BE49-F238E27FC236}">
-                <a16:creationId xmlns:a16="http://schemas.microsoft.com/office/drawing/2014/main" id="{8DE695DB-B212-4F36-9F7B-CB26244E440D}"/>
-              </a:ext>
-            </a:extLst>
-          </p:cNvPr>
-          <p:cNvPicPr>
-            <a:picLocks noChangeAspect="1"/>
-          </p:cNvPicPr>
-          <p:nvPr/>
-        </p:nvPicPr>
-        <p:blipFill>
-          <a:blip r:embed="rId4">
-            <a:extLst>
-              <a:ext uri="{28A0092B-C50C-407E-A947-70E740481C1C}">
-                <a14:useLocalDpi xmlns:a14="http://schemas.microsoft.com/office/drawing/2010/main" val="0"/>
-              </a:ext>
-            </a:extLst>
-          </a:blip>
-          <a:stretch>
-            <a:fillRect/>
-          </a:stretch>
-        </p:blipFill>
-        <p:spPr>
-          <a:xfrm>
-            <a:off x="8123284" y="5083586"/>
-            <a:ext cx="1287780" cy="388620"/>
-          </a:xfrm>
-          <a:prstGeom prst="rect">
-            <a:avLst/>
-          </a:prstGeom>
-        </p:spPr>
-      </p:pic>
-      <p:pic>
-        <p:nvPicPr>
-          <p:cNvPr id="5" name="Picture 4">
-            <a:extLst>
-              <a:ext uri="{FF2B5EF4-FFF2-40B4-BE49-F238E27FC236}">
-                <a16:creationId xmlns:a16="http://schemas.microsoft.com/office/drawing/2014/main" id="{5CDFBF48-4188-441C-A154-5E37F50249E9}"/>
-              </a:ext>
-            </a:extLst>
-          </p:cNvPr>
-          <p:cNvPicPr>
-            <a:picLocks noChangeAspect="1"/>
-          </p:cNvPicPr>
-          <p:nvPr/>
-        </p:nvPicPr>
-        <p:blipFill>
-          <a:blip r:embed="rId8">
-            <a:extLst>
-              <a:ext uri="{28A0092B-C50C-407E-A947-70E740481C1C}">
-                <a14:useLocalDpi xmlns:a14="http://schemas.microsoft.com/office/drawing/2010/main" val="0"/>
-              </a:ext>
-            </a:extLst>
-          </a:blip>
-          <a:stretch>
-            <a:fillRect/>
-          </a:stretch>
-        </p:blipFill>
-        <p:spPr>
-          <a:xfrm>
-            <a:off x="2358817" y="3401141"/>
-            <a:ext cx="2140366" cy="1169963"/>
-          </a:xfrm>
-          <a:prstGeom prst="rect">
-            <a:avLst/>
-          </a:prstGeom>
-          <a:ln w="38100" cap="sq">
-            <a:solidFill>
-              <a:schemeClr val="bg1"/>
-            </a:solidFill>
-            <a:prstDash val="solid"/>
-            <a:miter lim="800000"/>
-          </a:ln>
-          <a:effectLst>
-            <a:outerShdw blurRad="50800" dist="38100" dir="2700000" algn="tl" rotWithShape="0">
-              <a:srgbClr val="000000">
-                <a:alpha val="43000"/>
-              </a:srgbClr>
-            </a:outerShdw>
-          </a:effectLst>
-        </p:spPr>
-      </p:pic>
-      <p:pic>
-        <p:nvPicPr>
-          <p:cNvPr id="13" name="Picture 12">
-            <a:extLst>
-              <a:ext uri="{FF2B5EF4-FFF2-40B4-BE49-F238E27FC236}">
-                <a16:creationId xmlns:a16="http://schemas.microsoft.com/office/drawing/2014/main" id="{CC1220E0-35BB-4935-A006-4C1B6DCBB30C}"/>
-              </a:ext>
-            </a:extLst>
-          </p:cNvPr>
-          <p:cNvPicPr>
-            <a:picLocks noChangeAspect="1"/>
-          </p:cNvPicPr>
-          <p:nvPr/>
-        </p:nvPicPr>
-        <p:blipFill>
-          <a:blip r:embed="rId9">
-            <a:extLst>
-              <a:ext uri="{28A0092B-C50C-407E-A947-70E740481C1C}">
-                <a14:useLocalDpi xmlns:a14="http://schemas.microsoft.com/office/drawing/2010/main" val="0"/>
-              </a:ext>
-            </a:extLst>
-          </a:blip>
-          <a:stretch>
-            <a:fillRect/>
-          </a:stretch>
-        </p:blipFill>
-        <p:spPr>
-          <a:xfrm>
-            <a:off x="7928086" y="3285723"/>
-            <a:ext cx="1678175" cy="1540479"/>
-          </a:xfrm>
-          <a:prstGeom prst="rect">
-            <a:avLst/>
-          </a:prstGeom>
-          <a:ln w="38100" cap="sq">
-            <a:solidFill>
-              <a:schemeClr val="bg1"/>
-            </a:solidFill>
-            <a:prstDash val="solid"/>
-            <a:miter lim="800000"/>
-          </a:ln>
-          <a:effectLst>
-            <a:outerShdw blurRad="50800" dist="38100" dir="2700000" algn="tl" rotWithShape="0">
-              <a:srgbClr val="000000">
-                <a:alpha val="43000"/>
-              </a:srgbClr>
-            </a:outerShdw>
-          </a:effectLst>
-        </p:spPr>
-      </p:pic>
+              <a:rPr lang="en-US" dirty="0">
+                <a:solidFill>
+                  <a:srgbClr val="FF0000"/>
+                </a:solidFill>
+              </a:rPr>
+              <a:t>Deployment</a:t>
+            </a:r>
+          </a:p>
+          <a:p>
+            <a:r>
+              <a:rPr lang="en-US" dirty="0">
+                <a:solidFill>
+                  <a:srgbClr val="FF0000"/>
+                </a:solidFill>
+              </a:rPr>
+              <a:t>Marketing</a:t>
+            </a:r>
+          </a:p>
+          <a:p>
+            <a:r>
+              <a:rPr lang="en-US" dirty="0">
+                <a:solidFill>
+                  <a:srgbClr val="FF0000"/>
+                </a:solidFill>
+              </a:rPr>
+              <a:t>Development</a:t>
+            </a:r>
+          </a:p>
+          <a:p>
+            <a:r>
+              <a:rPr lang="en-US" dirty="0">
+                <a:solidFill>
+                  <a:srgbClr val="FF0000"/>
+                </a:solidFill>
+              </a:rPr>
+              <a:t>Technical support</a:t>
+            </a:r>
+          </a:p>
+          <a:p>
+            <a:r>
+              <a:rPr lang="en-US" dirty="0">
+                <a:solidFill>
+                  <a:srgbClr val="FF0000"/>
+                </a:solidFill>
+              </a:rPr>
+              <a:t>Maintenance </a:t>
+            </a:r>
+          </a:p>
+        </p:txBody>
+      </p:sp>
     </p:spTree>
     <p:extLst>
       <p:ext uri="{BB962C8B-B14F-4D97-AF65-F5344CB8AC3E}">
-        <p14:creationId xmlns:p14="http://schemas.microsoft.com/office/powerpoint/2010/main" val="3588751758"/>
+        <p14:creationId xmlns:p14="http://schemas.microsoft.com/office/powerpoint/2010/main" val="1120901102"/>
       </p:ext>
     </p:extLst>
   </p:cSld>
@@ -6219,172 +7056,25 @@
           <a:chExt cx="0" cy="0"/>
         </a:xfrm>
       </p:grpSpPr>
-      <p:pic>
-        <p:nvPicPr>
-          <p:cNvPr id="7" name="Content Placeholder 6">
-            <a:extLst>
-              <a:ext uri="{FF2B5EF4-FFF2-40B4-BE49-F238E27FC236}">
-                <a16:creationId xmlns:a16="http://schemas.microsoft.com/office/drawing/2014/main" id="{9A349507-8859-4EC8-832C-1AEC837A5A33}"/>
-              </a:ext>
-            </a:extLst>
-          </p:cNvPr>
-          <p:cNvPicPr>
-            <a:picLocks noGrp="1" noChangeAspect="1"/>
-          </p:cNvPicPr>
+      <p:sp>
+        <p:nvSpPr>
+          <p:cNvPr id="2" name="Title 1">
+            <a:extLst>
+              <a:ext uri="{FF2B5EF4-FFF2-40B4-BE49-F238E27FC236}">
+                <a16:creationId xmlns:a16="http://schemas.microsoft.com/office/drawing/2014/main" id="{3C88042F-87D6-412F-B8B7-A2B9A7CBC75D}"/>
+              </a:ext>
+            </a:extLst>
+          </p:cNvPr>
+          <p:cNvSpPr>
+            <a:spLocks noGrp="1"/>
+          </p:cNvSpPr>
           <p:nvPr>
-            <p:ph idx="1"/>
+            <p:ph type="title"/>
           </p:nvPr>
-        </p:nvPicPr>
-        <p:blipFill>
-          <a:blip r:embed="rId2">
-            <a:extLst>
-              <a:ext uri="{28A0092B-C50C-407E-A947-70E740481C1C}">
-                <a14:useLocalDpi xmlns:a14="http://schemas.microsoft.com/office/drawing/2010/main" val="0"/>
-              </a:ext>
-            </a:extLst>
-          </a:blip>
-          <a:stretch>
-            <a:fillRect/>
-          </a:stretch>
-        </p:blipFill>
-        <p:spPr>
-          <a:xfrm>
-            <a:off x="2028825" y="580231"/>
-            <a:ext cx="8134350" cy="895350"/>
-          </a:xfrm>
-        </p:spPr>
-      </p:pic>
-      <p:pic>
-        <p:nvPicPr>
-          <p:cNvPr id="9" name="Picture 8">
-            <a:extLst>
-              <a:ext uri="{FF2B5EF4-FFF2-40B4-BE49-F238E27FC236}">
-                <a16:creationId xmlns:a16="http://schemas.microsoft.com/office/drawing/2014/main" id="{CA7FEF19-1CFA-4F07-B9FF-AAE191B20DBF}"/>
-              </a:ext>
-            </a:extLst>
-          </p:cNvPr>
-          <p:cNvPicPr>
-            <a:picLocks noChangeAspect="1"/>
-          </p:cNvPicPr>
-          <p:nvPr/>
-        </p:nvPicPr>
-        <p:blipFill rotWithShape="1">
-          <a:blip r:embed="rId3">
-            <a:extLst>
-              <a:ext uri="{28A0092B-C50C-407E-A947-70E740481C1C}">
-                <a14:useLocalDpi xmlns:a14="http://schemas.microsoft.com/office/drawing/2010/main" val="0"/>
-              </a:ext>
-            </a:extLst>
-          </a:blip>
-          <a:srcRect b="12165"/>
-          <a:stretch/>
-        </p:blipFill>
-        <p:spPr>
-          <a:xfrm>
-            <a:off x="1375526" y="2477534"/>
-            <a:ext cx="2534633" cy="2226296"/>
-          </a:xfrm>
-          <a:prstGeom prst="rect">
-            <a:avLst/>
-          </a:prstGeom>
-        </p:spPr>
-      </p:pic>
-      <p:pic>
-        <p:nvPicPr>
-          <p:cNvPr id="11" name="Picture 10">
-            <a:extLst>
-              <a:ext uri="{FF2B5EF4-FFF2-40B4-BE49-F238E27FC236}">
-                <a16:creationId xmlns:a16="http://schemas.microsoft.com/office/drawing/2014/main" id="{F481A16C-A800-4D9F-98D4-9F2495520728}"/>
-              </a:ext>
-            </a:extLst>
-          </p:cNvPr>
-          <p:cNvPicPr>
-            <a:picLocks noChangeAspect="1"/>
-          </p:cNvPicPr>
-          <p:nvPr/>
-        </p:nvPicPr>
-        <p:blipFill rotWithShape="1">
-          <a:blip r:embed="rId4">
-            <a:extLst>
-              <a:ext uri="{28A0092B-C50C-407E-A947-70E740481C1C}">
-                <a14:useLocalDpi xmlns:a14="http://schemas.microsoft.com/office/drawing/2010/main" val="0"/>
-              </a:ext>
-            </a:extLst>
-          </a:blip>
-          <a:srcRect b="20688"/>
-          <a:stretch/>
-        </p:blipFill>
-        <p:spPr>
-          <a:xfrm>
-            <a:off x="4828684" y="2668081"/>
-            <a:ext cx="2534632" cy="2010286"/>
-          </a:xfrm>
-          <a:prstGeom prst="rect">
-            <a:avLst/>
-          </a:prstGeom>
-        </p:spPr>
-      </p:pic>
-      <p:pic>
-        <p:nvPicPr>
-          <p:cNvPr id="13" name="Picture 12">
-            <a:extLst>
-              <a:ext uri="{FF2B5EF4-FFF2-40B4-BE49-F238E27FC236}">
-                <a16:creationId xmlns:a16="http://schemas.microsoft.com/office/drawing/2014/main" id="{134C6599-23D0-44BD-8596-4F3F934B5664}"/>
-              </a:ext>
-            </a:extLst>
-          </p:cNvPr>
-          <p:cNvPicPr>
-            <a:picLocks noChangeAspect="1"/>
-          </p:cNvPicPr>
-          <p:nvPr/>
-        </p:nvPicPr>
-        <p:blipFill rotWithShape="1">
-          <a:blip r:embed="rId5">
-            <a:extLst>
-              <a:ext uri="{28A0092B-C50C-407E-A947-70E740481C1C}">
-                <a14:useLocalDpi xmlns:a14="http://schemas.microsoft.com/office/drawing/2010/main" val="0"/>
-              </a:ext>
-            </a:extLst>
-          </a:blip>
-          <a:srcRect b="14502"/>
-          <a:stretch/>
-        </p:blipFill>
-        <p:spPr>
-          <a:xfrm>
-            <a:off x="8281841" y="2654147"/>
-            <a:ext cx="2351259" cy="2010286"/>
-          </a:xfrm>
-          <a:prstGeom prst="rect">
-            <a:avLst/>
-          </a:prstGeom>
-        </p:spPr>
-      </p:pic>
-      <p:sp>
-        <p:nvSpPr>
-          <p:cNvPr id="14" name="TextBox 13">
-            <a:extLst>
-              <a:ext uri="{FF2B5EF4-FFF2-40B4-BE49-F238E27FC236}">
-                <a16:creationId xmlns:a16="http://schemas.microsoft.com/office/drawing/2014/main" id="{C89D576C-E9EB-4591-9460-FB46C68D1AB6}"/>
-              </a:ext>
-            </a:extLst>
-          </p:cNvPr>
-          <p:cNvSpPr txBox="1"/>
-          <p:nvPr/>
-        </p:nvSpPr>
-        <p:spPr>
-          <a:xfrm>
-            <a:off x="2407312" y="4920792"/>
-            <a:ext cx="712960" cy="369332"/>
-          </a:xfrm>
-          <a:prstGeom prst="rect">
-            <a:avLst/>
-          </a:prstGeom>
-          <a:noFill/>
-        </p:spPr>
-        <p:txBody>
-          <a:bodyPr wrap="square" rtlCol="0">
-            <a:spAutoFit/>
-          </a:bodyPr>
+        </p:nvSpPr>
+        <p:spPr/>
+        <p:txBody>
+          <a:bodyPr/>
           <a:lstStyle/>
           <a:p>
             <a:r>
@@ -6393,37 +7083,30 @@
                   <a:srgbClr val="FF0000"/>
                 </a:solidFill>
               </a:rPr>
-              <a:t>Ads</a:t>
-            </a:r>
-          </a:p>
-        </p:txBody>
-      </p:sp>
-      <p:sp>
-        <p:nvSpPr>
-          <p:cNvPr id="15" name="TextBox 14">
-            <a:extLst>
-              <a:ext uri="{FF2B5EF4-FFF2-40B4-BE49-F238E27FC236}">
-                <a16:creationId xmlns:a16="http://schemas.microsoft.com/office/drawing/2014/main" id="{04796067-A790-4A73-8B93-15B5FA58E6BA}"/>
-              </a:ext>
-            </a:extLst>
-          </p:cNvPr>
-          <p:cNvSpPr txBox="1"/>
-          <p:nvPr/>
-        </p:nvSpPr>
-        <p:spPr>
-          <a:xfrm>
-            <a:off x="5613995" y="4920792"/>
-            <a:ext cx="1013049" cy="369332"/>
-          </a:xfrm>
-          <a:prstGeom prst="rect">
-            <a:avLst/>
-          </a:prstGeom>
-          <a:noFill/>
-        </p:spPr>
-        <p:txBody>
-          <a:bodyPr wrap="square" rtlCol="0">
-            <a:spAutoFit/>
-          </a:bodyPr>
+              <a:t>Competition</a:t>
+            </a:r>
+          </a:p>
+        </p:txBody>
+      </p:sp>
+      <p:sp>
+        <p:nvSpPr>
+          <p:cNvPr id="3" name="Content Placeholder 2">
+            <a:extLst>
+              <a:ext uri="{FF2B5EF4-FFF2-40B4-BE49-F238E27FC236}">
+                <a16:creationId xmlns:a16="http://schemas.microsoft.com/office/drawing/2014/main" id="{DA2AAD30-1887-462D-81B7-7C5D507BA189}"/>
+              </a:ext>
+            </a:extLst>
+          </p:cNvPr>
+          <p:cNvSpPr>
+            <a:spLocks noGrp="1"/>
+          </p:cNvSpPr>
+          <p:nvPr>
+            <p:ph idx="1"/>
+          </p:nvPr>
+        </p:nvSpPr>
+        <p:spPr/>
+        <p:txBody>
+          <a:bodyPr/>
           <a:lstStyle/>
           <a:p>
             <a:r>
@@ -6432,46 +7115,752 @@
                   <a:srgbClr val="FF0000"/>
                 </a:solidFill>
               </a:rPr>
-              <a:t>Refferals</a:t>
-            </a:r>
-          </a:p>
-        </p:txBody>
-      </p:sp>
-      <p:sp>
-        <p:nvSpPr>
-          <p:cNvPr id="16" name="TextBox 15">
-            <a:extLst>
-              <a:ext uri="{FF2B5EF4-FFF2-40B4-BE49-F238E27FC236}">
-                <a16:creationId xmlns:a16="http://schemas.microsoft.com/office/drawing/2014/main" id="{02FEB39B-5998-4A71-B52F-440EDAAC4FA1}"/>
-              </a:ext>
-            </a:extLst>
-          </p:cNvPr>
-          <p:cNvSpPr txBox="1"/>
-          <p:nvPr/>
-        </p:nvSpPr>
-        <p:spPr>
-          <a:xfrm>
-            <a:off x="8781261" y="4920792"/>
-            <a:ext cx="1682155" cy="369332"/>
+              <a:t>Other memo applications</a:t>
+            </a:r>
+          </a:p>
+        </p:txBody>
+      </p:sp>
+      <p:pic>
+        <p:nvPicPr>
+          <p:cNvPr id="4" name="Picture 3">
+            <a:extLst>
+              <a:ext uri="{FF2B5EF4-FFF2-40B4-BE49-F238E27FC236}">
+                <a16:creationId xmlns:a16="http://schemas.microsoft.com/office/drawing/2014/main" id="{C2A04136-035D-4833-9468-22F1E65BB216}"/>
+              </a:ext>
+            </a:extLst>
+          </p:cNvPr>
+          <p:cNvPicPr>
+            <a:picLocks noChangeAspect="1"/>
+          </p:cNvPicPr>
+          <p:nvPr/>
+        </p:nvPicPr>
+        <p:blipFill>
+          <a:blip r:embed="rId2"/>
+          <a:stretch>
+            <a:fillRect/>
+          </a:stretch>
+        </p:blipFill>
+        <p:spPr>
+          <a:xfrm>
+            <a:off x="1815445" y="2797795"/>
+            <a:ext cx="1970988" cy="1970988"/>
+          </a:xfrm>
+          <a:prstGeom prst="rect">
+            <a:avLst/>
+          </a:prstGeom>
+        </p:spPr>
+      </p:pic>
+      <p:pic>
+        <p:nvPicPr>
+          <p:cNvPr id="1026" name="Picture 2" descr="https://www.google.com/images/icons/product/keep-512.png">
+            <a:extLst>
+              <a:ext uri="{FF2B5EF4-FFF2-40B4-BE49-F238E27FC236}">
+                <a16:creationId xmlns:a16="http://schemas.microsoft.com/office/drawing/2014/main" id="{B6498B92-5142-40D5-8755-F12A666CE0C5}"/>
+              </a:ext>
+            </a:extLst>
+          </p:cNvPr>
+          <p:cNvPicPr>
+            <a:picLocks noChangeAspect="1" noChangeArrowheads="1"/>
+          </p:cNvPicPr>
+          <p:nvPr/>
+        </p:nvPicPr>
+        <p:blipFill>
+          <a:blip r:embed="rId3">
+            <a:extLst>
+              <a:ext uri="{28A0092B-C50C-407E-A947-70E740481C1C}">
+                <a14:useLocalDpi xmlns:a14="http://schemas.microsoft.com/office/drawing/2010/main" val="0"/>
+              </a:ext>
+            </a:extLst>
+          </a:blip>
+          <a:srcRect/>
+          <a:stretch>
+            <a:fillRect/>
+          </a:stretch>
+        </p:blipFill>
+        <p:spPr bwMode="auto">
+          <a:xfrm>
+            <a:off x="4763678" y="2450967"/>
+            <a:ext cx="2664643" cy="2664643"/>
           </a:xfrm>
           <a:prstGeom prst="rect">
             <a:avLst/>
           </a:prstGeom>
           <a:noFill/>
-        </p:spPr>
-        <p:txBody>
-          <a:bodyPr wrap="square" rtlCol="0">
-            <a:spAutoFit/>
+          <a:extLst>
+            <a:ext uri="{909E8E84-426E-40DD-AFC4-6F175D3DCCD1}">
+              <a14:hiddenFill xmlns:a14="http://schemas.microsoft.com/office/drawing/2010/main">
+                <a:solidFill>
+                  <a:srgbClr val="FFFFFF"/>
+                </a:solidFill>
+              </a14:hiddenFill>
+            </a:ext>
+          </a:extLst>
+        </p:spPr>
+      </p:pic>
+      <p:pic>
+        <p:nvPicPr>
+          <p:cNvPr id="5" name="Picture 4">
+            <a:extLst>
+              <a:ext uri="{FF2B5EF4-FFF2-40B4-BE49-F238E27FC236}">
+                <a16:creationId xmlns:a16="http://schemas.microsoft.com/office/drawing/2014/main" id="{FEC0F51E-5CE3-4F6F-91B0-93F51FB6623B}"/>
+              </a:ext>
+            </a:extLst>
+          </p:cNvPr>
+          <p:cNvPicPr>
+            <a:picLocks noChangeAspect="1"/>
+          </p:cNvPicPr>
+          <p:nvPr/>
+        </p:nvPicPr>
+        <p:blipFill>
+          <a:blip r:embed="rId4"/>
+          <a:stretch>
+            <a:fillRect/>
+          </a:stretch>
+        </p:blipFill>
+        <p:spPr>
+          <a:xfrm>
+            <a:off x="8405566" y="2797795"/>
+            <a:ext cx="1970989" cy="1970989"/>
+          </a:xfrm>
+          <a:prstGeom prst="rect">
+            <a:avLst/>
+          </a:prstGeom>
+        </p:spPr>
+      </p:pic>
+      <p:sp>
+        <p:nvSpPr>
+          <p:cNvPr id="7" name="Content Placeholder 2">
+            <a:extLst>
+              <a:ext uri="{FF2B5EF4-FFF2-40B4-BE49-F238E27FC236}">
+                <a16:creationId xmlns:a16="http://schemas.microsoft.com/office/drawing/2014/main" id="{3B6C0A8C-BC4B-4137-BC3E-F9E09E3B8BA7}"/>
+              </a:ext>
+            </a:extLst>
+          </p:cNvPr>
+          <p:cNvSpPr txBox="1">
+            <a:spLocks/>
+          </p:cNvSpPr>
+          <p:nvPr/>
+        </p:nvSpPr>
+        <p:spPr>
+          <a:xfrm>
+            <a:off x="5636786" y="5115610"/>
+            <a:ext cx="918426" cy="489725"/>
+          </a:xfrm>
+          <a:prstGeom prst="rect">
+            <a:avLst/>
+          </a:prstGeom>
+        </p:spPr>
+        <p:txBody>
+          <a:bodyPr vert="horz" lIns="91440" tIns="45720" rIns="91440" bIns="45720" rtlCol="0">
+            <a:noAutofit/>
           </a:bodyPr>
-          <a:lstStyle/>
-          <a:p>
+          <a:lstStyle>
+            <a:lvl1pPr marL="228600" indent="-228600" algn="l" defTabSz="914400" rtl="0" eaLnBrk="1" latinLnBrk="0" hangingPunct="1">
+              <a:lnSpc>
+                <a:spcPct val="90000"/>
+              </a:lnSpc>
+              <a:spcBef>
+                <a:spcPts val="1000"/>
+              </a:spcBef>
+              <a:buFont typeface="Arial" panose="020B0604020202020204" pitchFamily="34" charset="0"/>
+              <a:buChar char="•"/>
+              <a:defRPr sz="2800" kern="1200">
+                <a:solidFill>
+                  <a:schemeClr val="tx1"/>
+                </a:solidFill>
+                <a:latin typeface="+mn-lt"/>
+                <a:ea typeface="+mn-ea"/>
+                <a:cs typeface="+mn-cs"/>
+              </a:defRPr>
+            </a:lvl1pPr>
+            <a:lvl2pPr marL="685800" indent="-228600" algn="l" defTabSz="914400" rtl="0" eaLnBrk="1" latinLnBrk="0" hangingPunct="1">
+              <a:lnSpc>
+                <a:spcPct val="90000"/>
+              </a:lnSpc>
+              <a:spcBef>
+                <a:spcPts val="500"/>
+              </a:spcBef>
+              <a:buFont typeface="Arial" panose="020B0604020202020204" pitchFamily="34" charset="0"/>
+              <a:buChar char="•"/>
+              <a:defRPr sz="2400" kern="1200">
+                <a:solidFill>
+                  <a:schemeClr val="tx1"/>
+                </a:solidFill>
+                <a:latin typeface="+mn-lt"/>
+                <a:ea typeface="+mn-ea"/>
+                <a:cs typeface="+mn-cs"/>
+              </a:defRPr>
+            </a:lvl2pPr>
+            <a:lvl3pPr marL="1143000" indent="-228600" algn="l" defTabSz="914400" rtl="0" eaLnBrk="1" latinLnBrk="0" hangingPunct="1">
+              <a:lnSpc>
+                <a:spcPct val="90000"/>
+              </a:lnSpc>
+              <a:spcBef>
+                <a:spcPts val="500"/>
+              </a:spcBef>
+              <a:buFont typeface="Arial" panose="020B0604020202020204" pitchFamily="34" charset="0"/>
+              <a:buChar char="•"/>
+              <a:defRPr sz="2000" kern="1200">
+                <a:solidFill>
+                  <a:schemeClr val="tx1"/>
+                </a:solidFill>
+                <a:latin typeface="+mn-lt"/>
+                <a:ea typeface="+mn-ea"/>
+                <a:cs typeface="+mn-cs"/>
+              </a:defRPr>
+            </a:lvl3pPr>
+            <a:lvl4pPr marL="1600200" indent="-228600" algn="l" defTabSz="914400" rtl="0" eaLnBrk="1" latinLnBrk="0" hangingPunct="1">
+              <a:lnSpc>
+                <a:spcPct val="90000"/>
+              </a:lnSpc>
+              <a:spcBef>
+                <a:spcPts val="500"/>
+              </a:spcBef>
+              <a:buFont typeface="Arial" panose="020B0604020202020204" pitchFamily="34" charset="0"/>
+              <a:buChar char="•"/>
+              <a:defRPr sz="1800" kern="1200">
+                <a:solidFill>
+                  <a:schemeClr val="tx1"/>
+                </a:solidFill>
+                <a:latin typeface="+mn-lt"/>
+                <a:ea typeface="+mn-ea"/>
+                <a:cs typeface="+mn-cs"/>
+              </a:defRPr>
+            </a:lvl4pPr>
+            <a:lvl5pPr marL="2057400" indent="-228600" algn="l" defTabSz="914400" rtl="0" eaLnBrk="1" latinLnBrk="0" hangingPunct="1">
+              <a:lnSpc>
+                <a:spcPct val="90000"/>
+              </a:lnSpc>
+              <a:spcBef>
+                <a:spcPts val="500"/>
+              </a:spcBef>
+              <a:buFont typeface="Arial" panose="020B0604020202020204" pitchFamily="34" charset="0"/>
+              <a:buChar char="•"/>
+              <a:defRPr sz="1800" kern="1200">
+                <a:solidFill>
+                  <a:schemeClr val="tx1"/>
+                </a:solidFill>
+                <a:latin typeface="+mn-lt"/>
+                <a:ea typeface="+mn-ea"/>
+                <a:cs typeface="+mn-cs"/>
+              </a:defRPr>
+            </a:lvl5pPr>
+            <a:lvl6pPr marL="2514600" indent="-228600" algn="l" defTabSz="914400" rtl="0" eaLnBrk="1" latinLnBrk="0" hangingPunct="1">
+              <a:lnSpc>
+                <a:spcPct val="90000"/>
+              </a:lnSpc>
+              <a:spcBef>
+                <a:spcPts val="500"/>
+              </a:spcBef>
+              <a:buFont typeface="Arial" panose="020B0604020202020204" pitchFamily="34" charset="0"/>
+              <a:buChar char="•"/>
+              <a:defRPr sz="1800" kern="1200">
+                <a:solidFill>
+                  <a:schemeClr val="tx1"/>
+                </a:solidFill>
+                <a:latin typeface="+mn-lt"/>
+                <a:ea typeface="+mn-ea"/>
+                <a:cs typeface="+mn-cs"/>
+              </a:defRPr>
+            </a:lvl6pPr>
+            <a:lvl7pPr marL="2971800" indent="-228600" algn="l" defTabSz="914400" rtl="0" eaLnBrk="1" latinLnBrk="0" hangingPunct="1">
+              <a:lnSpc>
+                <a:spcPct val="90000"/>
+              </a:lnSpc>
+              <a:spcBef>
+                <a:spcPts val="500"/>
+              </a:spcBef>
+              <a:buFont typeface="Arial" panose="020B0604020202020204" pitchFamily="34" charset="0"/>
+              <a:buChar char="•"/>
+              <a:defRPr sz="1800" kern="1200">
+                <a:solidFill>
+                  <a:schemeClr val="tx1"/>
+                </a:solidFill>
+                <a:latin typeface="+mn-lt"/>
+                <a:ea typeface="+mn-ea"/>
+                <a:cs typeface="+mn-cs"/>
+              </a:defRPr>
+            </a:lvl7pPr>
+            <a:lvl8pPr marL="3429000" indent="-228600" algn="l" defTabSz="914400" rtl="0" eaLnBrk="1" latinLnBrk="0" hangingPunct="1">
+              <a:lnSpc>
+                <a:spcPct val="90000"/>
+              </a:lnSpc>
+              <a:spcBef>
+                <a:spcPts val="500"/>
+              </a:spcBef>
+              <a:buFont typeface="Arial" panose="020B0604020202020204" pitchFamily="34" charset="0"/>
+              <a:buChar char="•"/>
+              <a:defRPr sz="1800" kern="1200">
+                <a:solidFill>
+                  <a:schemeClr val="tx1"/>
+                </a:solidFill>
+                <a:latin typeface="+mn-lt"/>
+                <a:ea typeface="+mn-ea"/>
+                <a:cs typeface="+mn-cs"/>
+              </a:defRPr>
+            </a:lvl8pPr>
+            <a:lvl9pPr marL="3886200" indent="-228600" algn="l" defTabSz="914400" rtl="0" eaLnBrk="1" latinLnBrk="0" hangingPunct="1">
+              <a:lnSpc>
+                <a:spcPct val="90000"/>
+              </a:lnSpc>
+              <a:spcBef>
+                <a:spcPts val="500"/>
+              </a:spcBef>
+              <a:buFont typeface="Arial" panose="020B0604020202020204" pitchFamily="34" charset="0"/>
+              <a:buChar char="•"/>
+              <a:defRPr sz="1800" kern="1200">
+                <a:solidFill>
+                  <a:schemeClr val="tx1"/>
+                </a:solidFill>
+                <a:latin typeface="+mn-lt"/>
+                <a:ea typeface="+mn-ea"/>
+                <a:cs typeface="+mn-cs"/>
+              </a:defRPr>
+            </a:lvl9pPr>
+          </a:lstStyle>
+          <a:p>
+            <a:pPr marL="0" indent="0">
+              <a:buNone/>
+            </a:pPr>
             <a:r>
               <a:rPr lang="en-US" dirty="0">
                 <a:solidFill>
                   <a:srgbClr val="FF0000"/>
                 </a:solidFill>
               </a:rPr>
-              <a:t>Data Analytics</a:t>
+              <a:t>Keep</a:t>
+            </a:r>
+          </a:p>
+          <a:p>
+            <a:pPr marL="0" indent="0">
+              <a:buNone/>
+            </a:pPr>
+            <a:endParaRPr lang="en-US" dirty="0">
+              <a:solidFill>
+                <a:srgbClr val="FF0000"/>
+              </a:solidFill>
+            </a:endParaRPr>
+          </a:p>
+        </p:txBody>
+      </p:sp>
+      <p:sp>
+        <p:nvSpPr>
+          <p:cNvPr id="8" name="Content Placeholder 2">
+            <a:extLst>
+              <a:ext uri="{FF2B5EF4-FFF2-40B4-BE49-F238E27FC236}">
+                <a16:creationId xmlns:a16="http://schemas.microsoft.com/office/drawing/2014/main" id="{F99520BA-66EB-48DF-A1BB-3D0F0651163E}"/>
+              </a:ext>
+            </a:extLst>
+          </p:cNvPr>
+          <p:cNvSpPr txBox="1">
+            <a:spLocks/>
+          </p:cNvSpPr>
+          <p:nvPr/>
+        </p:nvSpPr>
+        <p:spPr>
+          <a:xfrm>
+            <a:off x="1984685" y="5115610"/>
+            <a:ext cx="1635796" cy="525411"/>
+          </a:xfrm>
+          <a:prstGeom prst="rect">
+            <a:avLst/>
+          </a:prstGeom>
+        </p:spPr>
+        <p:txBody>
+          <a:bodyPr vert="horz" lIns="91440" tIns="45720" rIns="91440" bIns="45720" rtlCol="0">
+            <a:noAutofit/>
+          </a:bodyPr>
+          <a:lstStyle>
+            <a:lvl1pPr marL="228600" indent="-228600" algn="l" defTabSz="914400" rtl="0" eaLnBrk="1" latinLnBrk="0" hangingPunct="1">
+              <a:lnSpc>
+                <a:spcPct val="90000"/>
+              </a:lnSpc>
+              <a:spcBef>
+                <a:spcPts val="1000"/>
+              </a:spcBef>
+              <a:buFont typeface="Arial" panose="020B0604020202020204" pitchFamily="34" charset="0"/>
+              <a:buChar char="•"/>
+              <a:defRPr sz="2800" kern="1200">
+                <a:solidFill>
+                  <a:schemeClr val="tx1"/>
+                </a:solidFill>
+                <a:latin typeface="+mn-lt"/>
+                <a:ea typeface="+mn-ea"/>
+                <a:cs typeface="+mn-cs"/>
+              </a:defRPr>
+            </a:lvl1pPr>
+            <a:lvl2pPr marL="685800" indent="-228600" algn="l" defTabSz="914400" rtl="0" eaLnBrk="1" latinLnBrk="0" hangingPunct="1">
+              <a:lnSpc>
+                <a:spcPct val="90000"/>
+              </a:lnSpc>
+              <a:spcBef>
+                <a:spcPts val="500"/>
+              </a:spcBef>
+              <a:buFont typeface="Arial" panose="020B0604020202020204" pitchFamily="34" charset="0"/>
+              <a:buChar char="•"/>
+              <a:defRPr sz="2400" kern="1200">
+                <a:solidFill>
+                  <a:schemeClr val="tx1"/>
+                </a:solidFill>
+                <a:latin typeface="+mn-lt"/>
+                <a:ea typeface="+mn-ea"/>
+                <a:cs typeface="+mn-cs"/>
+              </a:defRPr>
+            </a:lvl2pPr>
+            <a:lvl3pPr marL="1143000" indent="-228600" algn="l" defTabSz="914400" rtl="0" eaLnBrk="1" latinLnBrk="0" hangingPunct="1">
+              <a:lnSpc>
+                <a:spcPct val="90000"/>
+              </a:lnSpc>
+              <a:spcBef>
+                <a:spcPts val="500"/>
+              </a:spcBef>
+              <a:buFont typeface="Arial" panose="020B0604020202020204" pitchFamily="34" charset="0"/>
+              <a:buChar char="•"/>
+              <a:defRPr sz="2000" kern="1200">
+                <a:solidFill>
+                  <a:schemeClr val="tx1"/>
+                </a:solidFill>
+                <a:latin typeface="+mn-lt"/>
+                <a:ea typeface="+mn-ea"/>
+                <a:cs typeface="+mn-cs"/>
+              </a:defRPr>
+            </a:lvl3pPr>
+            <a:lvl4pPr marL="1600200" indent="-228600" algn="l" defTabSz="914400" rtl="0" eaLnBrk="1" latinLnBrk="0" hangingPunct="1">
+              <a:lnSpc>
+                <a:spcPct val="90000"/>
+              </a:lnSpc>
+              <a:spcBef>
+                <a:spcPts val="500"/>
+              </a:spcBef>
+              <a:buFont typeface="Arial" panose="020B0604020202020204" pitchFamily="34" charset="0"/>
+              <a:buChar char="•"/>
+              <a:defRPr sz="1800" kern="1200">
+                <a:solidFill>
+                  <a:schemeClr val="tx1"/>
+                </a:solidFill>
+                <a:latin typeface="+mn-lt"/>
+                <a:ea typeface="+mn-ea"/>
+                <a:cs typeface="+mn-cs"/>
+              </a:defRPr>
+            </a:lvl4pPr>
+            <a:lvl5pPr marL="2057400" indent="-228600" algn="l" defTabSz="914400" rtl="0" eaLnBrk="1" latinLnBrk="0" hangingPunct="1">
+              <a:lnSpc>
+                <a:spcPct val="90000"/>
+              </a:lnSpc>
+              <a:spcBef>
+                <a:spcPts val="500"/>
+              </a:spcBef>
+              <a:buFont typeface="Arial" panose="020B0604020202020204" pitchFamily="34" charset="0"/>
+              <a:buChar char="•"/>
+              <a:defRPr sz="1800" kern="1200">
+                <a:solidFill>
+                  <a:schemeClr val="tx1"/>
+                </a:solidFill>
+                <a:latin typeface="+mn-lt"/>
+                <a:ea typeface="+mn-ea"/>
+                <a:cs typeface="+mn-cs"/>
+              </a:defRPr>
+            </a:lvl5pPr>
+            <a:lvl6pPr marL="2514600" indent="-228600" algn="l" defTabSz="914400" rtl="0" eaLnBrk="1" latinLnBrk="0" hangingPunct="1">
+              <a:lnSpc>
+                <a:spcPct val="90000"/>
+              </a:lnSpc>
+              <a:spcBef>
+                <a:spcPts val="500"/>
+              </a:spcBef>
+              <a:buFont typeface="Arial" panose="020B0604020202020204" pitchFamily="34" charset="0"/>
+              <a:buChar char="•"/>
+              <a:defRPr sz="1800" kern="1200">
+                <a:solidFill>
+                  <a:schemeClr val="tx1"/>
+                </a:solidFill>
+                <a:latin typeface="+mn-lt"/>
+                <a:ea typeface="+mn-ea"/>
+                <a:cs typeface="+mn-cs"/>
+              </a:defRPr>
+            </a:lvl6pPr>
+            <a:lvl7pPr marL="2971800" indent="-228600" algn="l" defTabSz="914400" rtl="0" eaLnBrk="1" latinLnBrk="0" hangingPunct="1">
+              <a:lnSpc>
+                <a:spcPct val="90000"/>
+              </a:lnSpc>
+              <a:spcBef>
+                <a:spcPts val="500"/>
+              </a:spcBef>
+              <a:buFont typeface="Arial" panose="020B0604020202020204" pitchFamily="34" charset="0"/>
+              <a:buChar char="•"/>
+              <a:defRPr sz="1800" kern="1200">
+                <a:solidFill>
+                  <a:schemeClr val="tx1"/>
+                </a:solidFill>
+                <a:latin typeface="+mn-lt"/>
+                <a:ea typeface="+mn-ea"/>
+                <a:cs typeface="+mn-cs"/>
+              </a:defRPr>
+            </a:lvl7pPr>
+            <a:lvl8pPr marL="3429000" indent="-228600" algn="l" defTabSz="914400" rtl="0" eaLnBrk="1" latinLnBrk="0" hangingPunct="1">
+              <a:lnSpc>
+                <a:spcPct val="90000"/>
+              </a:lnSpc>
+              <a:spcBef>
+                <a:spcPts val="500"/>
+              </a:spcBef>
+              <a:buFont typeface="Arial" panose="020B0604020202020204" pitchFamily="34" charset="0"/>
+              <a:buChar char="•"/>
+              <a:defRPr sz="1800" kern="1200">
+                <a:solidFill>
+                  <a:schemeClr val="tx1"/>
+                </a:solidFill>
+                <a:latin typeface="+mn-lt"/>
+                <a:ea typeface="+mn-ea"/>
+                <a:cs typeface="+mn-cs"/>
+              </a:defRPr>
+            </a:lvl8pPr>
+            <a:lvl9pPr marL="3886200" indent="-228600" algn="l" defTabSz="914400" rtl="0" eaLnBrk="1" latinLnBrk="0" hangingPunct="1">
+              <a:lnSpc>
+                <a:spcPct val="90000"/>
+              </a:lnSpc>
+              <a:spcBef>
+                <a:spcPts val="500"/>
+              </a:spcBef>
+              <a:buFont typeface="Arial" panose="020B0604020202020204" pitchFamily="34" charset="0"/>
+              <a:buChar char="•"/>
+              <a:defRPr sz="1800" kern="1200">
+                <a:solidFill>
+                  <a:schemeClr val="tx1"/>
+                </a:solidFill>
+                <a:latin typeface="+mn-lt"/>
+                <a:ea typeface="+mn-ea"/>
+                <a:cs typeface="+mn-cs"/>
+              </a:defRPr>
+            </a:lvl9pPr>
+          </a:lstStyle>
+          <a:p>
+            <a:pPr marL="0" indent="0">
+              <a:buNone/>
+            </a:pPr>
+            <a:r>
+              <a:rPr lang="en-US" dirty="0">
+                <a:solidFill>
+                  <a:srgbClr val="FF0000"/>
+                </a:solidFill>
+              </a:rPr>
+              <a:t>Evernote</a:t>
+            </a:r>
+          </a:p>
+          <a:p>
+            <a:pPr marL="0" indent="0">
+              <a:buNone/>
+            </a:pPr>
+            <a:endParaRPr lang="en-US" dirty="0">
+              <a:solidFill>
+                <a:srgbClr val="FF0000"/>
+              </a:solidFill>
+            </a:endParaRPr>
+          </a:p>
+        </p:txBody>
+      </p:sp>
+      <p:sp>
+        <p:nvSpPr>
+          <p:cNvPr id="9" name="Content Placeholder 2">
+            <a:extLst>
+              <a:ext uri="{FF2B5EF4-FFF2-40B4-BE49-F238E27FC236}">
+                <a16:creationId xmlns:a16="http://schemas.microsoft.com/office/drawing/2014/main" id="{CA99A5A1-068F-43ED-8C59-E74C04C60285}"/>
+              </a:ext>
+            </a:extLst>
+          </p:cNvPr>
+          <p:cNvSpPr txBox="1">
+            <a:spLocks/>
+          </p:cNvSpPr>
+          <p:nvPr/>
+        </p:nvSpPr>
+        <p:spPr>
+          <a:xfrm>
+            <a:off x="8661171" y="5109326"/>
+            <a:ext cx="1715384" cy="496009"/>
+          </a:xfrm>
+          <a:prstGeom prst="rect">
+            <a:avLst/>
+          </a:prstGeom>
+        </p:spPr>
+        <p:txBody>
+          <a:bodyPr vert="horz" lIns="91440" tIns="45720" rIns="91440" bIns="45720" rtlCol="0">
+            <a:noAutofit/>
+          </a:bodyPr>
+          <a:lstStyle>
+            <a:lvl1pPr marL="228600" indent="-228600" algn="l" defTabSz="914400" rtl="0" eaLnBrk="1" latinLnBrk="0" hangingPunct="1">
+              <a:lnSpc>
+                <a:spcPct val="90000"/>
+              </a:lnSpc>
+              <a:spcBef>
+                <a:spcPts val="1000"/>
+              </a:spcBef>
+              <a:buFont typeface="Arial" panose="020B0604020202020204" pitchFamily="34" charset="0"/>
+              <a:buChar char="•"/>
+              <a:defRPr sz="2800" kern="1200">
+                <a:solidFill>
+                  <a:schemeClr val="tx1"/>
+                </a:solidFill>
+                <a:latin typeface="+mn-lt"/>
+                <a:ea typeface="+mn-ea"/>
+                <a:cs typeface="+mn-cs"/>
+              </a:defRPr>
+            </a:lvl1pPr>
+            <a:lvl2pPr marL="685800" indent="-228600" algn="l" defTabSz="914400" rtl="0" eaLnBrk="1" latinLnBrk="0" hangingPunct="1">
+              <a:lnSpc>
+                <a:spcPct val="90000"/>
+              </a:lnSpc>
+              <a:spcBef>
+                <a:spcPts val="500"/>
+              </a:spcBef>
+              <a:buFont typeface="Arial" panose="020B0604020202020204" pitchFamily="34" charset="0"/>
+              <a:buChar char="•"/>
+              <a:defRPr sz="2400" kern="1200">
+                <a:solidFill>
+                  <a:schemeClr val="tx1"/>
+                </a:solidFill>
+                <a:latin typeface="+mn-lt"/>
+                <a:ea typeface="+mn-ea"/>
+                <a:cs typeface="+mn-cs"/>
+              </a:defRPr>
+            </a:lvl2pPr>
+            <a:lvl3pPr marL="1143000" indent="-228600" algn="l" defTabSz="914400" rtl="0" eaLnBrk="1" latinLnBrk="0" hangingPunct="1">
+              <a:lnSpc>
+                <a:spcPct val="90000"/>
+              </a:lnSpc>
+              <a:spcBef>
+                <a:spcPts val="500"/>
+              </a:spcBef>
+              <a:buFont typeface="Arial" panose="020B0604020202020204" pitchFamily="34" charset="0"/>
+              <a:buChar char="•"/>
+              <a:defRPr sz="2000" kern="1200">
+                <a:solidFill>
+                  <a:schemeClr val="tx1"/>
+                </a:solidFill>
+                <a:latin typeface="+mn-lt"/>
+                <a:ea typeface="+mn-ea"/>
+                <a:cs typeface="+mn-cs"/>
+              </a:defRPr>
+            </a:lvl3pPr>
+            <a:lvl4pPr marL="1600200" indent="-228600" algn="l" defTabSz="914400" rtl="0" eaLnBrk="1" latinLnBrk="0" hangingPunct="1">
+              <a:lnSpc>
+                <a:spcPct val="90000"/>
+              </a:lnSpc>
+              <a:spcBef>
+                <a:spcPts val="500"/>
+              </a:spcBef>
+              <a:buFont typeface="Arial" panose="020B0604020202020204" pitchFamily="34" charset="0"/>
+              <a:buChar char="•"/>
+              <a:defRPr sz="1800" kern="1200">
+                <a:solidFill>
+                  <a:schemeClr val="tx1"/>
+                </a:solidFill>
+                <a:latin typeface="+mn-lt"/>
+                <a:ea typeface="+mn-ea"/>
+                <a:cs typeface="+mn-cs"/>
+              </a:defRPr>
+            </a:lvl4pPr>
+            <a:lvl5pPr marL="2057400" indent="-228600" algn="l" defTabSz="914400" rtl="0" eaLnBrk="1" latinLnBrk="0" hangingPunct="1">
+              <a:lnSpc>
+                <a:spcPct val="90000"/>
+              </a:lnSpc>
+              <a:spcBef>
+                <a:spcPts val="500"/>
+              </a:spcBef>
+              <a:buFont typeface="Arial" panose="020B0604020202020204" pitchFamily="34" charset="0"/>
+              <a:buChar char="•"/>
+              <a:defRPr sz="1800" kern="1200">
+                <a:solidFill>
+                  <a:schemeClr val="tx1"/>
+                </a:solidFill>
+                <a:latin typeface="+mn-lt"/>
+                <a:ea typeface="+mn-ea"/>
+                <a:cs typeface="+mn-cs"/>
+              </a:defRPr>
+            </a:lvl5pPr>
+            <a:lvl6pPr marL="2514600" indent="-228600" algn="l" defTabSz="914400" rtl="0" eaLnBrk="1" latinLnBrk="0" hangingPunct="1">
+              <a:lnSpc>
+                <a:spcPct val="90000"/>
+              </a:lnSpc>
+              <a:spcBef>
+                <a:spcPts val="500"/>
+              </a:spcBef>
+              <a:buFont typeface="Arial" panose="020B0604020202020204" pitchFamily="34" charset="0"/>
+              <a:buChar char="•"/>
+              <a:defRPr sz="1800" kern="1200">
+                <a:solidFill>
+                  <a:schemeClr val="tx1"/>
+                </a:solidFill>
+                <a:latin typeface="+mn-lt"/>
+                <a:ea typeface="+mn-ea"/>
+                <a:cs typeface="+mn-cs"/>
+              </a:defRPr>
+            </a:lvl6pPr>
+            <a:lvl7pPr marL="2971800" indent="-228600" algn="l" defTabSz="914400" rtl="0" eaLnBrk="1" latinLnBrk="0" hangingPunct="1">
+              <a:lnSpc>
+                <a:spcPct val="90000"/>
+              </a:lnSpc>
+              <a:spcBef>
+                <a:spcPts val="500"/>
+              </a:spcBef>
+              <a:buFont typeface="Arial" panose="020B0604020202020204" pitchFamily="34" charset="0"/>
+              <a:buChar char="•"/>
+              <a:defRPr sz="1800" kern="1200">
+                <a:solidFill>
+                  <a:schemeClr val="tx1"/>
+                </a:solidFill>
+                <a:latin typeface="+mn-lt"/>
+                <a:ea typeface="+mn-ea"/>
+                <a:cs typeface="+mn-cs"/>
+              </a:defRPr>
+            </a:lvl7pPr>
+            <a:lvl8pPr marL="3429000" indent="-228600" algn="l" defTabSz="914400" rtl="0" eaLnBrk="1" latinLnBrk="0" hangingPunct="1">
+              <a:lnSpc>
+                <a:spcPct val="90000"/>
+              </a:lnSpc>
+              <a:spcBef>
+                <a:spcPts val="500"/>
+              </a:spcBef>
+              <a:buFont typeface="Arial" panose="020B0604020202020204" pitchFamily="34" charset="0"/>
+              <a:buChar char="•"/>
+              <a:defRPr sz="1800" kern="1200">
+                <a:solidFill>
+                  <a:schemeClr val="tx1"/>
+                </a:solidFill>
+                <a:latin typeface="+mn-lt"/>
+                <a:ea typeface="+mn-ea"/>
+                <a:cs typeface="+mn-cs"/>
+              </a:defRPr>
+            </a:lvl8pPr>
+            <a:lvl9pPr marL="3886200" indent="-228600" algn="l" defTabSz="914400" rtl="0" eaLnBrk="1" latinLnBrk="0" hangingPunct="1">
+              <a:lnSpc>
+                <a:spcPct val="90000"/>
+              </a:lnSpc>
+              <a:spcBef>
+                <a:spcPts val="500"/>
+              </a:spcBef>
+              <a:buFont typeface="Arial" panose="020B0604020202020204" pitchFamily="34" charset="0"/>
+              <a:buChar char="•"/>
+              <a:defRPr sz="1800" kern="1200">
+                <a:solidFill>
+                  <a:schemeClr val="tx1"/>
+                </a:solidFill>
+                <a:latin typeface="+mn-lt"/>
+                <a:ea typeface="+mn-ea"/>
+                <a:cs typeface="+mn-cs"/>
+              </a:defRPr>
+            </a:lvl9pPr>
+          </a:lstStyle>
+          <a:p>
+            <a:pPr marL="0" indent="0">
+              <a:buNone/>
+            </a:pPr>
+            <a:r>
+              <a:rPr lang="en-US" dirty="0">
+                <a:solidFill>
+                  <a:srgbClr val="FF0000"/>
+                </a:solidFill>
+              </a:rPr>
+              <a:t>One Note</a:t>
             </a:r>
           </a:p>
         </p:txBody>
@@ -6479,7 +7868,7 @@
     </p:spTree>
     <p:extLst>
       <p:ext uri="{BB962C8B-B14F-4D97-AF65-F5344CB8AC3E}">
-        <p14:creationId xmlns:p14="http://schemas.microsoft.com/office/powerpoint/2010/main" val="3483091092"/>
+        <p14:creationId xmlns:p14="http://schemas.microsoft.com/office/powerpoint/2010/main" val="2406823709"/>
       </p:ext>
     </p:extLst>
   </p:cSld>
@@ -6506,82 +7895,1229 @@
           <a:chExt cx="0" cy="0"/>
         </a:xfrm>
       </p:grpSpPr>
-      <p:pic>
-        <p:nvPicPr>
-          <p:cNvPr id="4" name="Picture 3">
-            <a:extLst>
-              <a:ext uri="{FF2B5EF4-FFF2-40B4-BE49-F238E27FC236}">
-                <a16:creationId xmlns:a16="http://schemas.microsoft.com/office/drawing/2014/main" id="{9FC8B44A-54EB-4F86-A5CB-75383BF6DAC7}"/>
-              </a:ext>
-            </a:extLst>
-          </p:cNvPr>
-          <p:cNvPicPr>
-            <a:picLocks noChangeAspect="1"/>
-          </p:cNvPicPr>
-          <p:nvPr/>
-        </p:nvPicPr>
-        <p:blipFill>
-          <a:blip r:embed="rId2">
-            <a:extLst>
-              <a:ext uri="{28A0092B-C50C-407E-A947-70E740481C1C}">
-                <a14:useLocalDpi xmlns:a14="http://schemas.microsoft.com/office/drawing/2010/main" val="0"/>
-              </a:ext>
-            </a:extLst>
-          </a:blip>
-          <a:stretch>
-            <a:fillRect/>
-          </a:stretch>
-        </p:blipFill>
-        <p:spPr>
-          <a:xfrm>
-            <a:off x="4053350" y="1746202"/>
-            <a:ext cx="4972577" cy="2735160"/>
-          </a:xfrm>
-          <a:prstGeom prst="rect">
-            <a:avLst/>
-          </a:prstGeom>
-        </p:spPr>
-      </p:pic>
-      <p:pic>
-        <p:nvPicPr>
-          <p:cNvPr id="6" name="Picture 5">
-            <a:extLst>
-              <a:ext uri="{FF2B5EF4-FFF2-40B4-BE49-F238E27FC236}">
-                <a16:creationId xmlns:a16="http://schemas.microsoft.com/office/drawing/2014/main" id="{B2EB90D6-F608-44F5-967B-8075BE9A67FB}"/>
-              </a:ext>
-            </a:extLst>
-          </p:cNvPr>
-          <p:cNvPicPr>
-            <a:picLocks noChangeAspect="1"/>
-          </p:cNvPicPr>
-          <p:nvPr/>
-        </p:nvPicPr>
-        <p:blipFill>
-          <a:blip r:embed="rId3">
-            <a:extLst>
-              <a:ext uri="{28A0092B-C50C-407E-A947-70E740481C1C}">
-                <a14:useLocalDpi xmlns:a14="http://schemas.microsoft.com/office/drawing/2010/main" val="0"/>
-              </a:ext>
-            </a:extLst>
-          </a:blip>
-          <a:stretch>
-            <a:fillRect/>
-          </a:stretch>
-        </p:blipFill>
-        <p:spPr>
-          <a:xfrm>
-            <a:off x="5195887" y="2713732"/>
-            <a:ext cx="1800225" cy="800100"/>
-          </a:xfrm>
-          <a:prstGeom prst="rect">
-            <a:avLst/>
-          </a:prstGeom>
-        </p:spPr>
-      </p:pic>
+      <p:sp>
+        <p:nvSpPr>
+          <p:cNvPr id="2" name="Title 1">
+            <a:extLst>
+              <a:ext uri="{FF2B5EF4-FFF2-40B4-BE49-F238E27FC236}">
+                <a16:creationId xmlns:a16="http://schemas.microsoft.com/office/drawing/2014/main" id="{077206BD-39B0-4742-89CA-464CC87C1139}"/>
+              </a:ext>
+            </a:extLst>
+          </p:cNvPr>
+          <p:cNvSpPr>
+            <a:spLocks noGrp="1"/>
+          </p:cNvSpPr>
+          <p:nvPr>
+            <p:ph type="title"/>
+          </p:nvPr>
+        </p:nvSpPr>
+        <p:spPr/>
+        <p:txBody>
+          <a:bodyPr/>
+          <a:lstStyle/>
+          <a:p>
+            <a:r>
+              <a:rPr lang="en-US" dirty="0">
+                <a:solidFill>
+                  <a:srgbClr val="FF0000"/>
+                </a:solidFill>
+              </a:rPr>
+              <a:t>Key differentiations </a:t>
+            </a:r>
+          </a:p>
+        </p:txBody>
+      </p:sp>
+      <p:sp>
+        <p:nvSpPr>
+          <p:cNvPr id="3" name="Content Placeholder 2">
+            <a:extLst>
+              <a:ext uri="{FF2B5EF4-FFF2-40B4-BE49-F238E27FC236}">
+                <a16:creationId xmlns:a16="http://schemas.microsoft.com/office/drawing/2014/main" id="{ABDE4733-6A89-46A3-9DC4-3001244681AC}"/>
+              </a:ext>
+            </a:extLst>
+          </p:cNvPr>
+          <p:cNvSpPr>
+            <a:spLocks noGrp="1"/>
+          </p:cNvSpPr>
+          <p:nvPr>
+            <p:ph idx="1"/>
+          </p:nvPr>
+        </p:nvSpPr>
+        <p:spPr/>
+        <p:txBody>
+          <a:bodyPr/>
+          <a:lstStyle/>
+          <a:p>
+            <a:r>
+              <a:rPr lang="en-US" dirty="0">
+                <a:solidFill>
+                  <a:srgbClr val="FF0000"/>
+                </a:solidFill>
+              </a:rPr>
+              <a:t>Unique Tag functionality</a:t>
+            </a:r>
+          </a:p>
+          <a:p>
+            <a:r>
+              <a:rPr lang="en-US" dirty="0">
+                <a:solidFill>
+                  <a:srgbClr val="FF0000"/>
+                </a:solidFill>
+              </a:rPr>
+              <a:t>Adding informatic features</a:t>
+            </a:r>
+          </a:p>
+          <a:p>
+            <a:r>
+              <a:rPr lang="en-US" dirty="0">
+                <a:solidFill>
+                  <a:srgbClr val="FF0000"/>
+                </a:solidFill>
+              </a:rPr>
+              <a:t>Applying data analytical insights</a:t>
+            </a:r>
+          </a:p>
+          <a:p>
+            <a:r>
+              <a:rPr lang="en-US" dirty="0">
+                <a:solidFill>
+                  <a:srgbClr val="FF0000"/>
+                </a:solidFill>
+              </a:rPr>
+              <a:t>Sustainable revenue streams</a:t>
+            </a:r>
+          </a:p>
+          <a:p>
+            <a:r>
+              <a:rPr lang="en-US" dirty="0">
+                <a:solidFill>
+                  <a:srgbClr val="FF0000"/>
+                </a:solidFill>
+              </a:rPr>
+              <a:t>Appealing aesthetics for target group </a:t>
+            </a:r>
+          </a:p>
+          <a:p>
+            <a:endParaRPr lang="en-US" dirty="0">
+              <a:solidFill>
+                <a:srgbClr val="FF0000"/>
+              </a:solidFill>
+            </a:endParaRPr>
+          </a:p>
+          <a:p>
+            <a:pPr marL="0" indent="0">
+              <a:buNone/>
+            </a:pPr>
+            <a:endParaRPr lang="en-US" dirty="0">
+              <a:solidFill>
+                <a:srgbClr val="FF0000"/>
+              </a:solidFill>
+            </a:endParaRPr>
+          </a:p>
+          <a:p>
+            <a:endParaRPr lang="en-US" dirty="0">
+              <a:solidFill>
+                <a:srgbClr val="FF0000"/>
+              </a:solidFill>
+            </a:endParaRPr>
+          </a:p>
+        </p:txBody>
+      </p:sp>
     </p:spTree>
     <p:extLst>
       <p:ext uri="{BB962C8B-B14F-4D97-AF65-F5344CB8AC3E}">
-        <p14:creationId xmlns:p14="http://schemas.microsoft.com/office/powerpoint/2010/main" val="1271669789"/>
+        <p14:creationId xmlns:p14="http://schemas.microsoft.com/office/powerpoint/2010/main" val="3211421509"/>
+      </p:ext>
+    </p:extLst>
+  </p:cSld>
+  <p:clrMapOvr>
+    <a:masterClrMapping/>
+  </p:clrMapOvr>
+</p:sld>
+</file>
+
+<file path=ppt/slides/slide8.xml><?xml version="1.0" encoding="utf-8"?>
+<p:sld xmlns:a="http://schemas.openxmlformats.org/drawingml/2006/main" xmlns:r="http://schemas.openxmlformats.org/officeDocument/2006/relationships" xmlns:p="http://schemas.openxmlformats.org/presentationml/2006/main">
+  <p:cSld>
+    <p:spTree>
+      <p:nvGrpSpPr>
+        <p:cNvPr id="1" name=""/>
+        <p:cNvGrpSpPr/>
+        <p:nvPr/>
+      </p:nvGrpSpPr>
+      <p:grpSpPr>
+        <a:xfrm>
+          <a:off x="0" y="0"/>
+          <a:ext cx="0" cy="0"/>
+          <a:chOff x="0" y="0"/>
+          <a:chExt cx="0" cy="0"/>
+        </a:xfrm>
+      </p:grpSpPr>
+      <p:sp>
+        <p:nvSpPr>
+          <p:cNvPr id="2" name="Title 1">
+            <a:extLst>
+              <a:ext uri="{FF2B5EF4-FFF2-40B4-BE49-F238E27FC236}">
+                <a16:creationId xmlns:a16="http://schemas.microsoft.com/office/drawing/2014/main" id="{077206BD-39B0-4742-89CA-464CC87C1139}"/>
+              </a:ext>
+            </a:extLst>
+          </p:cNvPr>
+          <p:cNvSpPr>
+            <a:spLocks noGrp="1"/>
+          </p:cNvSpPr>
+          <p:nvPr>
+            <p:ph type="title"/>
+          </p:nvPr>
+        </p:nvSpPr>
+        <p:spPr/>
+        <p:txBody>
+          <a:bodyPr/>
+          <a:lstStyle/>
+          <a:p>
+            <a:r>
+              <a:rPr lang="en-US" dirty="0">
+                <a:solidFill>
+                  <a:srgbClr val="FF0000"/>
+                </a:solidFill>
+              </a:rPr>
+              <a:t>Supply &amp; Demand</a:t>
+            </a:r>
+          </a:p>
+        </p:txBody>
+      </p:sp>
+      <p:sp>
+        <p:nvSpPr>
+          <p:cNvPr id="3" name="Content Placeholder 2">
+            <a:extLst>
+              <a:ext uri="{FF2B5EF4-FFF2-40B4-BE49-F238E27FC236}">
+                <a16:creationId xmlns:a16="http://schemas.microsoft.com/office/drawing/2014/main" id="{ABDE4733-6A89-46A3-9DC4-3001244681AC}"/>
+              </a:ext>
+            </a:extLst>
+          </p:cNvPr>
+          <p:cNvSpPr>
+            <a:spLocks noGrp="1"/>
+          </p:cNvSpPr>
+          <p:nvPr>
+            <p:ph idx="1"/>
+          </p:nvPr>
+        </p:nvSpPr>
+        <p:spPr/>
+        <p:txBody>
+          <a:bodyPr/>
+          <a:lstStyle/>
+          <a:p>
+            <a:r>
+              <a:rPr lang="en-US" dirty="0">
+                <a:solidFill>
+                  <a:srgbClr val="FF0000"/>
+                </a:solidFill>
+              </a:rPr>
+              <a:t>There are 2.53 billon smartphone users worldwide</a:t>
+            </a:r>
+          </a:p>
+          <a:p>
+            <a:r>
+              <a:rPr lang="en-US" dirty="0">
+                <a:solidFill>
+                  <a:srgbClr val="FF0000"/>
+                </a:solidFill>
+              </a:rPr>
+              <a:t>Approximately 25% of them uses a memo application</a:t>
+            </a:r>
+          </a:p>
+          <a:p>
+            <a:r>
+              <a:rPr lang="en-US" dirty="0">
+                <a:solidFill>
+                  <a:srgbClr val="FF0000"/>
+                </a:solidFill>
+              </a:rPr>
+              <a:t>The total market is therefore 632.5 million customers</a:t>
+            </a:r>
+          </a:p>
+          <a:p>
+            <a:r>
+              <a:rPr lang="en-US" dirty="0">
+                <a:solidFill>
+                  <a:srgbClr val="FF0000"/>
+                </a:solidFill>
+              </a:rPr>
+              <a:t>The application is free and distributed on Android &amp; iOS</a:t>
+            </a:r>
+          </a:p>
+          <a:p>
+            <a:pPr marL="0" indent="0">
+              <a:buNone/>
+            </a:pPr>
+            <a:endParaRPr lang="en-US" dirty="0">
+              <a:solidFill>
+                <a:srgbClr val="FF0000"/>
+              </a:solidFill>
+            </a:endParaRPr>
+          </a:p>
+          <a:p>
+            <a:endParaRPr lang="en-US" dirty="0">
+              <a:solidFill>
+                <a:srgbClr val="FF0000"/>
+              </a:solidFill>
+            </a:endParaRPr>
+          </a:p>
+        </p:txBody>
+      </p:sp>
+    </p:spTree>
+    <p:extLst>
+      <p:ext uri="{BB962C8B-B14F-4D97-AF65-F5344CB8AC3E}">
+        <p14:creationId xmlns:p14="http://schemas.microsoft.com/office/powerpoint/2010/main" val="2477630223"/>
+      </p:ext>
+    </p:extLst>
+  </p:cSld>
+  <p:clrMapOvr>
+    <a:masterClrMapping/>
+  </p:clrMapOvr>
+</p:sld>
+</file>
+
+<file path=ppt/slides/slide9.xml><?xml version="1.0" encoding="utf-8"?>
+<p:sld xmlns:a="http://schemas.openxmlformats.org/drawingml/2006/main" xmlns:r="http://schemas.openxmlformats.org/officeDocument/2006/relationships" xmlns:p="http://schemas.openxmlformats.org/presentationml/2006/main">
+  <p:cSld>
+    <p:spTree>
+      <p:nvGrpSpPr>
+        <p:cNvPr id="1" name=""/>
+        <p:cNvGrpSpPr/>
+        <p:nvPr/>
+      </p:nvGrpSpPr>
+      <p:grpSpPr>
+        <a:xfrm>
+          <a:off x="0" y="0"/>
+          <a:ext cx="0" cy="0"/>
+          <a:chOff x="0" y="0"/>
+          <a:chExt cx="0" cy="0"/>
+        </a:xfrm>
+      </p:grpSpPr>
+      <p:sp>
+        <p:nvSpPr>
+          <p:cNvPr id="2" name="Title 1">
+            <a:extLst>
+              <a:ext uri="{FF2B5EF4-FFF2-40B4-BE49-F238E27FC236}">
+                <a16:creationId xmlns:a16="http://schemas.microsoft.com/office/drawing/2014/main" id="{8A535FED-BEBE-4B6E-9218-48C949B79F1C}"/>
+              </a:ext>
+            </a:extLst>
+          </p:cNvPr>
+          <p:cNvSpPr>
+            <a:spLocks noGrp="1"/>
+          </p:cNvSpPr>
+          <p:nvPr>
+            <p:ph type="title"/>
+          </p:nvPr>
+        </p:nvSpPr>
+        <p:spPr/>
+        <p:txBody>
+          <a:bodyPr/>
+          <a:lstStyle/>
+          <a:p>
+            <a:r>
+              <a:rPr lang="en-US" dirty="0">
+                <a:solidFill>
+                  <a:srgbClr val="FF0000"/>
+                </a:solidFill>
+              </a:rPr>
+              <a:t>Technical specifications</a:t>
+            </a:r>
+          </a:p>
+        </p:txBody>
+      </p:sp>
+      <p:graphicFrame>
+        <p:nvGraphicFramePr>
+          <p:cNvPr id="4" name="Content Placeholder 3">
+            <a:extLst>
+              <a:ext uri="{FF2B5EF4-FFF2-40B4-BE49-F238E27FC236}">
+                <a16:creationId xmlns:a16="http://schemas.microsoft.com/office/drawing/2014/main" id="{249BA5CA-D25D-4546-AD70-77F89EC31297}"/>
+              </a:ext>
+            </a:extLst>
+          </p:cNvPr>
+          <p:cNvGraphicFramePr>
+            <a:graphicFrameLocks noGrp="1"/>
+          </p:cNvGraphicFramePr>
+          <p:nvPr>
+            <p:ph idx="1"/>
+            <p:extLst>
+              <p:ext uri="{D42A27DB-BD31-4B8C-83A1-F6EECF244321}">
+                <p14:modId xmlns:p14="http://schemas.microsoft.com/office/powerpoint/2010/main" val="2357746335"/>
+              </p:ext>
+            </p:extLst>
+          </p:nvPr>
+        </p:nvGraphicFramePr>
+        <p:xfrm>
+          <a:off x="1460370" y="2325246"/>
+          <a:ext cx="1942707" cy="2595880"/>
+        </p:xfrm>
+        <a:graphic>
+          <a:graphicData uri="http://schemas.openxmlformats.org/drawingml/2006/table">
+            <a:tbl>
+              <a:tblPr firstRow="1" bandRow="1">
+                <a:tableStyleId>{5940675A-B579-460E-94D1-54222C63F5DA}</a:tableStyleId>
+              </a:tblPr>
+              <a:tblGrid>
+                <a:gridCol w="1942707">
+                  <a:extLst>
+                    <a:ext uri="{9D8B030D-6E8A-4147-A177-3AD203B41FA5}">
+                      <a16:colId xmlns:a16="http://schemas.microsoft.com/office/drawing/2014/main" val="1404436280"/>
+                    </a:ext>
+                  </a:extLst>
+                </a:gridCol>
+              </a:tblGrid>
+              <a:tr h="370840">
+                <a:tc>
+                  <a:txBody>
+                    <a:bodyPr/>
+                    <a:lstStyle/>
+                    <a:p>
+                      <a:r>
+                        <a:rPr lang="en-US" b="1" dirty="0"/>
+                        <a:t>User</a:t>
+                      </a:r>
+                    </a:p>
+                  </a:txBody>
+                  <a:tcPr/>
+                </a:tc>
+                <a:extLst>
+                  <a:ext uri="{0D108BD9-81ED-4DB2-BD59-A6C34878D82A}">
+                    <a16:rowId xmlns:a16="http://schemas.microsoft.com/office/drawing/2014/main" val="3183712289"/>
+                  </a:ext>
+                </a:extLst>
+              </a:tr>
+              <a:tr h="370840">
+                <a:tc>
+                  <a:txBody>
+                    <a:bodyPr/>
+                    <a:lstStyle/>
+                    <a:p>
+                      <a:r>
+                        <a:rPr lang="en-US" dirty="0"/>
+                        <a:t>user_ID (pk)</a:t>
+                      </a:r>
+                    </a:p>
+                  </a:txBody>
+                  <a:tcPr/>
+                </a:tc>
+                <a:extLst>
+                  <a:ext uri="{0D108BD9-81ED-4DB2-BD59-A6C34878D82A}">
+                    <a16:rowId xmlns:a16="http://schemas.microsoft.com/office/drawing/2014/main" val="2393649828"/>
+                  </a:ext>
+                </a:extLst>
+              </a:tr>
+              <a:tr h="370840">
+                <a:tc>
+                  <a:txBody>
+                    <a:bodyPr/>
+                    <a:lstStyle/>
+                    <a:p>
+                      <a:r>
+                        <a:rPr lang="en-US" dirty="0"/>
+                        <a:t>firstName</a:t>
+                      </a:r>
+                    </a:p>
+                  </a:txBody>
+                  <a:tcPr/>
+                </a:tc>
+                <a:extLst>
+                  <a:ext uri="{0D108BD9-81ED-4DB2-BD59-A6C34878D82A}">
+                    <a16:rowId xmlns:a16="http://schemas.microsoft.com/office/drawing/2014/main" val="2948983468"/>
+                  </a:ext>
+                </a:extLst>
+              </a:tr>
+              <a:tr h="370840">
+                <a:tc>
+                  <a:txBody>
+                    <a:bodyPr/>
+                    <a:lstStyle/>
+                    <a:p>
+                      <a:r>
+                        <a:rPr lang="en-US" dirty="0"/>
+                        <a:t>lastName</a:t>
+                      </a:r>
+                    </a:p>
+                  </a:txBody>
+                  <a:tcPr/>
+                </a:tc>
+                <a:extLst>
+                  <a:ext uri="{0D108BD9-81ED-4DB2-BD59-A6C34878D82A}">
+                    <a16:rowId xmlns:a16="http://schemas.microsoft.com/office/drawing/2014/main" val="3951935111"/>
+                  </a:ext>
+                </a:extLst>
+              </a:tr>
+              <a:tr h="370840">
+                <a:tc>
+                  <a:txBody>
+                    <a:bodyPr/>
+                    <a:lstStyle/>
+                    <a:p>
+                      <a:r>
+                        <a:rPr lang="en-US" dirty="0"/>
+                        <a:t>email</a:t>
+                      </a:r>
+                    </a:p>
+                  </a:txBody>
+                  <a:tcPr/>
+                </a:tc>
+                <a:extLst>
+                  <a:ext uri="{0D108BD9-81ED-4DB2-BD59-A6C34878D82A}">
+                    <a16:rowId xmlns:a16="http://schemas.microsoft.com/office/drawing/2014/main" val="3024732710"/>
+                  </a:ext>
+                </a:extLst>
+              </a:tr>
+              <a:tr h="370840">
+                <a:tc>
+                  <a:txBody>
+                    <a:bodyPr/>
+                    <a:lstStyle/>
+                    <a:p>
+                      <a:r>
+                        <a:rPr lang="en-US" dirty="0"/>
+                        <a:t>userName</a:t>
+                      </a:r>
+                    </a:p>
+                  </a:txBody>
+                  <a:tcPr/>
+                </a:tc>
+                <a:extLst>
+                  <a:ext uri="{0D108BD9-81ED-4DB2-BD59-A6C34878D82A}">
+                    <a16:rowId xmlns:a16="http://schemas.microsoft.com/office/drawing/2014/main" val="1174392768"/>
+                  </a:ext>
+                </a:extLst>
+              </a:tr>
+              <a:tr h="370840">
+                <a:tc>
+                  <a:txBody>
+                    <a:bodyPr/>
+                    <a:lstStyle/>
+                    <a:p>
+                      <a:r>
+                        <a:rPr lang="en-US" dirty="0"/>
+                        <a:t>password </a:t>
+                      </a:r>
+                    </a:p>
+                  </a:txBody>
+                  <a:tcPr/>
+                </a:tc>
+                <a:extLst>
+                  <a:ext uri="{0D108BD9-81ED-4DB2-BD59-A6C34878D82A}">
+                    <a16:rowId xmlns:a16="http://schemas.microsoft.com/office/drawing/2014/main" val="1787122442"/>
+                  </a:ext>
+                </a:extLst>
+              </a:tr>
+            </a:tbl>
+          </a:graphicData>
+        </a:graphic>
+      </p:graphicFrame>
+      <p:graphicFrame>
+        <p:nvGraphicFramePr>
+          <p:cNvPr id="5" name="Content Placeholder 3">
+            <a:extLst>
+              <a:ext uri="{FF2B5EF4-FFF2-40B4-BE49-F238E27FC236}">
+                <a16:creationId xmlns:a16="http://schemas.microsoft.com/office/drawing/2014/main" id="{47A690A1-9F5E-4DFC-921B-714CD1FC7625}"/>
+              </a:ext>
+            </a:extLst>
+          </p:cNvPr>
+          <p:cNvGraphicFramePr>
+            <a:graphicFrameLocks/>
+          </p:cNvGraphicFramePr>
+          <p:nvPr>
+            <p:extLst>
+              <p:ext uri="{D42A27DB-BD31-4B8C-83A1-F6EECF244321}">
+                <p14:modId xmlns:p14="http://schemas.microsoft.com/office/powerpoint/2010/main" val="3624909934"/>
+              </p:ext>
+            </p:extLst>
+          </p:nvPr>
+        </p:nvGraphicFramePr>
+        <p:xfrm>
+          <a:off x="4153293" y="2325246"/>
+          <a:ext cx="1942707" cy="1483360"/>
+        </p:xfrm>
+        <a:graphic>
+          <a:graphicData uri="http://schemas.openxmlformats.org/drawingml/2006/table">
+            <a:tbl>
+              <a:tblPr firstRow="1" bandRow="1">
+                <a:tableStyleId>{5940675A-B579-460E-94D1-54222C63F5DA}</a:tableStyleId>
+              </a:tblPr>
+              <a:tblGrid>
+                <a:gridCol w="1942707">
+                  <a:extLst>
+                    <a:ext uri="{9D8B030D-6E8A-4147-A177-3AD203B41FA5}">
+                      <a16:colId xmlns:a16="http://schemas.microsoft.com/office/drawing/2014/main" val="1404436280"/>
+                    </a:ext>
+                  </a:extLst>
+                </a:gridCol>
+              </a:tblGrid>
+              <a:tr h="370840">
+                <a:tc>
+                  <a:txBody>
+                    <a:bodyPr/>
+                    <a:lstStyle/>
+                    <a:p>
+                      <a:r>
+                        <a:rPr lang="en-US" b="1" dirty="0"/>
+                        <a:t>Item</a:t>
+                      </a:r>
+                    </a:p>
+                  </a:txBody>
+                  <a:tcPr/>
+                </a:tc>
+                <a:extLst>
+                  <a:ext uri="{0D108BD9-81ED-4DB2-BD59-A6C34878D82A}">
+                    <a16:rowId xmlns:a16="http://schemas.microsoft.com/office/drawing/2014/main" val="3183712289"/>
+                  </a:ext>
+                </a:extLst>
+              </a:tr>
+              <a:tr h="370840">
+                <a:tc>
+                  <a:txBody>
+                    <a:bodyPr/>
+                    <a:lstStyle/>
+                    <a:p>
+                      <a:r>
+                        <a:rPr lang="en-US" dirty="0"/>
+                        <a:t>item_ID (pk)</a:t>
+                      </a:r>
+                    </a:p>
+                  </a:txBody>
+                  <a:tcPr/>
+                </a:tc>
+                <a:extLst>
+                  <a:ext uri="{0D108BD9-81ED-4DB2-BD59-A6C34878D82A}">
+                    <a16:rowId xmlns:a16="http://schemas.microsoft.com/office/drawing/2014/main" val="2393649828"/>
+                  </a:ext>
+                </a:extLst>
+              </a:tr>
+              <a:tr h="370840">
+                <a:tc>
+                  <a:txBody>
+                    <a:bodyPr/>
+                    <a:lstStyle/>
+                    <a:p>
+                      <a:r>
+                        <a:rPr lang="en-US" dirty="0"/>
+                        <a:t>itemName</a:t>
+                      </a:r>
+                    </a:p>
+                  </a:txBody>
+                  <a:tcPr/>
+                </a:tc>
+                <a:extLst>
+                  <a:ext uri="{0D108BD9-81ED-4DB2-BD59-A6C34878D82A}">
+                    <a16:rowId xmlns:a16="http://schemas.microsoft.com/office/drawing/2014/main" val="2948983468"/>
+                  </a:ext>
+                </a:extLst>
+              </a:tr>
+              <a:tr h="370840">
+                <a:tc>
+                  <a:txBody>
+                    <a:bodyPr/>
+                    <a:lstStyle/>
+                    <a:p>
+                      <a:r>
+                        <a:rPr lang="en-US" dirty="0"/>
+                        <a:t>user_ID (fk)</a:t>
+                      </a:r>
+                    </a:p>
+                  </a:txBody>
+                  <a:tcPr/>
+                </a:tc>
+                <a:extLst>
+                  <a:ext uri="{0D108BD9-81ED-4DB2-BD59-A6C34878D82A}">
+                    <a16:rowId xmlns:a16="http://schemas.microsoft.com/office/drawing/2014/main" val="3951935111"/>
+                  </a:ext>
+                </a:extLst>
+              </a:tr>
+            </a:tbl>
+          </a:graphicData>
+        </a:graphic>
+      </p:graphicFrame>
+      <p:graphicFrame>
+        <p:nvGraphicFramePr>
+          <p:cNvPr id="6" name="Content Placeholder 3">
+            <a:extLst>
+              <a:ext uri="{FF2B5EF4-FFF2-40B4-BE49-F238E27FC236}">
+                <a16:creationId xmlns:a16="http://schemas.microsoft.com/office/drawing/2014/main" id="{A9806D60-7D89-4D25-A7FB-8B504C51B6DC}"/>
+              </a:ext>
+            </a:extLst>
+          </p:cNvPr>
+          <p:cNvGraphicFramePr>
+            <a:graphicFrameLocks/>
+          </p:cNvGraphicFramePr>
+          <p:nvPr>
+            <p:extLst>
+              <p:ext uri="{D42A27DB-BD31-4B8C-83A1-F6EECF244321}">
+                <p14:modId xmlns:p14="http://schemas.microsoft.com/office/powerpoint/2010/main" val="3943481673"/>
+              </p:ext>
+            </p:extLst>
+          </p:nvPr>
+        </p:nvGraphicFramePr>
+        <p:xfrm>
+          <a:off x="8656163" y="2300105"/>
+          <a:ext cx="1942707" cy="1483360"/>
+        </p:xfrm>
+        <a:graphic>
+          <a:graphicData uri="http://schemas.openxmlformats.org/drawingml/2006/table">
+            <a:tbl>
+              <a:tblPr firstRow="1" bandRow="1">
+                <a:tableStyleId>{5940675A-B579-460E-94D1-54222C63F5DA}</a:tableStyleId>
+              </a:tblPr>
+              <a:tblGrid>
+                <a:gridCol w="1942707">
+                  <a:extLst>
+                    <a:ext uri="{9D8B030D-6E8A-4147-A177-3AD203B41FA5}">
+                      <a16:colId xmlns:a16="http://schemas.microsoft.com/office/drawing/2014/main" val="1404436280"/>
+                    </a:ext>
+                  </a:extLst>
+                </a:gridCol>
+              </a:tblGrid>
+              <a:tr h="370840">
+                <a:tc>
+                  <a:txBody>
+                    <a:bodyPr/>
+                    <a:lstStyle/>
+                    <a:p>
+                      <a:r>
+                        <a:rPr lang="en-US" b="1" dirty="0"/>
+                        <a:t>Tag</a:t>
+                      </a:r>
+                    </a:p>
+                  </a:txBody>
+                  <a:tcPr/>
+                </a:tc>
+                <a:extLst>
+                  <a:ext uri="{0D108BD9-81ED-4DB2-BD59-A6C34878D82A}">
+                    <a16:rowId xmlns:a16="http://schemas.microsoft.com/office/drawing/2014/main" val="3183712289"/>
+                  </a:ext>
+                </a:extLst>
+              </a:tr>
+              <a:tr h="370840">
+                <a:tc>
+                  <a:txBody>
+                    <a:bodyPr/>
+                    <a:lstStyle/>
+                    <a:p>
+                      <a:r>
+                        <a:rPr lang="en-US" dirty="0"/>
+                        <a:t>tag_ID (pk)</a:t>
+                      </a:r>
+                    </a:p>
+                  </a:txBody>
+                  <a:tcPr/>
+                </a:tc>
+                <a:extLst>
+                  <a:ext uri="{0D108BD9-81ED-4DB2-BD59-A6C34878D82A}">
+                    <a16:rowId xmlns:a16="http://schemas.microsoft.com/office/drawing/2014/main" val="2393649828"/>
+                  </a:ext>
+                </a:extLst>
+              </a:tr>
+              <a:tr h="370840">
+                <a:tc>
+                  <a:txBody>
+                    <a:bodyPr/>
+                    <a:lstStyle/>
+                    <a:p>
+                      <a:r>
+                        <a:rPr lang="en-US" dirty="0"/>
+                        <a:t>tagName</a:t>
+                      </a:r>
+                    </a:p>
+                  </a:txBody>
+                  <a:tcPr/>
+                </a:tc>
+                <a:extLst>
+                  <a:ext uri="{0D108BD9-81ED-4DB2-BD59-A6C34878D82A}">
+                    <a16:rowId xmlns:a16="http://schemas.microsoft.com/office/drawing/2014/main" val="2823548411"/>
+                  </a:ext>
+                </a:extLst>
+              </a:tr>
+              <a:tr h="370840">
+                <a:tc>
+                  <a:txBody>
+                    <a:bodyPr/>
+                    <a:lstStyle/>
+                    <a:p>
+                      <a:r>
+                        <a:rPr lang="en-US" dirty="0"/>
+                        <a:t>user_ID (fk)</a:t>
+                      </a:r>
+                    </a:p>
+                  </a:txBody>
+                  <a:tcPr/>
+                </a:tc>
+                <a:extLst>
+                  <a:ext uri="{0D108BD9-81ED-4DB2-BD59-A6C34878D82A}">
+                    <a16:rowId xmlns:a16="http://schemas.microsoft.com/office/drawing/2014/main" val="1196365692"/>
+                  </a:ext>
+                </a:extLst>
+              </a:tr>
+            </a:tbl>
+          </a:graphicData>
+        </a:graphic>
+      </p:graphicFrame>
+      <p:graphicFrame>
+        <p:nvGraphicFramePr>
+          <p:cNvPr id="7" name="Content Placeholder 3">
+            <a:extLst>
+              <a:ext uri="{FF2B5EF4-FFF2-40B4-BE49-F238E27FC236}">
+                <a16:creationId xmlns:a16="http://schemas.microsoft.com/office/drawing/2014/main" id="{06083724-58C1-424A-8EB0-1CB320E06EE0}"/>
+              </a:ext>
+            </a:extLst>
+          </p:cNvPr>
+          <p:cNvGraphicFramePr>
+            <a:graphicFrameLocks/>
+          </p:cNvGraphicFramePr>
+          <p:nvPr>
+            <p:extLst>
+              <p:ext uri="{D42A27DB-BD31-4B8C-83A1-F6EECF244321}">
+                <p14:modId xmlns:p14="http://schemas.microsoft.com/office/powerpoint/2010/main" val="2161139092"/>
+              </p:ext>
+            </p:extLst>
+          </p:nvPr>
+        </p:nvGraphicFramePr>
+        <p:xfrm>
+          <a:off x="6449505" y="4364866"/>
+          <a:ext cx="1942707" cy="1112520"/>
+        </p:xfrm>
+        <a:graphic>
+          <a:graphicData uri="http://schemas.openxmlformats.org/drawingml/2006/table">
+            <a:tbl>
+              <a:tblPr firstRow="1" bandRow="1">
+                <a:tableStyleId>{5940675A-B579-460E-94D1-54222C63F5DA}</a:tableStyleId>
+              </a:tblPr>
+              <a:tblGrid>
+                <a:gridCol w="1942707">
+                  <a:extLst>
+                    <a:ext uri="{9D8B030D-6E8A-4147-A177-3AD203B41FA5}">
+                      <a16:colId xmlns:a16="http://schemas.microsoft.com/office/drawing/2014/main" val="1404436280"/>
+                    </a:ext>
+                  </a:extLst>
+                </a:gridCol>
+              </a:tblGrid>
+              <a:tr h="370840">
+                <a:tc>
+                  <a:txBody>
+                    <a:bodyPr/>
+                    <a:lstStyle/>
+                    <a:p>
+                      <a:r>
+                        <a:rPr lang="en-US" b="1" dirty="0"/>
+                        <a:t>Item_tag</a:t>
+                      </a:r>
+                    </a:p>
+                  </a:txBody>
+                  <a:tcPr/>
+                </a:tc>
+                <a:extLst>
+                  <a:ext uri="{0D108BD9-81ED-4DB2-BD59-A6C34878D82A}">
+                    <a16:rowId xmlns:a16="http://schemas.microsoft.com/office/drawing/2014/main" val="3183712289"/>
+                  </a:ext>
+                </a:extLst>
+              </a:tr>
+              <a:tr h="370840">
+                <a:tc>
+                  <a:txBody>
+                    <a:bodyPr/>
+                    <a:lstStyle/>
+                    <a:p>
+                      <a:r>
+                        <a:rPr lang="en-US" dirty="0"/>
+                        <a:t>Item_ID (fk)</a:t>
+                      </a:r>
+                    </a:p>
+                  </a:txBody>
+                  <a:tcPr/>
+                </a:tc>
+                <a:extLst>
+                  <a:ext uri="{0D108BD9-81ED-4DB2-BD59-A6C34878D82A}">
+                    <a16:rowId xmlns:a16="http://schemas.microsoft.com/office/drawing/2014/main" val="2393649828"/>
+                  </a:ext>
+                </a:extLst>
+              </a:tr>
+              <a:tr h="370840">
+                <a:tc>
+                  <a:txBody>
+                    <a:bodyPr/>
+                    <a:lstStyle/>
+                    <a:p>
+                      <a:r>
+                        <a:rPr lang="en-US" dirty="0"/>
+                        <a:t>tag_ID (fk)</a:t>
+                      </a:r>
+                    </a:p>
+                  </a:txBody>
+                  <a:tcPr/>
+                </a:tc>
+                <a:extLst>
+                  <a:ext uri="{0D108BD9-81ED-4DB2-BD59-A6C34878D82A}">
+                    <a16:rowId xmlns:a16="http://schemas.microsoft.com/office/drawing/2014/main" val="2948983468"/>
+                  </a:ext>
+                </a:extLst>
+              </a:tr>
+            </a:tbl>
+          </a:graphicData>
+        </a:graphic>
+      </p:graphicFrame>
+      <p:cxnSp>
+        <p:nvCxnSpPr>
+          <p:cNvPr id="9" name="Straight Arrow Connector 8">
+            <a:extLst>
+              <a:ext uri="{FF2B5EF4-FFF2-40B4-BE49-F238E27FC236}">
+                <a16:creationId xmlns:a16="http://schemas.microsoft.com/office/drawing/2014/main" id="{37ABB51B-E48E-44A9-8E20-4FFB558C84D7}"/>
+              </a:ext>
+            </a:extLst>
+          </p:cNvPr>
+          <p:cNvCxnSpPr>
+            <a:cxnSpLocks/>
+          </p:cNvCxnSpPr>
+          <p:nvPr/>
+        </p:nvCxnSpPr>
+        <p:spPr>
+          <a:xfrm>
+            <a:off x="3403077" y="2897244"/>
+            <a:ext cx="750216" cy="0"/>
+          </a:xfrm>
+          <a:prstGeom prst="straightConnector1">
+            <a:avLst/>
+          </a:prstGeom>
+          <a:ln>
+            <a:headEnd type="triangle"/>
+            <a:tailEnd type="triangle"/>
+          </a:ln>
+        </p:spPr>
+        <p:style>
+          <a:lnRef idx="1">
+            <a:schemeClr val="dk1"/>
+          </a:lnRef>
+          <a:fillRef idx="0">
+            <a:schemeClr val="dk1"/>
+          </a:fillRef>
+          <a:effectRef idx="0">
+            <a:schemeClr val="dk1"/>
+          </a:effectRef>
+          <a:fontRef idx="minor">
+            <a:schemeClr val="tx1"/>
+          </a:fontRef>
+        </p:style>
+      </p:cxnSp>
+      <p:cxnSp>
+        <p:nvCxnSpPr>
+          <p:cNvPr id="15" name="Connector: Elbow 14">
+            <a:extLst>
+              <a:ext uri="{FF2B5EF4-FFF2-40B4-BE49-F238E27FC236}">
+                <a16:creationId xmlns:a16="http://schemas.microsoft.com/office/drawing/2014/main" id="{2B61811D-06B2-45AF-8719-2B415B61B91F}"/>
+              </a:ext>
+            </a:extLst>
+          </p:cNvPr>
+          <p:cNvCxnSpPr>
+            <a:cxnSpLocks/>
+            <a:stCxn id="4" idx="0"/>
+            <a:endCxn id="6" idx="0"/>
+          </p:cNvCxnSpPr>
+          <p:nvPr/>
+        </p:nvCxnSpPr>
+        <p:spPr>
+          <a:xfrm rot="5400000" flipH="1" flipV="1">
+            <a:off x="6017049" y="-1285220"/>
+            <a:ext cx="25141" cy="7195793"/>
+          </a:xfrm>
+          <a:prstGeom prst="bentConnector3">
+            <a:avLst>
+              <a:gd name="adj1" fmla="val 1009272"/>
+            </a:avLst>
+          </a:prstGeom>
+          <a:ln>
+            <a:headEnd type="triangle"/>
+            <a:tailEnd type="triangle"/>
+          </a:ln>
+        </p:spPr>
+        <p:style>
+          <a:lnRef idx="1">
+            <a:schemeClr val="dk1"/>
+          </a:lnRef>
+          <a:fillRef idx="0">
+            <a:schemeClr val="dk1"/>
+          </a:fillRef>
+          <a:effectRef idx="0">
+            <a:schemeClr val="dk1"/>
+          </a:effectRef>
+          <a:fontRef idx="minor">
+            <a:schemeClr val="tx1"/>
+          </a:fontRef>
+        </p:style>
+      </p:cxnSp>
+      <p:cxnSp>
+        <p:nvCxnSpPr>
+          <p:cNvPr id="20" name="Connector: Elbow 19">
+            <a:extLst>
+              <a:ext uri="{FF2B5EF4-FFF2-40B4-BE49-F238E27FC236}">
+                <a16:creationId xmlns:a16="http://schemas.microsoft.com/office/drawing/2014/main" id="{1A42E268-D7AA-4E37-A64E-059558A5B74D}"/>
+              </a:ext>
+            </a:extLst>
+          </p:cNvPr>
+          <p:cNvCxnSpPr>
+            <a:cxnSpLocks/>
+            <a:stCxn id="5" idx="2"/>
+            <a:endCxn id="7" idx="0"/>
+          </p:cNvCxnSpPr>
+          <p:nvPr/>
+        </p:nvCxnSpPr>
+        <p:spPr>
+          <a:xfrm rot="16200000" flipH="1">
+            <a:off x="5994622" y="2938630"/>
+            <a:ext cx="556260" cy="2296212"/>
+          </a:xfrm>
+          <a:prstGeom prst="bentConnector3">
+            <a:avLst>
+              <a:gd name="adj1" fmla="val 50000"/>
+            </a:avLst>
+          </a:prstGeom>
+          <a:ln>
+            <a:headEnd type="triangle"/>
+            <a:tailEnd type="triangle"/>
+          </a:ln>
+        </p:spPr>
+        <p:style>
+          <a:lnRef idx="1">
+            <a:schemeClr val="dk1"/>
+          </a:lnRef>
+          <a:fillRef idx="0">
+            <a:schemeClr val="dk1"/>
+          </a:fillRef>
+          <a:effectRef idx="0">
+            <a:schemeClr val="dk1"/>
+          </a:effectRef>
+          <a:fontRef idx="minor">
+            <a:schemeClr val="tx1"/>
+          </a:fontRef>
+        </p:style>
+      </p:cxnSp>
+      <p:cxnSp>
+        <p:nvCxnSpPr>
+          <p:cNvPr id="24" name="Connector: Elbow 23">
+            <a:extLst>
+              <a:ext uri="{FF2B5EF4-FFF2-40B4-BE49-F238E27FC236}">
+                <a16:creationId xmlns:a16="http://schemas.microsoft.com/office/drawing/2014/main" id="{359A2526-B13A-448C-8C1B-E49DCBB05D1A}"/>
+              </a:ext>
+            </a:extLst>
+          </p:cNvPr>
+          <p:cNvCxnSpPr>
+            <a:cxnSpLocks/>
+            <a:stCxn id="7" idx="0"/>
+            <a:endCxn id="6" idx="2"/>
+          </p:cNvCxnSpPr>
+          <p:nvPr/>
+        </p:nvCxnSpPr>
+        <p:spPr>
+          <a:xfrm rot="5400000" flipH="1" flipV="1">
+            <a:off x="8233487" y="2970837"/>
+            <a:ext cx="581401" cy="2206658"/>
+          </a:xfrm>
+          <a:prstGeom prst="bentConnector3">
+            <a:avLst>
+              <a:gd name="adj1" fmla="val 46757"/>
+            </a:avLst>
+          </a:prstGeom>
+          <a:ln>
+            <a:headEnd type="triangle"/>
+            <a:tailEnd type="triangle"/>
+          </a:ln>
+        </p:spPr>
+        <p:style>
+          <a:lnRef idx="1">
+            <a:schemeClr val="dk1"/>
+          </a:lnRef>
+          <a:fillRef idx="0">
+            <a:schemeClr val="dk1"/>
+          </a:fillRef>
+          <a:effectRef idx="0">
+            <a:schemeClr val="dk1"/>
+          </a:effectRef>
+          <a:fontRef idx="minor">
+            <a:schemeClr val="tx1"/>
+          </a:fontRef>
+        </p:style>
+      </p:cxnSp>
+      <p:sp>
+        <p:nvSpPr>
+          <p:cNvPr id="31" name="TextBox 30">
+            <a:extLst>
+              <a:ext uri="{FF2B5EF4-FFF2-40B4-BE49-F238E27FC236}">
+                <a16:creationId xmlns:a16="http://schemas.microsoft.com/office/drawing/2014/main" id="{D9EE7219-B8AE-4755-BA51-C58096397639}"/>
+              </a:ext>
+            </a:extLst>
+          </p:cNvPr>
+          <p:cNvSpPr txBox="1"/>
+          <p:nvPr/>
+        </p:nvSpPr>
+        <p:spPr>
+          <a:xfrm>
+            <a:off x="3403077" y="2885079"/>
+            <a:ext cx="805500" cy="307777"/>
+          </a:xfrm>
+          <a:prstGeom prst="rect">
+            <a:avLst/>
+          </a:prstGeom>
+          <a:noFill/>
+        </p:spPr>
+        <p:txBody>
+          <a:bodyPr wrap="square" rtlCol="0">
+            <a:spAutoFit/>
+          </a:bodyPr>
+          <a:lstStyle/>
+          <a:p>
+            <a:r>
+              <a:rPr lang="en-US" sz="1400" dirty="0"/>
+              <a:t>1        ∞</a:t>
+            </a:r>
+          </a:p>
+        </p:txBody>
+      </p:sp>
+      <p:sp>
+        <p:nvSpPr>
+          <p:cNvPr id="32" name="TextBox 31">
+            <a:extLst>
+              <a:ext uri="{FF2B5EF4-FFF2-40B4-BE49-F238E27FC236}">
+                <a16:creationId xmlns:a16="http://schemas.microsoft.com/office/drawing/2014/main" id="{E14F5629-2FD8-4C86-8020-E1BF21EEA6F1}"/>
+              </a:ext>
+            </a:extLst>
+          </p:cNvPr>
+          <p:cNvSpPr txBox="1"/>
+          <p:nvPr/>
+        </p:nvSpPr>
+        <p:spPr>
+          <a:xfrm>
+            <a:off x="6851326" y="4063630"/>
+            <a:ext cx="375106" cy="307777"/>
+          </a:xfrm>
+          <a:prstGeom prst="rect">
+            <a:avLst/>
+          </a:prstGeom>
+          <a:noFill/>
+        </p:spPr>
+        <p:txBody>
+          <a:bodyPr wrap="square" rtlCol="0">
+            <a:spAutoFit/>
+          </a:bodyPr>
+          <a:lstStyle/>
+          <a:p>
+            <a:r>
+              <a:rPr lang="en-US" sz="1400" dirty="0"/>
+              <a:t> ∞</a:t>
+            </a:r>
+          </a:p>
+        </p:txBody>
+      </p:sp>
+      <p:sp>
+        <p:nvSpPr>
+          <p:cNvPr id="33" name="TextBox 32">
+            <a:extLst>
+              <a:ext uri="{FF2B5EF4-FFF2-40B4-BE49-F238E27FC236}">
+                <a16:creationId xmlns:a16="http://schemas.microsoft.com/office/drawing/2014/main" id="{E7D8A7FE-A011-468D-B7A3-BEAE17656CE2}"/>
+              </a:ext>
+            </a:extLst>
+          </p:cNvPr>
+          <p:cNvSpPr txBox="1"/>
+          <p:nvPr/>
+        </p:nvSpPr>
+        <p:spPr>
+          <a:xfrm>
+            <a:off x="7533982" y="4055646"/>
+            <a:ext cx="375106" cy="307777"/>
+          </a:xfrm>
+          <a:prstGeom prst="rect">
+            <a:avLst/>
+          </a:prstGeom>
+          <a:noFill/>
+        </p:spPr>
+        <p:txBody>
+          <a:bodyPr wrap="square" rtlCol="0">
+            <a:spAutoFit/>
+          </a:bodyPr>
+          <a:lstStyle/>
+          <a:p>
+            <a:r>
+              <a:rPr lang="en-US" sz="1400" dirty="0"/>
+              <a:t> ∞</a:t>
+            </a:r>
+          </a:p>
+        </p:txBody>
+      </p:sp>
+      <p:sp>
+        <p:nvSpPr>
+          <p:cNvPr id="34" name="TextBox 33">
+            <a:extLst>
+              <a:ext uri="{FF2B5EF4-FFF2-40B4-BE49-F238E27FC236}">
+                <a16:creationId xmlns:a16="http://schemas.microsoft.com/office/drawing/2014/main" id="{93F1C400-314C-4D5A-86D1-1DCADBBADBD5}"/>
+              </a:ext>
+            </a:extLst>
+          </p:cNvPr>
+          <p:cNvSpPr txBox="1"/>
+          <p:nvPr/>
+        </p:nvSpPr>
+        <p:spPr>
+          <a:xfrm>
+            <a:off x="9588243" y="2002096"/>
+            <a:ext cx="375106" cy="307777"/>
+          </a:xfrm>
+          <a:prstGeom prst="rect">
+            <a:avLst/>
+          </a:prstGeom>
+          <a:noFill/>
+        </p:spPr>
+        <p:txBody>
+          <a:bodyPr wrap="square" rtlCol="0">
+            <a:spAutoFit/>
+          </a:bodyPr>
+          <a:lstStyle/>
+          <a:p>
+            <a:r>
+              <a:rPr lang="en-US" sz="1400" dirty="0"/>
+              <a:t> ∞</a:t>
+            </a:r>
+          </a:p>
+        </p:txBody>
+      </p:sp>
+      <p:sp>
+        <p:nvSpPr>
+          <p:cNvPr id="35" name="TextBox 34">
+            <a:extLst>
+              <a:ext uri="{FF2B5EF4-FFF2-40B4-BE49-F238E27FC236}">
+                <a16:creationId xmlns:a16="http://schemas.microsoft.com/office/drawing/2014/main" id="{8FAAF065-D636-413A-A225-FB5FBEEA8BFE}"/>
+              </a:ext>
+            </a:extLst>
+          </p:cNvPr>
+          <p:cNvSpPr txBox="1"/>
+          <p:nvPr/>
+        </p:nvSpPr>
+        <p:spPr>
+          <a:xfrm>
+            <a:off x="2127316" y="1992559"/>
+            <a:ext cx="375106" cy="307777"/>
+          </a:xfrm>
+          <a:prstGeom prst="rect">
+            <a:avLst/>
+          </a:prstGeom>
+          <a:noFill/>
+        </p:spPr>
+        <p:txBody>
+          <a:bodyPr wrap="square" rtlCol="0">
+            <a:spAutoFit/>
+          </a:bodyPr>
+          <a:lstStyle/>
+          <a:p>
+            <a:r>
+              <a:rPr lang="en-US" sz="1400" dirty="0"/>
+              <a:t>1</a:t>
+            </a:r>
+          </a:p>
+        </p:txBody>
+      </p:sp>
+    </p:spTree>
+    <p:extLst>
+      <p:ext uri="{BB962C8B-B14F-4D97-AF65-F5344CB8AC3E}">
+        <p14:creationId xmlns:p14="http://schemas.microsoft.com/office/powerpoint/2010/main" val="1631425465"/>
       </p:ext>
     </p:extLst>
   </p:cSld>
